--- a/Figures/Drawings.pptx
+++ b/Figures/Drawings.pptx
@@ -5,10 +5,11 @@
     <p:sldMasterId id="2147483648" r:id="rId1"/>
   </p:sldMasterIdLst>
   <p:notesMasterIdLst>
-    <p:notesMasterId r:id="rId3"/>
+    <p:notesMasterId r:id="rId4"/>
   </p:notesMasterIdLst>
   <p:sldIdLst>
     <p:sldId id="257" r:id="rId2"/>
+    <p:sldId id="258" r:id="rId3"/>
   </p:sldIdLst>
   <p:sldSz cx="12192000" cy="6858000"/>
   <p:notesSz cx="6858000" cy="9144000"/>
@@ -535,6 +536,90 @@
     <p:extLst>
       <p:ext uri="{BB962C8B-B14F-4D97-AF65-F5344CB8AC3E}">
         <p14:creationId xmlns:p14="http://schemas.microsoft.com/office/powerpoint/2010/main" val="4002582847"/>
+      </p:ext>
+    </p:extLst>
+  </p:cSld>
+  <p:clrMapOvr>
+    <a:masterClrMapping/>
+  </p:clrMapOvr>
+</p:notes>
+</file>
+
+<file path=ppt/notesSlides/notesSlide2.xml><?xml version="1.0" encoding="utf-8"?>
+<p:notes xmlns:a="http://schemas.openxmlformats.org/drawingml/2006/main" xmlns:r="http://schemas.openxmlformats.org/officeDocument/2006/relationships" xmlns:p="http://schemas.openxmlformats.org/presentationml/2006/main">
+  <p:cSld>
+    <p:spTree>
+      <p:nvGrpSpPr>
+        <p:cNvPr id="1" name=""/>
+        <p:cNvGrpSpPr/>
+        <p:nvPr/>
+      </p:nvGrpSpPr>
+      <p:grpSpPr>
+        <a:xfrm>
+          <a:off x="0" y="0"/>
+          <a:ext cx="0" cy="0"/>
+          <a:chOff x="0" y="0"/>
+          <a:chExt cx="0" cy="0"/>
+        </a:xfrm>
+      </p:grpSpPr>
+      <p:sp>
+        <p:nvSpPr>
+          <p:cNvPr id="2" name="Slide Image Placeholder 1"/>
+          <p:cNvSpPr>
+            <a:spLocks noGrp="1" noRot="1" noChangeAspect="1"/>
+          </p:cNvSpPr>
+          <p:nvPr>
+            <p:ph type="sldImg"/>
+          </p:nvPr>
+        </p:nvSpPr>
+        <p:spPr/>
+      </p:sp>
+      <p:sp>
+        <p:nvSpPr>
+          <p:cNvPr id="3" name="Notes Placeholder 2"/>
+          <p:cNvSpPr>
+            <a:spLocks noGrp="1"/>
+          </p:cNvSpPr>
+          <p:nvPr>
+            <p:ph type="body" idx="1"/>
+          </p:nvPr>
+        </p:nvSpPr>
+        <p:spPr/>
+        <p:txBody>
+          <a:bodyPr/>
+          <a:lstStyle/>
+          <a:p>
+            <a:endParaRPr lang="en-US" dirty="0"/>
+          </a:p>
+        </p:txBody>
+      </p:sp>
+      <p:sp>
+        <p:nvSpPr>
+          <p:cNvPr id="4" name="Slide Number Placeholder 3"/>
+          <p:cNvSpPr>
+            <a:spLocks noGrp="1"/>
+          </p:cNvSpPr>
+          <p:nvPr>
+            <p:ph type="sldNum" sz="quarter" idx="5"/>
+          </p:nvPr>
+        </p:nvSpPr>
+        <p:spPr/>
+        <p:txBody>
+          <a:bodyPr/>
+          <a:lstStyle/>
+          <a:p>
+            <a:fld id="{C52BA620-5B59-F84C-B915-4EE48FAB3494}" type="slidenum">
+              <a:rPr lang="en-US" smtClean="0"/>
+              <a:t>2</a:t>
+            </a:fld>
+            <a:endParaRPr lang="en-US"/>
+          </a:p>
+        </p:txBody>
+      </p:sp>
+    </p:spTree>
+    <p:extLst>
+      <p:ext uri="{BB962C8B-B14F-4D97-AF65-F5344CB8AC3E}">
+        <p14:creationId xmlns:p14="http://schemas.microsoft.com/office/powerpoint/2010/main" val="1631567041"/>
       </p:ext>
     </p:extLst>
   </p:cSld>
@@ -4578,6 +4663,824 @@
 </p:sld>
 </file>
 
+<file path=ppt/slides/slide2.xml><?xml version="1.0" encoding="utf-8"?>
+<p:sld xmlns:a="http://schemas.openxmlformats.org/drawingml/2006/main" xmlns:r="http://schemas.openxmlformats.org/officeDocument/2006/relationships" xmlns:p="http://schemas.openxmlformats.org/presentationml/2006/main">
+  <p:cSld>
+    <p:spTree>
+      <p:nvGrpSpPr>
+        <p:cNvPr id="1" name=""/>
+        <p:cNvGrpSpPr/>
+        <p:nvPr/>
+      </p:nvGrpSpPr>
+      <p:grpSpPr>
+        <a:xfrm>
+          <a:off x="0" y="0"/>
+          <a:ext cx="0" cy="0"/>
+          <a:chOff x="0" y="0"/>
+          <a:chExt cx="0" cy="0"/>
+        </a:xfrm>
+      </p:grpSpPr>
+      <p:grpSp>
+        <p:nvGrpSpPr>
+          <p:cNvPr id="67" name="Group 66">
+            <a:extLst>
+              <a:ext uri="{FF2B5EF4-FFF2-40B4-BE49-F238E27FC236}">
+                <a16:creationId xmlns:a16="http://schemas.microsoft.com/office/drawing/2014/main" id="{92A98E18-AADE-9A4E-BF95-554872DD96DD}"/>
+              </a:ext>
+            </a:extLst>
+          </p:cNvPr>
+          <p:cNvGrpSpPr>
+            <a:grpSpLocks noChangeAspect="1"/>
+          </p:cNvGrpSpPr>
+          <p:nvPr/>
+        </p:nvGrpSpPr>
+        <p:grpSpPr>
+          <a:xfrm>
+            <a:off x="3040687" y="725746"/>
+            <a:ext cx="2636213" cy="2263440"/>
+            <a:chOff x="3040687" y="725745"/>
+            <a:chExt cx="6107289" cy="5243689"/>
+          </a:xfrm>
+        </p:grpSpPr>
+        <p:grpSp>
+          <p:nvGrpSpPr>
+            <p:cNvPr id="63" name="Group 62">
+              <a:extLst>
+                <a:ext uri="{FF2B5EF4-FFF2-40B4-BE49-F238E27FC236}">
+                  <a16:creationId xmlns:a16="http://schemas.microsoft.com/office/drawing/2014/main" id="{37C33DAA-6A0D-D54D-A816-D0A127BCC745}"/>
+                </a:ext>
+              </a:extLst>
+            </p:cNvPr>
+            <p:cNvGrpSpPr/>
+            <p:nvPr/>
+          </p:nvGrpSpPr>
+          <p:grpSpPr>
+            <a:xfrm>
+              <a:off x="3270603" y="852055"/>
+              <a:ext cx="5650787" cy="4788579"/>
+              <a:chOff x="3270603" y="852055"/>
+              <a:chExt cx="5650787" cy="4788579"/>
+            </a:xfrm>
+          </p:grpSpPr>
+          <p:sp>
+            <p:nvSpPr>
+              <p:cNvPr id="7" name="Rectangle 6">
+                <a:extLst>
+                  <a:ext uri="{FF2B5EF4-FFF2-40B4-BE49-F238E27FC236}">
+                    <a16:creationId xmlns:a16="http://schemas.microsoft.com/office/drawing/2014/main" id="{65F5D5F1-5DB4-D642-92BB-78508245C179}"/>
+                  </a:ext>
+                </a:extLst>
+              </p:cNvPr>
+              <p:cNvSpPr/>
+              <p:nvPr/>
+            </p:nvSpPr>
+            <p:spPr>
+              <a:xfrm>
+                <a:off x="3270603" y="852055"/>
+                <a:ext cx="5650787" cy="2263994"/>
+              </a:xfrm>
+              <a:prstGeom prst="rect">
+                <a:avLst/>
+              </a:prstGeom>
+            </p:spPr>
+            <p:style>
+              <a:lnRef idx="1">
+                <a:schemeClr val="accent3"/>
+              </a:lnRef>
+              <a:fillRef idx="2">
+                <a:schemeClr val="accent3"/>
+              </a:fillRef>
+              <a:effectRef idx="1">
+                <a:schemeClr val="accent3"/>
+              </a:effectRef>
+              <a:fontRef idx="minor">
+                <a:schemeClr val="dk1"/>
+              </a:fontRef>
+            </p:style>
+            <p:txBody>
+              <a:bodyPr rtlCol="0" anchor="t" anchorCtr="0"/>
+              <a:lstStyle/>
+              <a:p>
+                <a:pPr algn="ctr"/>
+                <a:r>
+                  <a:rPr lang="en-US" sz="1000" b="1" dirty="0" err="1"/>
+                  <a:t>DataHandle</a:t>
+                </a:r>
+                <a:endParaRPr lang="en-US" sz="800" b="1" dirty="0"/>
+              </a:p>
+            </p:txBody>
+          </p:sp>
+          <p:sp>
+            <p:nvSpPr>
+              <p:cNvPr id="4" name="Oval 3">
+                <a:extLst>
+                  <a:ext uri="{FF2B5EF4-FFF2-40B4-BE49-F238E27FC236}">
+                    <a16:creationId xmlns:a16="http://schemas.microsoft.com/office/drawing/2014/main" id="{D7AAB97D-8757-B249-807E-122D570CA155}"/>
+                  </a:ext>
+                </a:extLst>
+              </p:cNvPr>
+              <p:cNvSpPr/>
+              <p:nvPr/>
+            </p:nvSpPr>
+            <p:spPr>
+              <a:xfrm>
+                <a:off x="5294613" y="4037865"/>
+                <a:ext cx="1602769" cy="1602769"/>
+              </a:xfrm>
+              <a:prstGeom prst="ellipse">
+                <a:avLst/>
+              </a:prstGeom>
+            </p:spPr>
+            <p:style>
+              <a:lnRef idx="1">
+                <a:schemeClr val="accent6"/>
+              </a:lnRef>
+              <a:fillRef idx="2">
+                <a:schemeClr val="accent6"/>
+              </a:fillRef>
+              <a:effectRef idx="1">
+                <a:schemeClr val="accent6"/>
+              </a:effectRef>
+              <a:fontRef idx="minor">
+                <a:schemeClr val="dk1"/>
+              </a:fontRef>
+            </p:style>
+            <p:txBody>
+              <a:bodyPr lIns="0" rIns="0" rtlCol="0" anchor="ctr"/>
+              <a:lstStyle/>
+              <a:p>
+                <a:pPr algn="ctr"/>
+                <a:r>
+                  <a:rPr lang="en-US" sz="800" b="1" dirty="0"/>
+                  <a:t>Operation</a:t>
+                </a:r>
+              </a:p>
+            </p:txBody>
+          </p:sp>
+          <p:sp>
+            <p:nvSpPr>
+              <p:cNvPr id="5" name="Oval 4">
+                <a:extLst>
+                  <a:ext uri="{FF2B5EF4-FFF2-40B4-BE49-F238E27FC236}">
+                    <a16:creationId xmlns:a16="http://schemas.microsoft.com/office/drawing/2014/main" id="{0EFB5D44-1331-6444-9B2B-2A97C92F1B69}"/>
+                  </a:ext>
+                </a:extLst>
+              </p:cNvPr>
+              <p:cNvSpPr/>
+              <p:nvPr/>
+            </p:nvSpPr>
+            <p:spPr>
+              <a:xfrm>
+                <a:off x="6897384" y="1217365"/>
+                <a:ext cx="1602769" cy="1602769"/>
+              </a:xfrm>
+              <a:prstGeom prst="ellipse">
+                <a:avLst/>
+              </a:prstGeom>
+            </p:spPr>
+            <p:style>
+              <a:lnRef idx="1">
+                <a:schemeClr val="accent2"/>
+              </a:lnRef>
+              <a:fillRef idx="2">
+                <a:schemeClr val="accent2"/>
+              </a:fillRef>
+              <a:effectRef idx="1">
+                <a:schemeClr val="accent2"/>
+              </a:effectRef>
+              <a:fontRef idx="minor">
+                <a:schemeClr val="dk1"/>
+              </a:fontRef>
+            </p:style>
+            <p:txBody>
+              <a:bodyPr lIns="0" rIns="0" rtlCol="0" anchor="ctr"/>
+              <a:lstStyle/>
+              <a:p>
+                <a:pPr algn="ctr"/>
+                <a:r>
+                  <a:rPr lang="en-US" sz="800" b="1" dirty="0"/>
+                  <a:t>Memory</a:t>
+                </a:r>
+              </a:p>
+            </p:txBody>
+          </p:sp>
+          <p:sp>
+            <p:nvSpPr>
+              <p:cNvPr id="6" name="Oval 5">
+                <a:extLst>
+                  <a:ext uri="{FF2B5EF4-FFF2-40B4-BE49-F238E27FC236}">
+                    <a16:creationId xmlns:a16="http://schemas.microsoft.com/office/drawing/2014/main" id="{605A6646-DA8A-E041-80E3-A197A6720A1F}"/>
+                  </a:ext>
+                </a:extLst>
+              </p:cNvPr>
+              <p:cNvSpPr/>
+              <p:nvPr/>
+            </p:nvSpPr>
+            <p:spPr>
+              <a:xfrm>
+                <a:off x="3691846" y="1217365"/>
+                <a:ext cx="1602769" cy="1602769"/>
+              </a:xfrm>
+              <a:prstGeom prst="ellipse">
+                <a:avLst/>
+              </a:prstGeom>
+            </p:spPr>
+            <p:style>
+              <a:lnRef idx="1">
+                <a:schemeClr val="accent1"/>
+              </a:lnRef>
+              <a:fillRef idx="2">
+                <a:schemeClr val="accent1"/>
+              </a:fillRef>
+              <a:effectRef idx="1">
+                <a:schemeClr val="accent1"/>
+              </a:effectRef>
+              <a:fontRef idx="minor">
+                <a:schemeClr val="dk1"/>
+              </a:fontRef>
+            </p:style>
+            <p:txBody>
+              <a:bodyPr lIns="0" rIns="0" rtlCol="0" anchor="ctr"/>
+              <a:lstStyle/>
+              <a:p>
+                <a:pPr algn="ctr"/>
+                <a:r>
+                  <a:rPr lang="en-US" sz="800" b="1" dirty="0"/>
+                  <a:t>Disk</a:t>
+                </a:r>
+              </a:p>
+            </p:txBody>
+          </p:sp>
+          <p:cxnSp>
+            <p:nvCxnSpPr>
+              <p:cNvPr id="42" name="Curved Connector 41">
+                <a:extLst>
+                  <a:ext uri="{FF2B5EF4-FFF2-40B4-BE49-F238E27FC236}">
+                    <a16:creationId xmlns:a16="http://schemas.microsoft.com/office/drawing/2014/main" id="{07421F64-7C41-AF46-A128-6537B70480FB}"/>
+                  </a:ext>
+                </a:extLst>
+              </p:cNvPr>
+              <p:cNvCxnSpPr>
+                <a:cxnSpLocks/>
+              </p:cNvCxnSpPr>
+              <p:nvPr/>
+            </p:nvCxnSpPr>
+            <p:spPr>
+              <a:xfrm rot="5400000" flipH="1" flipV="1">
+                <a:off x="6095304" y="1169374"/>
+                <a:ext cx="1394" cy="1497226"/>
+              </a:xfrm>
+              <a:prstGeom prst="curvedConnector3">
+                <a:avLst>
+                  <a:gd name="adj1" fmla="val 16997202"/>
+                </a:avLst>
+              </a:prstGeom>
+              <a:ln w="38100">
+                <a:tailEnd type="triangle"/>
+              </a:ln>
+            </p:spPr>
+            <p:style>
+              <a:lnRef idx="3">
+                <a:schemeClr val="dk1"/>
+              </a:lnRef>
+              <a:fillRef idx="0">
+                <a:schemeClr val="dk1"/>
+              </a:fillRef>
+              <a:effectRef idx="2">
+                <a:schemeClr val="dk1"/>
+              </a:effectRef>
+              <a:fontRef idx="minor">
+                <a:schemeClr val="tx1"/>
+              </a:fontRef>
+            </p:style>
+          </p:cxnSp>
+          <p:cxnSp>
+            <p:nvCxnSpPr>
+              <p:cNvPr id="46" name="Curved Connector 45">
+                <a:extLst>
+                  <a:ext uri="{FF2B5EF4-FFF2-40B4-BE49-F238E27FC236}">
+                    <a16:creationId xmlns:a16="http://schemas.microsoft.com/office/drawing/2014/main" id="{C0737B0D-D9BA-8A4C-AB76-F8F636E27FAE}"/>
+                  </a:ext>
+                </a:extLst>
+              </p:cNvPr>
+              <p:cNvCxnSpPr>
+                <a:cxnSpLocks/>
+              </p:cNvCxnSpPr>
+              <p:nvPr/>
+            </p:nvCxnSpPr>
+            <p:spPr>
+              <a:xfrm rot="5400000">
+                <a:off x="6095301" y="1370897"/>
+                <a:ext cx="1394" cy="1497226"/>
+              </a:xfrm>
+              <a:prstGeom prst="curvedConnector3">
+                <a:avLst>
+                  <a:gd name="adj1" fmla="val 16997202"/>
+                </a:avLst>
+              </a:prstGeom>
+              <a:ln w="38100">
+                <a:tailEnd type="triangle"/>
+              </a:ln>
+            </p:spPr>
+            <p:style>
+              <a:lnRef idx="3">
+                <a:schemeClr val="dk1"/>
+              </a:lnRef>
+              <a:fillRef idx="0">
+                <a:schemeClr val="dk1"/>
+              </a:fillRef>
+              <a:effectRef idx="2">
+                <a:schemeClr val="dk1"/>
+              </a:effectRef>
+              <a:fontRef idx="minor">
+                <a:schemeClr val="tx1"/>
+              </a:fontRef>
+            </p:style>
+          </p:cxnSp>
+          <p:cxnSp>
+            <p:nvCxnSpPr>
+              <p:cNvPr id="49" name="Curved Connector 48">
+                <a:extLst>
+                  <a:ext uri="{FF2B5EF4-FFF2-40B4-BE49-F238E27FC236}">
+                    <a16:creationId xmlns:a16="http://schemas.microsoft.com/office/drawing/2014/main" id="{9082FA3E-4A23-E446-AEEA-1404483BCFA1}"/>
+                  </a:ext>
+                </a:extLst>
+              </p:cNvPr>
+              <p:cNvCxnSpPr>
+                <a:cxnSpLocks/>
+              </p:cNvCxnSpPr>
+              <p:nvPr/>
+            </p:nvCxnSpPr>
+            <p:spPr>
+              <a:xfrm rot="9000000" flipH="1" flipV="1">
+                <a:off x="5433950" y="2598977"/>
+                <a:ext cx="1394" cy="1497226"/>
+              </a:xfrm>
+              <a:prstGeom prst="curvedConnector3">
+                <a:avLst>
+                  <a:gd name="adj1" fmla="val 16997202"/>
+                </a:avLst>
+              </a:prstGeom>
+              <a:ln w="38100">
+                <a:tailEnd type="triangle"/>
+              </a:ln>
+            </p:spPr>
+            <p:style>
+              <a:lnRef idx="3">
+                <a:schemeClr val="dk1"/>
+              </a:lnRef>
+              <a:fillRef idx="0">
+                <a:schemeClr val="dk1"/>
+              </a:fillRef>
+              <a:effectRef idx="2">
+                <a:schemeClr val="dk1"/>
+              </a:effectRef>
+              <a:fontRef idx="minor">
+                <a:schemeClr val="tx1"/>
+              </a:fontRef>
+            </p:style>
+          </p:cxnSp>
+          <p:cxnSp>
+            <p:nvCxnSpPr>
+              <p:cNvPr id="50" name="Curved Connector 49">
+                <a:extLst>
+                  <a:ext uri="{FF2B5EF4-FFF2-40B4-BE49-F238E27FC236}">
+                    <a16:creationId xmlns:a16="http://schemas.microsoft.com/office/drawing/2014/main" id="{908A38DD-ACF5-0449-954C-A5A06D6ABF9D}"/>
+                  </a:ext>
+                </a:extLst>
+              </p:cNvPr>
+              <p:cNvCxnSpPr>
+                <a:cxnSpLocks/>
+              </p:cNvCxnSpPr>
+              <p:nvPr/>
+            </p:nvCxnSpPr>
+            <p:spPr>
+              <a:xfrm rot="9000000">
+                <a:off x="5259425" y="2699736"/>
+                <a:ext cx="1394" cy="1497226"/>
+              </a:xfrm>
+              <a:prstGeom prst="curvedConnector3">
+                <a:avLst>
+                  <a:gd name="adj1" fmla="val 16997202"/>
+                </a:avLst>
+              </a:prstGeom>
+              <a:ln w="38100">
+                <a:tailEnd type="triangle"/>
+              </a:ln>
+            </p:spPr>
+            <p:style>
+              <a:lnRef idx="3">
+                <a:schemeClr val="dk1"/>
+              </a:lnRef>
+              <a:fillRef idx="0">
+                <a:schemeClr val="dk1"/>
+              </a:fillRef>
+              <a:effectRef idx="2">
+                <a:schemeClr val="dk1"/>
+              </a:effectRef>
+              <a:fontRef idx="minor">
+                <a:schemeClr val="tx1"/>
+              </a:fontRef>
+            </p:style>
+          </p:cxnSp>
+          <p:cxnSp>
+            <p:nvCxnSpPr>
+              <p:cNvPr id="52" name="Curved Connector 51">
+                <a:extLst>
+                  <a:ext uri="{FF2B5EF4-FFF2-40B4-BE49-F238E27FC236}">
+                    <a16:creationId xmlns:a16="http://schemas.microsoft.com/office/drawing/2014/main" id="{559A6BB0-0DBB-1441-B07A-22C9A0753C70}"/>
+                  </a:ext>
+                </a:extLst>
+              </p:cNvPr>
+              <p:cNvCxnSpPr>
+                <a:cxnSpLocks/>
+              </p:cNvCxnSpPr>
+              <p:nvPr/>
+            </p:nvCxnSpPr>
+            <p:spPr>
+              <a:xfrm rot="12600000" flipV="1">
+                <a:off x="6783038" y="2598977"/>
+                <a:ext cx="1394" cy="1497226"/>
+              </a:xfrm>
+              <a:prstGeom prst="curvedConnector3">
+                <a:avLst>
+                  <a:gd name="adj1" fmla="val 16997202"/>
+                </a:avLst>
+              </a:prstGeom>
+              <a:ln w="38100">
+                <a:tailEnd type="triangle"/>
+              </a:ln>
+            </p:spPr>
+            <p:style>
+              <a:lnRef idx="3">
+                <a:schemeClr val="dk1"/>
+              </a:lnRef>
+              <a:fillRef idx="0">
+                <a:schemeClr val="dk1"/>
+              </a:fillRef>
+              <a:effectRef idx="2">
+                <a:schemeClr val="dk1"/>
+              </a:effectRef>
+              <a:fontRef idx="minor">
+                <a:schemeClr val="tx1"/>
+              </a:fontRef>
+            </p:style>
+          </p:cxnSp>
+          <p:cxnSp>
+            <p:nvCxnSpPr>
+              <p:cNvPr id="53" name="Curved Connector 52">
+                <a:extLst>
+                  <a:ext uri="{FF2B5EF4-FFF2-40B4-BE49-F238E27FC236}">
+                    <a16:creationId xmlns:a16="http://schemas.microsoft.com/office/drawing/2014/main" id="{D1B518FF-89F4-B54D-9EE0-2AAD8A29CEE6}"/>
+                  </a:ext>
+                </a:extLst>
+              </p:cNvPr>
+              <p:cNvCxnSpPr>
+                <a:cxnSpLocks/>
+              </p:cNvCxnSpPr>
+              <p:nvPr/>
+            </p:nvCxnSpPr>
+            <p:spPr>
+              <a:xfrm rot="12600000" flipH="1">
+                <a:off x="6957563" y="2699736"/>
+                <a:ext cx="1394" cy="1497226"/>
+              </a:xfrm>
+              <a:prstGeom prst="curvedConnector3">
+                <a:avLst>
+                  <a:gd name="adj1" fmla="val 16997202"/>
+                </a:avLst>
+              </a:prstGeom>
+              <a:ln w="38100">
+                <a:tailEnd type="triangle"/>
+              </a:ln>
+            </p:spPr>
+            <p:style>
+              <a:lnRef idx="3">
+                <a:schemeClr val="dk1"/>
+              </a:lnRef>
+              <a:fillRef idx="0">
+                <a:schemeClr val="dk1"/>
+              </a:fillRef>
+              <a:effectRef idx="2">
+                <a:schemeClr val="dk1"/>
+              </a:effectRef>
+              <a:fontRef idx="minor">
+                <a:schemeClr val="tx1"/>
+              </a:fontRef>
+            </p:style>
+          </p:cxnSp>
+          <p:sp>
+            <p:nvSpPr>
+              <p:cNvPr id="55" name="TextBox 54">
+                <a:extLst>
+                  <a:ext uri="{FF2B5EF4-FFF2-40B4-BE49-F238E27FC236}">
+                    <a16:creationId xmlns:a16="http://schemas.microsoft.com/office/drawing/2014/main" id="{AFDC090C-1B82-584A-8046-BB48292C993D}"/>
+                  </a:ext>
+                </a:extLst>
+              </p:cNvPr>
+              <p:cNvSpPr txBox="1"/>
+              <p:nvPr/>
+            </p:nvSpPr>
+            <p:spPr>
+              <a:xfrm>
+                <a:off x="5712466" y="1671531"/>
+                <a:ext cx="895734" cy="499117"/>
+              </a:xfrm>
+              <a:prstGeom prst="rect">
+                <a:avLst/>
+              </a:prstGeom>
+              <a:noFill/>
+            </p:spPr>
+            <p:txBody>
+              <a:bodyPr wrap="none" rtlCol="0">
+                <a:spAutoFit/>
+              </a:bodyPr>
+              <a:lstStyle/>
+              <a:p>
+                <a:r>
+                  <a:rPr lang="en-US" sz="800" dirty="0"/>
+                  <a:t>D2M</a:t>
+                </a:r>
+              </a:p>
+            </p:txBody>
+          </p:sp>
+          <p:sp>
+            <p:nvSpPr>
+              <p:cNvPr id="56" name="TextBox 55">
+                <a:extLst>
+                  <a:ext uri="{FF2B5EF4-FFF2-40B4-BE49-F238E27FC236}">
+                    <a16:creationId xmlns:a16="http://schemas.microsoft.com/office/drawing/2014/main" id="{295657B6-A2A0-A441-8E5E-17EB8428A77A}"/>
+                  </a:ext>
+                </a:extLst>
+              </p:cNvPr>
+              <p:cNvSpPr txBox="1"/>
+              <p:nvPr/>
+            </p:nvSpPr>
+            <p:spPr>
+              <a:xfrm>
+                <a:off x="5712466" y="2352392"/>
+                <a:ext cx="895734" cy="499117"/>
+              </a:xfrm>
+              <a:prstGeom prst="rect">
+                <a:avLst/>
+              </a:prstGeom>
+              <a:noFill/>
+            </p:spPr>
+            <p:txBody>
+              <a:bodyPr wrap="none" rtlCol="0">
+                <a:spAutoFit/>
+              </a:bodyPr>
+              <a:lstStyle/>
+              <a:p>
+                <a:r>
+                  <a:rPr lang="en-US" sz="800" dirty="0"/>
+                  <a:t>M2D</a:t>
+                </a:r>
+              </a:p>
+            </p:txBody>
+          </p:sp>
+          <p:sp>
+            <p:nvSpPr>
+              <p:cNvPr id="57" name="TextBox 56">
+                <a:extLst>
+                  <a:ext uri="{FF2B5EF4-FFF2-40B4-BE49-F238E27FC236}">
+                    <a16:creationId xmlns:a16="http://schemas.microsoft.com/office/drawing/2014/main" id="{28DBFABB-36AC-A14E-A4AD-73800C48C8D9}"/>
+                  </a:ext>
+                </a:extLst>
+              </p:cNvPr>
+              <p:cNvSpPr txBox="1"/>
+              <p:nvPr/>
+            </p:nvSpPr>
+            <p:spPr>
+              <a:xfrm rot="18000000">
+                <a:off x="6844443" y="3483478"/>
+                <a:ext cx="906877" cy="499117"/>
+              </a:xfrm>
+              <a:prstGeom prst="rect">
+                <a:avLst/>
+              </a:prstGeom>
+              <a:noFill/>
+            </p:spPr>
+            <p:txBody>
+              <a:bodyPr wrap="none" rtlCol="0">
+                <a:spAutoFit/>
+              </a:bodyPr>
+              <a:lstStyle/>
+              <a:p>
+                <a:r>
+                  <a:rPr lang="en-US" sz="800" dirty="0"/>
+                  <a:t>O2M</a:t>
+                </a:r>
+              </a:p>
+            </p:txBody>
+          </p:sp>
+          <p:sp>
+            <p:nvSpPr>
+              <p:cNvPr id="58" name="TextBox 57">
+                <a:extLst>
+                  <a:ext uri="{FF2B5EF4-FFF2-40B4-BE49-F238E27FC236}">
+                    <a16:creationId xmlns:a16="http://schemas.microsoft.com/office/drawing/2014/main" id="{B5FB23C9-EA36-2147-80F8-4109443C9B64}"/>
+                  </a:ext>
+                </a:extLst>
+              </p:cNvPr>
+              <p:cNvSpPr txBox="1"/>
+              <p:nvPr/>
+            </p:nvSpPr>
+            <p:spPr>
+              <a:xfrm rot="18000000">
+                <a:off x="6244800" y="3202395"/>
+                <a:ext cx="906877" cy="499117"/>
+              </a:xfrm>
+              <a:prstGeom prst="rect">
+                <a:avLst/>
+              </a:prstGeom>
+              <a:noFill/>
+            </p:spPr>
+            <p:txBody>
+              <a:bodyPr wrap="none" rtlCol="0">
+                <a:spAutoFit/>
+              </a:bodyPr>
+              <a:lstStyle/>
+              <a:p>
+                <a:r>
+                  <a:rPr lang="en-US" sz="800" dirty="0"/>
+                  <a:t>M2O</a:t>
+                </a:r>
+              </a:p>
+            </p:txBody>
+          </p:sp>
+          <p:sp>
+            <p:nvSpPr>
+              <p:cNvPr id="59" name="TextBox 58">
+                <a:extLst>
+                  <a:ext uri="{FF2B5EF4-FFF2-40B4-BE49-F238E27FC236}">
+                    <a16:creationId xmlns:a16="http://schemas.microsoft.com/office/drawing/2014/main" id="{A64E62F7-F7FF-7F4C-A847-A8586DC202A5}"/>
+                  </a:ext>
+                </a:extLst>
+              </p:cNvPr>
+              <p:cNvSpPr txBox="1"/>
+              <p:nvPr/>
+            </p:nvSpPr>
+            <p:spPr>
+              <a:xfrm rot="3600000">
+                <a:off x="4499111" y="3483478"/>
+                <a:ext cx="847459" cy="499117"/>
+              </a:xfrm>
+              <a:prstGeom prst="rect">
+                <a:avLst/>
+              </a:prstGeom>
+              <a:noFill/>
+            </p:spPr>
+            <p:txBody>
+              <a:bodyPr wrap="none" rtlCol="0">
+                <a:spAutoFit/>
+              </a:bodyPr>
+              <a:lstStyle/>
+              <a:p>
+                <a:r>
+                  <a:rPr lang="en-US" sz="800" dirty="0"/>
+                  <a:t>O2D</a:t>
+                </a:r>
+              </a:p>
+            </p:txBody>
+          </p:sp>
+          <p:sp>
+            <p:nvSpPr>
+              <p:cNvPr id="60" name="TextBox 59">
+                <a:extLst>
+                  <a:ext uri="{FF2B5EF4-FFF2-40B4-BE49-F238E27FC236}">
+                    <a16:creationId xmlns:a16="http://schemas.microsoft.com/office/drawing/2014/main" id="{900BC8E0-5BD1-D94A-8BD4-709E99BF4768}"/>
+                  </a:ext>
+                </a:extLst>
+              </p:cNvPr>
+              <p:cNvSpPr txBox="1"/>
+              <p:nvPr/>
+            </p:nvSpPr>
+            <p:spPr>
+              <a:xfrm rot="3600000">
+                <a:off x="5094586" y="3202395"/>
+                <a:ext cx="847459" cy="499117"/>
+              </a:xfrm>
+              <a:prstGeom prst="rect">
+                <a:avLst/>
+              </a:prstGeom>
+              <a:noFill/>
+            </p:spPr>
+            <p:txBody>
+              <a:bodyPr wrap="none" rtlCol="0">
+                <a:spAutoFit/>
+              </a:bodyPr>
+              <a:lstStyle/>
+              <a:p>
+                <a:r>
+                  <a:rPr lang="en-US" sz="800" dirty="0"/>
+                  <a:t>D2O</a:t>
+                </a:r>
+              </a:p>
+            </p:txBody>
+          </p:sp>
+        </p:grpSp>
+        <p:sp>
+          <p:nvSpPr>
+            <p:cNvPr id="64" name="Rectangle 63">
+              <a:extLst>
+                <a:ext uri="{FF2B5EF4-FFF2-40B4-BE49-F238E27FC236}">
+                  <a16:creationId xmlns:a16="http://schemas.microsoft.com/office/drawing/2014/main" id="{39FE6EBB-9D03-5D49-BA9A-4FEB92E825A2}"/>
+                </a:ext>
+              </a:extLst>
+            </p:cNvPr>
+            <p:cNvSpPr/>
+            <p:nvPr/>
+          </p:nvSpPr>
+          <p:spPr>
+            <a:xfrm>
+              <a:off x="3040687" y="725745"/>
+              <a:ext cx="6107289" cy="5243689"/>
+            </a:xfrm>
+            <a:prstGeom prst="rect">
+              <a:avLst/>
+            </a:prstGeom>
+            <a:noFill/>
+            <a:ln w="38100">
+              <a:solidFill>
+                <a:schemeClr val="tx1"/>
+              </a:solidFill>
+            </a:ln>
+          </p:spPr>
+          <p:style>
+            <a:lnRef idx="2">
+              <a:schemeClr val="accent1">
+                <a:shade val="50000"/>
+              </a:schemeClr>
+            </a:lnRef>
+            <a:fillRef idx="1">
+              <a:schemeClr val="accent1"/>
+            </a:fillRef>
+            <a:effectRef idx="0">
+              <a:schemeClr val="accent1"/>
+            </a:effectRef>
+            <a:fontRef idx="minor">
+              <a:schemeClr val="lt1"/>
+            </a:fontRef>
+          </p:style>
+          <p:txBody>
+            <a:bodyPr rtlCol="0" anchor="ctr"/>
+            <a:lstStyle/>
+            <a:p>
+              <a:pPr algn="ctr"/>
+              <a:endParaRPr lang="en-US" sz="800"/>
+            </a:p>
+          </p:txBody>
+        </p:sp>
+        <p:sp>
+          <p:nvSpPr>
+            <p:cNvPr id="66" name="TextBox 65">
+              <a:extLst>
+                <a:ext uri="{FF2B5EF4-FFF2-40B4-BE49-F238E27FC236}">
+                  <a16:creationId xmlns:a16="http://schemas.microsoft.com/office/drawing/2014/main" id="{E54D8AD1-ABE1-8E4D-9DCC-1BA4E8026FA7}"/>
+                </a:ext>
+              </a:extLst>
+            </p:cNvPr>
+            <p:cNvSpPr txBox="1"/>
+            <p:nvPr/>
+          </p:nvSpPr>
+          <p:spPr>
+            <a:xfrm>
+              <a:off x="3040687" y="5319772"/>
+              <a:ext cx="1870943" cy="641721"/>
+            </a:xfrm>
+            <a:prstGeom prst="rect">
+              <a:avLst/>
+            </a:prstGeom>
+            <a:noFill/>
+          </p:spPr>
+          <p:txBody>
+            <a:bodyPr wrap="none" rtlCol="0">
+              <a:spAutoFit/>
+            </a:bodyPr>
+            <a:lstStyle/>
+            <a:p>
+              <a:r>
+                <a:rPr lang="en-US" sz="1200" dirty="0"/>
+                <a:t>Data Flow</a:t>
+              </a:r>
+            </a:p>
+          </p:txBody>
+        </p:sp>
+      </p:grpSp>
+    </p:spTree>
+    <p:extLst>
+      <p:ext uri="{BB962C8B-B14F-4D97-AF65-F5344CB8AC3E}">
+        <p14:creationId xmlns:p14="http://schemas.microsoft.com/office/powerpoint/2010/main" val="1456126351"/>
+      </p:ext>
+    </p:extLst>
+  </p:cSld>
+  <p:clrMapOvr>
+    <a:masterClrMapping/>
+  </p:clrMapOvr>
+</p:sld>
+</file>
+
 <file path=ppt/theme/theme1.xml><?xml version="1.0" encoding="utf-8"?>
 <a:theme xmlns:a="http://schemas.openxmlformats.org/drawingml/2006/main" name="Office Theme">
   <a:themeElements>

--- a/Figures/Drawings.pptx
+++ b/Figures/Drawings.pptx
@@ -5,11 +5,10 @@
     <p:sldMasterId id="2147483648" r:id="rId1"/>
   </p:sldMasterIdLst>
   <p:notesMasterIdLst>
-    <p:notesMasterId r:id="rId4"/>
+    <p:notesMasterId r:id="rId3"/>
   </p:notesMasterIdLst>
   <p:sldIdLst>
-    <p:sldId id="257" r:id="rId2"/>
-    <p:sldId id="258" r:id="rId3"/>
+    <p:sldId id="258" r:id="rId2"/>
   </p:sldIdLst>
   <p:sldSz cx="12192000" cy="6858000"/>
   <p:notesSz cx="6858000" cy="9144000"/>
@@ -527,90 +526,6 @@
             <a:fld id="{C52BA620-5B59-F84C-B915-4EE48FAB3494}" type="slidenum">
               <a:rPr lang="en-US" smtClean="0"/>
               <a:t>1</a:t>
-            </a:fld>
-            <a:endParaRPr lang="en-US"/>
-          </a:p>
-        </p:txBody>
-      </p:sp>
-    </p:spTree>
-    <p:extLst>
-      <p:ext uri="{BB962C8B-B14F-4D97-AF65-F5344CB8AC3E}">
-        <p14:creationId xmlns:p14="http://schemas.microsoft.com/office/powerpoint/2010/main" val="4002582847"/>
-      </p:ext>
-    </p:extLst>
-  </p:cSld>
-  <p:clrMapOvr>
-    <a:masterClrMapping/>
-  </p:clrMapOvr>
-</p:notes>
-</file>
-
-<file path=ppt/notesSlides/notesSlide2.xml><?xml version="1.0" encoding="utf-8"?>
-<p:notes xmlns:a="http://schemas.openxmlformats.org/drawingml/2006/main" xmlns:r="http://schemas.openxmlformats.org/officeDocument/2006/relationships" xmlns:p="http://schemas.openxmlformats.org/presentationml/2006/main">
-  <p:cSld>
-    <p:spTree>
-      <p:nvGrpSpPr>
-        <p:cNvPr id="1" name=""/>
-        <p:cNvGrpSpPr/>
-        <p:nvPr/>
-      </p:nvGrpSpPr>
-      <p:grpSpPr>
-        <a:xfrm>
-          <a:off x="0" y="0"/>
-          <a:ext cx="0" cy="0"/>
-          <a:chOff x="0" y="0"/>
-          <a:chExt cx="0" cy="0"/>
-        </a:xfrm>
-      </p:grpSpPr>
-      <p:sp>
-        <p:nvSpPr>
-          <p:cNvPr id="2" name="Slide Image Placeholder 1"/>
-          <p:cNvSpPr>
-            <a:spLocks noGrp="1" noRot="1" noChangeAspect="1"/>
-          </p:cNvSpPr>
-          <p:nvPr>
-            <p:ph type="sldImg"/>
-          </p:nvPr>
-        </p:nvSpPr>
-        <p:spPr/>
-      </p:sp>
-      <p:sp>
-        <p:nvSpPr>
-          <p:cNvPr id="3" name="Notes Placeholder 2"/>
-          <p:cNvSpPr>
-            <a:spLocks noGrp="1"/>
-          </p:cNvSpPr>
-          <p:nvPr>
-            <p:ph type="body" idx="1"/>
-          </p:nvPr>
-        </p:nvSpPr>
-        <p:spPr/>
-        <p:txBody>
-          <a:bodyPr/>
-          <a:lstStyle/>
-          <a:p>
-            <a:endParaRPr lang="en-US" dirty="0"/>
-          </a:p>
-        </p:txBody>
-      </p:sp>
-      <p:sp>
-        <p:nvSpPr>
-          <p:cNvPr id="4" name="Slide Number Placeholder 3"/>
-          <p:cNvSpPr>
-            <a:spLocks noGrp="1"/>
-          </p:cNvSpPr>
-          <p:nvPr>
-            <p:ph type="sldNum" sz="quarter" idx="5"/>
-          </p:nvPr>
-        </p:nvSpPr>
-        <p:spPr/>
-        <p:txBody>
-          <a:bodyPr/>
-          <a:lstStyle/>
-          <a:p>
-            <a:fld id="{C52BA620-5B59-F84C-B915-4EE48FAB3494}" type="slidenum">
-              <a:rPr lang="en-US" smtClean="0"/>
-              <a:t>2</a:t>
             </a:fld>
             <a:endParaRPr lang="en-US"/>
           </a:p>
@@ -3873,695 +3788,19 @@
               </a:ext>
             </a:extLst>
           </p:cNvPr>
-          <p:cNvGrpSpPr/>
+          <p:cNvGrpSpPr>
+            <a:grpSpLocks noChangeAspect="1"/>
+          </p:cNvGrpSpPr>
           <p:nvPr/>
         </p:nvGrpSpPr>
         <p:grpSpPr>
           <a:xfrm>
-            <a:off x="3040687" y="725745"/>
-            <a:ext cx="6107289" cy="5243689"/>
+            <a:off x="4777893" y="2297280"/>
+            <a:ext cx="2636213" cy="2263440"/>
             <a:chOff x="3040687" y="725745"/>
             <a:chExt cx="6107289" cy="5243689"/>
           </a:xfrm>
         </p:grpSpPr>
-        <p:grpSp>
-          <p:nvGrpSpPr>
-            <p:cNvPr id="63" name="Group 62">
-              <a:extLst>
-                <a:ext uri="{FF2B5EF4-FFF2-40B4-BE49-F238E27FC236}">
-                  <a16:creationId xmlns:a16="http://schemas.microsoft.com/office/drawing/2014/main" id="{37C33DAA-6A0D-D54D-A816-D0A127BCC745}"/>
-                </a:ext>
-              </a:extLst>
-            </p:cNvPr>
-            <p:cNvGrpSpPr/>
-            <p:nvPr/>
-          </p:nvGrpSpPr>
-          <p:grpSpPr>
-            <a:xfrm>
-              <a:off x="3270603" y="852055"/>
-              <a:ext cx="5650787" cy="4788579"/>
-              <a:chOff x="3270603" y="852055"/>
-              <a:chExt cx="5650787" cy="4788579"/>
-            </a:xfrm>
-          </p:grpSpPr>
-          <p:sp>
-            <p:nvSpPr>
-              <p:cNvPr id="7" name="Rectangle 6">
-                <a:extLst>
-                  <a:ext uri="{FF2B5EF4-FFF2-40B4-BE49-F238E27FC236}">
-                    <a16:creationId xmlns:a16="http://schemas.microsoft.com/office/drawing/2014/main" id="{65F5D5F1-5DB4-D642-92BB-78508245C179}"/>
-                  </a:ext>
-                </a:extLst>
-              </p:cNvPr>
-              <p:cNvSpPr/>
-              <p:nvPr/>
-            </p:nvSpPr>
-            <p:spPr>
-              <a:xfrm>
-                <a:off x="3270603" y="852055"/>
-                <a:ext cx="5650787" cy="2263994"/>
-              </a:xfrm>
-              <a:prstGeom prst="rect">
-                <a:avLst/>
-              </a:prstGeom>
-            </p:spPr>
-            <p:style>
-              <a:lnRef idx="1">
-                <a:schemeClr val="accent3"/>
-              </a:lnRef>
-              <a:fillRef idx="2">
-                <a:schemeClr val="accent3"/>
-              </a:fillRef>
-              <a:effectRef idx="1">
-                <a:schemeClr val="accent3"/>
-              </a:effectRef>
-              <a:fontRef idx="minor">
-                <a:schemeClr val="dk1"/>
-              </a:fontRef>
-            </p:style>
-            <p:txBody>
-              <a:bodyPr rtlCol="0" anchor="t" anchorCtr="0"/>
-              <a:lstStyle/>
-              <a:p>
-                <a:pPr algn="ctr"/>
-                <a:r>
-                  <a:rPr lang="en-US" dirty="0" err="1"/>
-                  <a:t>DataHandle</a:t>
-                </a:r>
-                <a:endParaRPr lang="en-US" dirty="0"/>
-              </a:p>
-            </p:txBody>
-          </p:sp>
-          <p:sp>
-            <p:nvSpPr>
-              <p:cNvPr id="4" name="Oval 3">
-                <a:extLst>
-                  <a:ext uri="{FF2B5EF4-FFF2-40B4-BE49-F238E27FC236}">
-                    <a16:creationId xmlns:a16="http://schemas.microsoft.com/office/drawing/2014/main" id="{D7AAB97D-8757-B249-807E-122D570CA155}"/>
-                  </a:ext>
-                </a:extLst>
-              </p:cNvPr>
-              <p:cNvSpPr/>
-              <p:nvPr/>
-            </p:nvSpPr>
-            <p:spPr>
-              <a:xfrm>
-                <a:off x="5294613" y="4037865"/>
-                <a:ext cx="1602769" cy="1602769"/>
-              </a:xfrm>
-              <a:prstGeom prst="ellipse">
-                <a:avLst/>
-              </a:prstGeom>
-            </p:spPr>
-            <p:style>
-              <a:lnRef idx="1">
-                <a:schemeClr val="accent6"/>
-              </a:lnRef>
-              <a:fillRef idx="2">
-                <a:schemeClr val="accent6"/>
-              </a:fillRef>
-              <a:effectRef idx="1">
-                <a:schemeClr val="accent6"/>
-              </a:effectRef>
-              <a:fontRef idx="minor">
-                <a:schemeClr val="dk1"/>
-              </a:fontRef>
-            </p:style>
-            <p:txBody>
-              <a:bodyPr rtlCol="0" anchor="ctr"/>
-              <a:lstStyle/>
-              <a:p>
-                <a:pPr algn="ctr"/>
-                <a:r>
-                  <a:rPr lang="en-US" dirty="0"/>
-                  <a:t>Operation</a:t>
-                </a:r>
-              </a:p>
-            </p:txBody>
-          </p:sp>
-          <p:sp>
-            <p:nvSpPr>
-              <p:cNvPr id="5" name="Oval 4">
-                <a:extLst>
-                  <a:ext uri="{FF2B5EF4-FFF2-40B4-BE49-F238E27FC236}">
-                    <a16:creationId xmlns:a16="http://schemas.microsoft.com/office/drawing/2014/main" id="{0EFB5D44-1331-6444-9B2B-2A97C92F1B69}"/>
-                  </a:ext>
-                </a:extLst>
-              </p:cNvPr>
-              <p:cNvSpPr/>
-              <p:nvPr/>
-            </p:nvSpPr>
-            <p:spPr>
-              <a:xfrm>
-                <a:off x="6897384" y="1217365"/>
-                <a:ext cx="1602769" cy="1602769"/>
-              </a:xfrm>
-              <a:prstGeom prst="ellipse">
-                <a:avLst/>
-              </a:prstGeom>
-            </p:spPr>
-            <p:style>
-              <a:lnRef idx="1">
-                <a:schemeClr val="accent2"/>
-              </a:lnRef>
-              <a:fillRef idx="2">
-                <a:schemeClr val="accent2"/>
-              </a:fillRef>
-              <a:effectRef idx="1">
-                <a:schemeClr val="accent2"/>
-              </a:effectRef>
-              <a:fontRef idx="minor">
-                <a:schemeClr val="dk1"/>
-              </a:fontRef>
-            </p:style>
-            <p:txBody>
-              <a:bodyPr rtlCol="0" anchor="ctr"/>
-              <a:lstStyle/>
-              <a:p>
-                <a:pPr algn="ctr"/>
-                <a:r>
-                  <a:rPr lang="en-US" dirty="0"/>
-                  <a:t>Memory</a:t>
-                </a:r>
-              </a:p>
-            </p:txBody>
-          </p:sp>
-          <p:sp>
-            <p:nvSpPr>
-              <p:cNvPr id="6" name="Oval 5">
-                <a:extLst>
-                  <a:ext uri="{FF2B5EF4-FFF2-40B4-BE49-F238E27FC236}">
-                    <a16:creationId xmlns:a16="http://schemas.microsoft.com/office/drawing/2014/main" id="{605A6646-DA8A-E041-80E3-A197A6720A1F}"/>
-                  </a:ext>
-                </a:extLst>
-              </p:cNvPr>
-              <p:cNvSpPr/>
-              <p:nvPr/>
-            </p:nvSpPr>
-            <p:spPr>
-              <a:xfrm>
-                <a:off x="3691846" y="1217365"/>
-                <a:ext cx="1602769" cy="1602769"/>
-              </a:xfrm>
-              <a:prstGeom prst="ellipse">
-                <a:avLst/>
-              </a:prstGeom>
-            </p:spPr>
-            <p:style>
-              <a:lnRef idx="1">
-                <a:schemeClr val="accent1"/>
-              </a:lnRef>
-              <a:fillRef idx="2">
-                <a:schemeClr val="accent1"/>
-              </a:fillRef>
-              <a:effectRef idx="1">
-                <a:schemeClr val="accent1"/>
-              </a:effectRef>
-              <a:fontRef idx="minor">
-                <a:schemeClr val="dk1"/>
-              </a:fontRef>
-            </p:style>
-            <p:txBody>
-              <a:bodyPr rtlCol="0" anchor="ctr"/>
-              <a:lstStyle/>
-              <a:p>
-                <a:pPr algn="ctr"/>
-                <a:r>
-                  <a:rPr lang="en-US" dirty="0"/>
-                  <a:t>Disk</a:t>
-                </a:r>
-              </a:p>
-            </p:txBody>
-          </p:sp>
-          <p:cxnSp>
-            <p:nvCxnSpPr>
-              <p:cNvPr id="42" name="Curved Connector 41">
-                <a:extLst>
-                  <a:ext uri="{FF2B5EF4-FFF2-40B4-BE49-F238E27FC236}">
-                    <a16:creationId xmlns:a16="http://schemas.microsoft.com/office/drawing/2014/main" id="{07421F64-7C41-AF46-A128-6537B70480FB}"/>
-                  </a:ext>
-                </a:extLst>
-              </p:cNvPr>
-              <p:cNvCxnSpPr>
-                <a:cxnSpLocks/>
-              </p:cNvCxnSpPr>
-              <p:nvPr/>
-            </p:nvCxnSpPr>
-            <p:spPr>
-              <a:xfrm rot="5400000" flipH="1" flipV="1">
-                <a:off x="6095304" y="1169374"/>
-                <a:ext cx="1394" cy="1497226"/>
-              </a:xfrm>
-              <a:prstGeom prst="curvedConnector3">
-                <a:avLst>
-                  <a:gd name="adj1" fmla="val 16997202"/>
-                </a:avLst>
-              </a:prstGeom>
-              <a:ln w="76200">
-                <a:tailEnd type="triangle"/>
-              </a:ln>
-            </p:spPr>
-            <p:style>
-              <a:lnRef idx="3">
-                <a:schemeClr val="dk1"/>
-              </a:lnRef>
-              <a:fillRef idx="0">
-                <a:schemeClr val="dk1"/>
-              </a:fillRef>
-              <a:effectRef idx="2">
-                <a:schemeClr val="dk1"/>
-              </a:effectRef>
-              <a:fontRef idx="minor">
-                <a:schemeClr val="tx1"/>
-              </a:fontRef>
-            </p:style>
-          </p:cxnSp>
-          <p:cxnSp>
-            <p:nvCxnSpPr>
-              <p:cNvPr id="46" name="Curved Connector 45">
-                <a:extLst>
-                  <a:ext uri="{FF2B5EF4-FFF2-40B4-BE49-F238E27FC236}">
-                    <a16:creationId xmlns:a16="http://schemas.microsoft.com/office/drawing/2014/main" id="{C0737B0D-D9BA-8A4C-AB76-F8F636E27FAE}"/>
-                  </a:ext>
-                </a:extLst>
-              </p:cNvPr>
-              <p:cNvCxnSpPr>
-                <a:cxnSpLocks/>
-              </p:cNvCxnSpPr>
-              <p:nvPr/>
-            </p:nvCxnSpPr>
-            <p:spPr>
-              <a:xfrm rot="5400000">
-                <a:off x="6095301" y="1370897"/>
-                <a:ext cx="1394" cy="1497226"/>
-              </a:xfrm>
-              <a:prstGeom prst="curvedConnector3">
-                <a:avLst>
-                  <a:gd name="adj1" fmla="val 16997202"/>
-                </a:avLst>
-              </a:prstGeom>
-              <a:ln w="76200">
-                <a:tailEnd type="triangle"/>
-              </a:ln>
-            </p:spPr>
-            <p:style>
-              <a:lnRef idx="3">
-                <a:schemeClr val="dk1"/>
-              </a:lnRef>
-              <a:fillRef idx="0">
-                <a:schemeClr val="dk1"/>
-              </a:fillRef>
-              <a:effectRef idx="2">
-                <a:schemeClr val="dk1"/>
-              </a:effectRef>
-              <a:fontRef idx="minor">
-                <a:schemeClr val="tx1"/>
-              </a:fontRef>
-            </p:style>
-          </p:cxnSp>
-          <p:cxnSp>
-            <p:nvCxnSpPr>
-              <p:cNvPr id="49" name="Curved Connector 48">
-                <a:extLst>
-                  <a:ext uri="{FF2B5EF4-FFF2-40B4-BE49-F238E27FC236}">
-                    <a16:creationId xmlns:a16="http://schemas.microsoft.com/office/drawing/2014/main" id="{9082FA3E-4A23-E446-AEEA-1404483BCFA1}"/>
-                  </a:ext>
-                </a:extLst>
-              </p:cNvPr>
-              <p:cNvCxnSpPr>
-                <a:cxnSpLocks/>
-              </p:cNvCxnSpPr>
-              <p:nvPr/>
-            </p:nvCxnSpPr>
-            <p:spPr>
-              <a:xfrm rot="9000000" flipH="1" flipV="1">
-                <a:off x="5433950" y="2598977"/>
-                <a:ext cx="1394" cy="1497226"/>
-              </a:xfrm>
-              <a:prstGeom prst="curvedConnector3">
-                <a:avLst>
-                  <a:gd name="adj1" fmla="val 16997202"/>
-                </a:avLst>
-              </a:prstGeom>
-              <a:ln w="76200">
-                <a:tailEnd type="triangle"/>
-              </a:ln>
-            </p:spPr>
-            <p:style>
-              <a:lnRef idx="3">
-                <a:schemeClr val="dk1"/>
-              </a:lnRef>
-              <a:fillRef idx="0">
-                <a:schemeClr val="dk1"/>
-              </a:fillRef>
-              <a:effectRef idx="2">
-                <a:schemeClr val="dk1"/>
-              </a:effectRef>
-              <a:fontRef idx="minor">
-                <a:schemeClr val="tx1"/>
-              </a:fontRef>
-            </p:style>
-          </p:cxnSp>
-          <p:cxnSp>
-            <p:nvCxnSpPr>
-              <p:cNvPr id="50" name="Curved Connector 49">
-                <a:extLst>
-                  <a:ext uri="{FF2B5EF4-FFF2-40B4-BE49-F238E27FC236}">
-                    <a16:creationId xmlns:a16="http://schemas.microsoft.com/office/drawing/2014/main" id="{908A38DD-ACF5-0449-954C-A5A06D6ABF9D}"/>
-                  </a:ext>
-                </a:extLst>
-              </p:cNvPr>
-              <p:cNvCxnSpPr>
-                <a:cxnSpLocks/>
-              </p:cNvCxnSpPr>
-              <p:nvPr/>
-            </p:nvCxnSpPr>
-            <p:spPr>
-              <a:xfrm rot="9000000">
-                <a:off x="5259425" y="2699736"/>
-                <a:ext cx="1394" cy="1497226"/>
-              </a:xfrm>
-              <a:prstGeom prst="curvedConnector3">
-                <a:avLst>
-                  <a:gd name="adj1" fmla="val 16997202"/>
-                </a:avLst>
-              </a:prstGeom>
-              <a:ln w="76200">
-                <a:tailEnd type="triangle"/>
-              </a:ln>
-            </p:spPr>
-            <p:style>
-              <a:lnRef idx="3">
-                <a:schemeClr val="dk1"/>
-              </a:lnRef>
-              <a:fillRef idx="0">
-                <a:schemeClr val="dk1"/>
-              </a:fillRef>
-              <a:effectRef idx="2">
-                <a:schemeClr val="dk1"/>
-              </a:effectRef>
-              <a:fontRef idx="minor">
-                <a:schemeClr val="tx1"/>
-              </a:fontRef>
-            </p:style>
-          </p:cxnSp>
-          <p:cxnSp>
-            <p:nvCxnSpPr>
-              <p:cNvPr id="52" name="Curved Connector 51">
-                <a:extLst>
-                  <a:ext uri="{FF2B5EF4-FFF2-40B4-BE49-F238E27FC236}">
-                    <a16:creationId xmlns:a16="http://schemas.microsoft.com/office/drawing/2014/main" id="{559A6BB0-0DBB-1441-B07A-22C9A0753C70}"/>
-                  </a:ext>
-                </a:extLst>
-              </p:cNvPr>
-              <p:cNvCxnSpPr>
-                <a:cxnSpLocks/>
-              </p:cNvCxnSpPr>
-              <p:nvPr/>
-            </p:nvCxnSpPr>
-            <p:spPr>
-              <a:xfrm rot="12600000" flipV="1">
-                <a:off x="6783038" y="2598977"/>
-                <a:ext cx="1394" cy="1497226"/>
-              </a:xfrm>
-              <a:prstGeom prst="curvedConnector3">
-                <a:avLst>
-                  <a:gd name="adj1" fmla="val 16997202"/>
-                </a:avLst>
-              </a:prstGeom>
-              <a:ln w="76200">
-                <a:tailEnd type="triangle"/>
-              </a:ln>
-            </p:spPr>
-            <p:style>
-              <a:lnRef idx="3">
-                <a:schemeClr val="dk1"/>
-              </a:lnRef>
-              <a:fillRef idx="0">
-                <a:schemeClr val="dk1"/>
-              </a:fillRef>
-              <a:effectRef idx="2">
-                <a:schemeClr val="dk1"/>
-              </a:effectRef>
-              <a:fontRef idx="minor">
-                <a:schemeClr val="tx1"/>
-              </a:fontRef>
-            </p:style>
-          </p:cxnSp>
-          <p:cxnSp>
-            <p:nvCxnSpPr>
-              <p:cNvPr id="53" name="Curved Connector 52">
-                <a:extLst>
-                  <a:ext uri="{FF2B5EF4-FFF2-40B4-BE49-F238E27FC236}">
-                    <a16:creationId xmlns:a16="http://schemas.microsoft.com/office/drawing/2014/main" id="{D1B518FF-89F4-B54D-9EE0-2AAD8A29CEE6}"/>
-                  </a:ext>
-                </a:extLst>
-              </p:cNvPr>
-              <p:cNvCxnSpPr>
-                <a:cxnSpLocks/>
-              </p:cNvCxnSpPr>
-              <p:nvPr/>
-            </p:nvCxnSpPr>
-            <p:spPr>
-              <a:xfrm rot="12600000" flipH="1">
-                <a:off x="6957563" y="2699736"/>
-                <a:ext cx="1394" cy="1497226"/>
-              </a:xfrm>
-              <a:prstGeom prst="curvedConnector3">
-                <a:avLst>
-                  <a:gd name="adj1" fmla="val 16997202"/>
-                </a:avLst>
-              </a:prstGeom>
-              <a:ln w="76200">
-                <a:tailEnd type="triangle"/>
-              </a:ln>
-            </p:spPr>
-            <p:style>
-              <a:lnRef idx="3">
-                <a:schemeClr val="dk1"/>
-              </a:lnRef>
-              <a:fillRef idx="0">
-                <a:schemeClr val="dk1"/>
-              </a:fillRef>
-              <a:effectRef idx="2">
-                <a:schemeClr val="dk1"/>
-              </a:effectRef>
-              <a:fontRef idx="minor">
-                <a:schemeClr val="tx1"/>
-              </a:fontRef>
-            </p:style>
-          </p:cxnSp>
-          <p:sp>
-            <p:nvSpPr>
-              <p:cNvPr id="55" name="TextBox 54">
-                <a:extLst>
-                  <a:ext uri="{FF2B5EF4-FFF2-40B4-BE49-F238E27FC236}">
-                    <a16:creationId xmlns:a16="http://schemas.microsoft.com/office/drawing/2014/main" id="{AFDC090C-1B82-584A-8046-BB48292C993D}"/>
-                  </a:ext>
-                </a:extLst>
-              </p:cNvPr>
-              <p:cNvSpPr txBox="1"/>
-              <p:nvPr/>
-            </p:nvSpPr>
-            <p:spPr>
-              <a:xfrm>
-                <a:off x="5773571" y="1297238"/>
-                <a:ext cx="641522" cy="369332"/>
-              </a:xfrm>
-              <a:prstGeom prst="rect">
-                <a:avLst/>
-              </a:prstGeom>
-              <a:noFill/>
-            </p:spPr>
-            <p:txBody>
-              <a:bodyPr wrap="none" rtlCol="0">
-                <a:spAutoFit/>
-              </a:bodyPr>
-              <a:lstStyle/>
-              <a:p>
-                <a:r>
-                  <a:rPr lang="en-US" dirty="0"/>
-                  <a:t>D2M</a:t>
-                </a:r>
-              </a:p>
-            </p:txBody>
-          </p:sp>
-          <p:sp>
-            <p:nvSpPr>
-              <p:cNvPr id="56" name="TextBox 55">
-                <a:extLst>
-                  <a:ext uri="{FF2B5EF4-FFF2-40B4-BE49-F238E27FC236}">
-                    <a16:creationId xmlns:a16="http://schemas.microsoft.com/office/drawing/2014/main" id="{295657B6-A2A0-A441-8E5E-17EB8428A77A}"/>
-                  </a:ext>
-                </a:extLst>
-              </p:cNvPr>
-              <p:cNvSpPr txBox="1"/>
-              <p:nvPr/>
-            </p:nvSpPr>
-            <p:spPr>
-              <a:xfrm>
-                <a:off x="5773571" y="2413498"/>
-                <a:ext cx="641522" cy="369332"/>
-              </a:xfrm>
-              <a:prstGeom prst="rect">
-                <a:avLst/>
-              </a:prstGeom>
-              <a:noFill/>
-            </p:spPr>
-            <p:txBody>
-              <a:bodyPr wrap="none" rtlCol="0">
-                <a:spAutoFit/>
-              </a:bodyPr>
-              <a:lstStyle/>
-              <a:p>
-                <a:r>
-                  <a:rPr lang="en-US" dirty="0"/>
-                  <a:t>M2D</a:t>
-                </a:r>
-              </a:p>
-            </p:txBody>
-          </p:sp>
-          <p:sp>
-            <p:nvSpPr>
-              <p:cNvPr id="57" name="TextBox 56">
-                <a:extLst>
-                  <a:ext uri="{FF2B5EF4-FFF2-40B4-BE49-F238E27FC236}">
-                    <a16:creationId xmlns:a16="http://schemas.microsoft.com/office/drawing/2014/main" id="{28DBFABB-36AC-A14E-A4AD-73800C48C8D9}"/>
-                  </a:ext>
-                </a:extLst>
-              </p:cNvPr>
-              <p:cNvSpPr txBox="1"/>
-              <p:nvPr/>
-            </p:nvSpPr>
-            <p:spPr>
-              <a:xfrm rot="-3600000">
-                <a:off x="7043600" y="3548375"/>
-                <a:ext cx="651140" cy="369332"/>
-              </a:xfrm>
-              <a:prstGeom prst="rect">
-                <a:avLst/>
-              </a:prstGeom>
-              <a:noFill/>
-            </p:spPr>
-            <p:txBody>
-              <a:bodyPr wrap="none" rtlCol="0">
-                <a:spAutoFit/>
-              </a:bodyPr>
-              <a:lstStyle/>
-              <a:p>
-                <a:r>
-                  <a:rPr lang="en-US" dirty="0"/>
-                  <a:t>O2M</a:t>
-                </a:r>
-              </a:p>
-            </p:txBody>
-          </p:sp>
-          <p:sp>
-            <p:nvSpPr>
-              <p:cNvPr id="58" name="TextBox 57">
-                <a:extLst>
-                  <a:ext uri="{FF2B5EF4-FFF2-40B4-BE49-F238E27FC236}">
-                    <a16:creationId xmlns:a16="http://schemas.microsoft.com/office/drawing/2014/main" id="{B5FB23C9-EA36-2147-80F8-4109443C9B64}"/>
-                  </a:ext>
-                </a:extLst>
-              </p:cNvPr>
-              <p:cNvSpPr txBox="1"/>
-              <p:nvPr/>
-            </p:nvSpPr>
-            <p:spPr>
-              <a:xfrm rot="-3600000">
-                <a:off x="6372667" y="3267291"/>
-                <a:ext cx="651140" cy="369332"/>
-              </a:xfrm>
-              <a:prstGeom prst="rect">
-                <a:avLst/>
-              </a:prstGeom>
-              <a:noFill/>
-            </p:spPr>
-            <p:txBody>
-              <a:bodyPr wrap="none" rtlCol="0">
-                <a:spAutoFit/>
-              </a:bodyPr>
-              <a:lstStyle/>
-              <a:p>
-                <a:r>
-                  <a:rPr lang="en-US" dirty="0"/>
-                  <a:t>M2O</a:t>
-                </a:r>
-              </a:p>
-            </p:txBody>
-          </p:sp>
-          <p:sp>
-            <p:nvSpPr>
-              <p:cNvPr id="59" name="TextBox 58">
-                <a:extLst>
-                  <a:ext uri="{FF2B5EF4-FFF2-40B4-BE49-F238E27FC236}">
-                    <a16:creationId xmlns:a16="http://schemas.microsoft.com/office/drawing/2014/main" id="{A64E62F7-F7FF-7F4C-A847-A8586DC202A5}"/>
-                  </a:ext>
-                </a:extLst>
-              </p:cNvPr>
-              <p:cNvSpPr txBox="1"/>
-              <p:nvPr/>
-            </p:nvSpPr>
-            <p:spPr>
-              <a:xfrm rot="3600000">
-                <a:off x="4553235" y="3548375"/>
-                <a:ext cx="596638" cy="369332"/>
-              </a:xfrm>
-              <a:prstGeom prst="rect">
-                <a:avLst/>
-              </a:prstGeom>
-              <a:noFill/>
-            </p:spPr>
-            <p:txBody>
-              <a:bodyPr wrap="none" rtlCol="0">
-                <a:spAutoFit/>
-              </a:bodyPr>
-              <a:lstStyle/>
-              <a:p>
-                <a:r>
-                  <a:rPr lang="en-US" dirty="0"/>
-                  <a:t>O2D</a:t>
-                </a:r>
-              </a:p>
-            </p:txBody>
-          </p:sp>
-          <p:sp>
-            <p:nvSpPr>
-              <p:cNvPr id="60" name="TextBox 59">
-                <a:extLst>
-                  <a:ext uri="{FF2B5EF4-FFF2-40B4-BE49-F238E27FC236}">
-                    <a16:creationId xmlns:a16="http://schemas.microsoft.com/office/drawing/2014/main" id="{900BC8E0-5BD1-D94A-8BD4-709E99BF4768}"/>
-                  </a:ext>
-                </a:extLst>
-              </p:cNvPr>
-              <p:cNvSpPr txBox="1"/>
-              <p:nvPr/>
-            </p:nvSpPr>
-            <p:spPr>
-              <a:xfrm rot="3600000">
-                <a:off x="5219997" y="3267291"/>
-                <a:ext cx="596638" cy="369332"/>
-              </a:xfrm>
-              <a:prstGeom prst="rect">
-                <a:avLst/>
-              </a:prstGeom>
-              <a:noFill/>
-            </p:spPr>
-            <p:txBody>
-              <a:bodyPr wrap="none" rtlCol="0">
-                <a:spAutoFit/>
-              </a:bodyPr>
-              <a:lstStyle/>
-              <a:p>
-                <a:r>
-                  <a:rPr lang="en-US" dirty="0"/>
-                  <a:t>D2O</a:t>
-                </a:r>
-              </a:p>
-            </p:txBody>
-          </p:sp>
-        </p:grpSp>
         <p:sp>
           <p:nvSpPr>
             <p:cNvPr id="64" name="Rectangle 63">
@@ -4582,7 +3821,9 @@
             <a:prstGeom prst="rect">
               <a:avLst/>
             </a:prstGeom>
-            <a:noFill/>
+            <a:solidFill>
+              <a:schemeClr val="bg1"/>
+            </a:solidFill>
             <a:ln w="38100">
               <a:solidFill>
                 <a:schemeClr val="tx1"/>
@@ -4610,98 +3851,10 @@
             <a:lstStyle/>
             <a:p>
               <a:pPr algn="ctr"/>
-              <a:endParaRPr lang="en-US"/>
+              <a:endParaRPr lang="en-US" sz="800" dirty="0"/>
             </a:p>
           </p:txBody>
         </p:sp>
-        <p:sp>
-          <p:nvSpPr>
-            <p:cNvPr id="66" name="TextBox 65">
-              <a:extLst>
-                <a:ext uri="{FF2B5EF4-FFF2-40B4-BE49-F238E27FC236}">
-                  <a16:creationId xmlns:a16="http://schemas.microsoft.com/office/drawing/2014/main" id="{E54D8AD1-ABE1-8E4D-9DCC-1BA4E8026FA7}"/>
-                </a:ext>
-              </a:extLst>
-            </p:cNvPr>
-            <p:cNvSpPr txBox="1"/>
-            <p:nvPr/>
-          </p:nvSpPr>
-          <p:spPr>
-            <a:xfrm>
-              <a:off x="3040687" y="5600102"/>
-              <a:ext cx="1118191" cy="369332"/>
-            </a:xfrm>
-            <a:prstGeom prst="rect">
-              <a:avLst/>
-            </a:prstGeom>
-            <a:noFill/>
-          </p:spPr>
-          <p:txBody>
-            <a:bodyPr wrap="none" rtlCol="0">
-              <a:spAutoFit/>
-            </a:bodyPr>
-            <a:lstStyle/>
-            <a:p>
-              <a:r>
-                <a:rPr lang="en-US" dirty="0"/>
-                <a:t>Data Flow</a:t>
-              </a:r>
-            </a:p>
-          </p:txBody>
-        </p:sp>
-      </p:grpSp>
-    </p:spTree>
-    <p:extLst>
-      <p:ext uri="{BB962C8B-B14F-4D97-AF65-F5344CB8AC3E}">
-        <p14:creationId xmlns:p14="http://schemas.microsoft.com/office/powerpoint/2010/main" val="4047154380"/>
-      </p:ext>
-    </p:extLst>
-  </p:cSld>
-  <p:clrMapOvr>
-    <a:masterClrMapping/>
-  </p:clrMapOvr>
-</p:sld>
-</file>
-
-<file path=ppt/slides/slide2.xml><?xml version="1.0" encoding="utf-8"?>
-<p:sld xmlns:a="http://schemas.openxmlformats.org/drawingml/2006/main" xmlns:r="http://schemas.openxmlformats.org/officeDocument/2006/relationships" xmlns:p="http://schemas.openxmlformats.org/presentationml/2006/main">
-  <p:cSld>
-    <p:spTree>
-      <p:nvGrpSpPr>
-        <p:cNvPr id="1" name=""/>
-        <p:cNvGrpSpPr/>
-        <p:nvPr/>
-      </p:nvGrpSpPr>
-      <p:grpSpPr>
-        <a:xfrm>
-          <a:off x="0" y="0"/>
-          <a:ext cx="0" cy="0"/>
-          <a:chOff x="0" y="0"/>
-          <a:chExt cx="0" cy="0"/>
-        </a:xfrm>
-      </p:grpSpPr>
-      <p:grpSp>
-        <p:nvGrpSpPr>
-          <p:cNvPr id="67" name="Group 66">
-            <a:extLst>
-              <a:ext uri="{FF2B5EF4-FFF2-40B4-BE49-F238E27FC236}">
-                <a16:creationId xmlns:a16="http://schemas.microsoft.com/office/drawing/2014/main" id="{92A98E18-AADE-9A4E-BF95-554872DD96DD}"/>
-              </a:ext>
-            </a:extLst>
-          </p:cNvPr>
-          <p:cNvGrpSpPr>
-            <a:grpSpLocks noChangeAspect="1"/>
-          </p:cNvGrpSpPr>
-          <p:nvPr/>
-        </p:nvGrpSpPr>
-        <p:grpSpPr>
-          <a:xfrm>
-            <a:off x="3040687" y="725746"/>
-            <a:ext cx="2636213" cy="2263440"/>
-            <a:chOff x="3040687" y="725745"/>
-            <a:chExt cx="6107289" cy="5243689"/>
-          </a:xfrm>
-        </p:grpSpPr>
         <p:grpSp>
           <p:nvGrpSpPr>
             <p:cNvPr id="63" name="Group 62">
@@ -5382,58 +4535,6 @@
         </p:grpSp>
         <p:sp>
           <p:nvSpPr>
-            <p:cNvPr id="64" name="Rectangle 63">
-              <a:extLst>
-                <a:ext uri="{FF2B5EF4-FFF2-40B4-BE49-F238E27FC236}">
-                  <a16:creationId xmlns:a16="http://schemas.microsoft.com/office/drawing/2014/main" id="{39FE6EBB-9D03-5D49-BA9A-4FEB92E825A2}"/>
-                </a:ext>
-              </a:extLst>
-            </p:cNvPr>
-            <p:cNvSpPr/>
-            <p:nvPr/>
-          </p:nvSpPr>
-          <p:spPr>
-            <a:xfrm>
-              <a:off x="3040687" y="725745"/>
-              <a:ext cx="6107289" cy="5243689"/>
-            </a:xfrm>
-            <a:prstGeom prst="rect">
-              <a:avLst/>
-            </a:prstGeom>
-            <a:noFill/>
-            <a:ln w="38100">
-              <a:solidFill>
-                <a:schemeClr val="tx1"/>
-              </a:solidFill>
-            </a:ln>
-          </p:spPr>
-          <p:style>
-            <a:lnRef idx="2">
-              <a:schemeClr val="accent1">
-                <a:shade val="50000"/>
-              </a:schemeClr>
-            </a:lnRef>
-            <a:fillRef idx="1">
-              <a:schemeClr val="accent1"/>
-            </a:fillRef>
-            <a:effectRef idx="0">
-              <a:schemeClr val="accent1"/>
-            </a:effectRef>
-            <a:fontRef idx="minor">
-              <a:schemeClr val="lt1"/>
-            </a:fontRef>
-          </p:style>
-          <p:txBody>
-            <a:bodyPr rtlCol="0" anchor="ctr"/>
-            <a:lstStyle/>
-            <a:p>
-              <a:pPr algn="ctr"/>
-              <a:endParaRPr lang="en-US" sz="800"/>
-            </a:p>
-          </p:txBody>
-        </p:sp>
-        <p:sp>
-          <p:nvSpPr>
             <p:cNvPr id="66" name="TextBox 65">
               <a:extLst>
                 <a:ext uri="{FF2B5EF4-FFF2-40B4-BE49-F238E27FC236}">

--- a/Figures/Drawings.pptx
+++ b/Figures/Drawings.pptx
@@ -5,10 +5,14 @@
     <p:sldMasterId id="2147483648" r:id="rId1"/>
   </p:sldMasterIdLst>
   <p:notesMasterIdLst>
-    <p:notesMasterId r:id="rId3"/>
+    <p:notesMasterId r:id="rId7"/>
   </p:notesMasterIdLst>
   <p:sldIdLst>
     <p:sldId id="258" r:id="rId2"/>
+    <p:sldId id="260" r:id="rId3"/>
+    <p:sldId id="262" r:id="rId4"/>
+    <p:sldId id="263" r:id="rId5"/>
+    <p:sldId id="264" r:id="rId6"/>
   </p:sldIdLst>
   <p:sldSz cx="12192000" cy="6858000"/>
   <p:notesSz cx="6858000" cy="9144000"/>
@@ -535,6 +539,342 @@
     <p:extLst>
       <p:ext uri="{BB962C8B-B14F-4D97-AF65-F5344CB8AC3E}">
         <p14:creationId xmlns:p14="http://schemas.microsoft.com/office/powerpoint/2010/main" val="1631567041"/>
+      </p:ext>
+    </p:extLst>
+  </p:cSld>
+  <p:clrMapOvr>
+    <a:masterClrMapping/>
+  </p:clrMapOvr>
+</p:notes>
+</file>
+
+<file path=ppt/notesSlides/notesSlide2.xml><?xml version="1.0" encoding="utf-8"?>
+<p:notes xmlns:a="http://schemas.openxmlformats.org/drawingml/2006/main" xmlns:r="http://schemas.openxmlformats.org/officeDocument/2006/relationships" xmlns:p="http://schemas.openxmlformats.org/presentationml/2006/main">
+  <p:cSld>
+    <p:spTree>
+      <p:nvGrpSpPr>
+        <p:cNvPr id="1" name=""/>
+        <p:cNvGrpSpPr/>
+        <p:nvPr/>
+      </p:nvGrpSpPr>
+      <p:grpSpPr>
+        <a:xfrm>
+          <a:off x="0" y="0"/>
+          <a:ext cx="0" cy="0"/>
+          <a:chOff x="0" y="0"/>
+          <a:chExt cx="0" cy="0"/>
+        </a:xfrm>
+      </p:grpSpPr>
+      <p:sp>
+        <p:nvSpPr>
+          <p:cNvPr id="2" name="Slide Image Placeholder 1"/>
+          <p:cNvSpPr>
+            <a:spLocks noGrp="1" noRot="1" noChangeAspect="1"/>
+          </p:cNvSpPr>
+          <p:nvPr>
+            <p:ph type="sldImg"/>
+          </p:nvPr>
+        </p:nvSpPr>
+        <p:spPr/>
+      </p:sp>
+      <p:sp>
+        <p:nvSpPr>
+          <p:cNvPr id="3" name="Notes Placeholder 2"/>
+          <p:cNvSpPr>
+            <a:spLocks noGrp="1"/>
+          </p:cNvSpPr>
+          <p:nvPr>
+            <p:ph type="body" idx="1"/>
+          </p:nvPr>
+        </p:nvSpPr>
+        <p:spPr/>
+        <p:txBody>
+          <a:bodyPr/>
+          <a:lstStyle/>
+          <a:p>
+            <a:endParaRPr lang="en-US" dirty="0"/>
+          </a:p>
+        </p:txBody>
+      </p:sp>
+      <p:sp>
+        <p:nvSpPr>
+          <p:cNvPr id="4" name="Slide Number Placeholder 3"/>
+          <p:cNvSpPr>
+            <a:spLocks noGrp="1"/>
+          </p:cNvSpPr>
+          <p:nvPr>
+            <p:ph type="sldNum" sz="quarter" idx="5"/>
+          </p:nvPr>
+        </p:nvSpPr>
+        <p:spPr/>
+        <p:txBody>
+          <a:bodyPr/>
+          <a:lstStyle/>
+          <a:p>
+            <a:fld id="{C52BA620-5B59-F84C-B915-4EE48FAB3494}" type="slidenum">
+              <a:rPr lang="en-US" smtClean="0"/>
+              <a:t>2</a:t>
+            </a:fld>
+            <a:endParaRPr lang="en-US"/>
+          </a:p>
+        </p:txBody>
+      </p:sp>
+    </p:spTree>
+    <p:extLst>
+      <p:ext uri="{BB962C8B-B14F-4D97-AF65-F5344CB8AC3E}">
+        <p14:creationId xmlns:p14="http://schemas.microsoft.com/office/powerpoint/2010/main" val="306525910"/>
+      </p:ext>
+    </p:extLst>
+  </p:cSld>
+  <p:clrMapOvr>
+    <a:masterClrMapping/>
+  </p:clrMapOvr>
+</p:notes>
+</file>
+
+<file path=ppt/notesSlides/notesSlide3.xml><?xml version="1.0" encoding="utf-8"?>
+<p:notes xmlns:a="http://schemas.openxmlformats.org/drawingml/2006/main" xmlns:r="http://schemas.openxmlformats.org/officeDocument/2006/relationships" xmlns:p="http://schemas.openxmlformats.org/presentationml/2006/main">
+  <p:cSld>
+    <p:spTree>
+      <p:nvGrpSpPr>
+        <p:cNvPr id="1" name=""/>
+        <p:cNvGrpSpPr/>
+        <p:nvPr/>
+      </p:nvGrpSpPr>
+      <p:grpSpPr>
+        <a:xfrm>
+          <a:off x="0" y="0"/>
+          <a:ext cx="0" cy="0"/>
+          <a:chOff x="0" y="0"/>
+          <a:chExt cx="0" cy="0"/>
+        </a:xfrm>
+      </p:grpSpPr>
+      <p:sp>
+        <p:nvSpPr>
+          <p:cNvPr id="2" name="Slide Image Placeholder 1"/>
+          <p:cNvSpPr>
+            <a:spLocks noGrp="1" noRot="1" noChangeAspect="1"/>
+          </p:cNvSpPr>
+          <p:nvPr>
+            <p:ph type="sldImg"/>
+          </p:nvPr>
+        </p:nvSpPr>
+        <p:spPr/>
+      </p:sp>
+      <p:sp>
+        <p:nvSpPr>
+          <p:cNvPr id="3" name="Notes Placeholder 2"/>
+          <p:cNvSpPr>
+            <a:spLocks noGrp="1"/>
+          </p:cNvSpPr>
+          <p:nvPr>
+            <p:ph type="body" idx="1"/>
+          </p:nvPr>
+        </p:nvSpPr>
+        <p:spPr/>
+        <p:txBody>
+          <a:bodyPr/>
+          <a:lstStyle/>
+          <a:p>
+            <a:endParaRPr lang="en-US" dirty="0"/>
+          </a:p>
+        </p:txBody>
+      </p:sp>
+      <p:sp>
+        <p:nvSpPr>
+          <p:cNvPr id="4" name="Slide Number Placeholder 3"/>
+          <p:cNvSpPr>
+            <a:spLocks noGrp="1"/>
+          </p:cNvSpPr>
+          <p:nvPr>
+            <p:ph type="sldNum" sz="quarter" idx="5"/>
+          </p:nvPr>
+        </p:nvSpPr>
+        <p:spPr/>
+        <p:txBody>
+          <a:bodyPr/>
+          <a:lstStyle/>
+          <a:p>
+            <a:fld id="{C52BA620-5B59-F84C-B915-4EE48FAB3494}" type="slidenum">
+              <a:rPr lang="en-US" smtClean="0"/>
+              <a:t>3</a:t>
+            </a:fld>
+            <a:endParaRPr lang="en-US"/>
+          </a:p>
+        </p:txBody>
+      </p:sp>
+    </p:spTree>
+    <p:extLst>
+      <p:ext uri="{BB962C8B-B14F-4D97-AF65-F5344CB8AC3E}">
+        <p14:creationId xmlns:p14="http://schemas.microsoft.com/office/powerpoint/2010/main" val="2177168621"/>
+      </p:ext>
+    </p:extLst>
+  </p:cSld>
+  <p:clrMapOvr>
+    <a:masterClrMapping/>
+  </p:clrMapOvr>
+</p:notes>
+</file>
+
+<file path=ppt/notesSlides/notesSlide4.xml><?xml version="1.0" encoding="utf-8"?>
+<p:notes xmlns:a="http://schemas.openxmlformats.org/drawingml/2006/main" xmlns:r="http://schemas.openxmlformats.org/officeDocument/2006/relationships" xmlns:p="http://schemas.openxmlformats.org/presentationml/2006/main">
+  <p:cSld>
+    <p:spTree>
+      <p:nvGrpSpPr>
+        <p:cNvPr id="1" name=""/>
+        <p:cNvGrpSpPr/>
+        <p:nvPr/>
+      </p:nvGrpSpPr>
+      <p:grpSpPr>
+        <a:xfrm>
+          <a:off x="0" y="0"/>
+          <a:ext cx="0" cy="0"/>
+          <a:chOff x="0" y="0"/>
+          <a:chExt cx="0" cy="0"/>
+        </a:xfrm>
+      </p:grpSpPr>
+      <p:sp>
+        <p:nvSpPr>
+          <p:cNvPr id="2" name="Slide Image Placeholder 1"/>
+          <p:cNvSpPr>
+            <a:spLocks noGrp="1" noRot="1" noChangeAspect="1"/>
+          </p:cNvSpPr>
+          <p:nvPr>
+            <p:ph type="sldImg"/>
+          </p:nvPr>
+        </p:nvSpPr>
+        <p:spPr/>
+      </p:sp>
+      <p:sp>
+        <p:nvSpPr>
+          <p:cNvPr id="3" name="Notes Placeholder 2"/>
+          <p:cNvSpPr>
+            <a:spLocks noGrp="1"/>
+          </p:cNvSpPr>
+          <p:nvPr>
+            <p:ph type="body" idx="1"/>
+          </p:nvPr>
+        </p:nvSpPr>
+        <p:spPr/>
+        <p:txBody>
+          <a:bodyPr/>
+          <a:lstStyle/>
+          <a:p>
+            <a:endParaRPr lang="en-US" dirty="0"/>
+          </a:p>
+        </p:txBody>
+      </p:sp>
+      <p:sp>
+        <p:nvSpPr>
+          <p:cNvPr id="4" name="Slide Number Placeholder 3"/>
+          <p:cNvSpPr>
+            <a:spLocks noGrp="1"/>
+          </p:cNvSpPr>
+          <p:nvPr>
+            <p:ph type="sldNum" sz="quarter" idx="5"/>
+          </p:nvPr>
+        </p:nvSpPr>
+        <p:spPr/>
+        <p:txBody>
+          <a:bodyPr/>
+          <a:lstStyle/>
+          <a:p>
+            <a:fld id="{C52BA620-5B59-F84C-B915-4EE48FAB3494}" type="slidenum">
+              <a:rPr lang="en-US" smtClean="0"/>
+              <a:t>4</a:t>
+            </a:fld>
+            <a:endParaRPr lang="en-US"/>
+          </a:p>
+        </p:txBody>
+      </p:sp>
+    </p:spTree>
+    <p:extLst>
+      <p:ext uri="{BB962C8B-B14F-4D97-AF65-F5344CB8AC3E}">
+        <p14:creationId xmlns:p14="http://schemas.microsoft.com/office/powerpoint/2010/main" val="2563930991"/>
+      </p:ext>
+    </p:extLst>
+  </p:cSld>
+  <p:clrMapOvr>
+    <a:masterClrMapping/>
+  </p:clrMapOvr>
+</p:notes>
+</file>
+
+<file path=ppt/notesSlides/notesSlide5.xml><?xml version="1.0" encoding="utf-8"?>
+<p:notes xmlns:a="http://schemas.openxmlformats.org/drawingml/2006/main" xmlns:r="http://schemas.openxmlformats.org/officeDocument/2006/relationships" xmlns:p="http://schemas.openxmlformats.org/presentationml/2006/main">
+  <p:cSld>
+    <p:spTree>
+      <p:nvGrpSpPr>
+        <p:cNvPr id="1" name=""/>
+        <p:cNvGrpSpPr/>
+        <p:nvPr/>
+      </p:nvGrpSpPr>
+      <p:grpSpPr>
+        <a:xfrm>
+          <a:off x="0" y="0"/>
+          <a:ext cx="0" cy="0"/>
+          <a:chOff x="0" y="0"/>
+          <a:chExt cx="0" cy="0"/>
+        </a:xfrm>
+      </p:grpSpPr>
+      <p:sp>
+        <p:nvSpPr>
+          <p:cNvPr id="2" name="Slide Image Placeholder 1"/>
+          <p:cNvSpPr>
+            <a:spLocks noGrp="1" noRot="1" noChangeAspect="1"/>
+          </p:cNvSpPr>
+          <p:nvPr>
+            <p:ph type="sldImg"/>
+          </p:nvPr>
+        </p:nvSpPr>
+        <p:spPr/>
+      </p:sp>
+      <p:sp>
+        <p:nvSpPr>
+          <p:cNvPr id="3" name="Notes Placeholder 2"/>
+          <p:cNvSpPr>
+            <a:spLocks noGrp="1"/>
+          </p:cNvSpPr>
+          <p:nvPr>
+            <p:ph type="body" idx="1"/>
+          </p:nvPr>
+        </p:nvSpPr>
+        <p:spPr/>
+        <p:txBody>
+          <a:bodyPr/>
+          <a:lstStyle/>
+          <a:p>
+            <a:endParaRPr lang="en-US" dirty="0"/>
+          </a:p>
+        </p:txBody>
+      </p:sp>
+      <p:sp>
+        <p:nvSpPr>
+          <p:cNvPr id="4" name="Slide Number Placeholder 3"/>
+          <p:cNvSpPr>
+            <a:spLocks noGrp="1"/>
+          </p:cNvSpPr>
+          <p:nvPr>
+            <p:ph type="sldNum" sz="quarter" idx="5"/>
+          </p:nvPr>
+        </p:nvSpPr>
+        <p:spPr/>
+        <p:txBody>
+          <a:bodyPr/>
+          <a:lstStyle/>
+          <a:p>
+            <a:fld id="{C52BA620-5B59-F84C-B915-4EE48FAB3494}" type="slidenum">
+              <a:rPr lang="en-US" smtClean="0"/>
+              <a:t>5</a:t>
+            </a:fld>
+            <a:endParaRPr lang="en-US"/>
+          </a:p>
+        </p:txBody>
+      </p:sp>
+    </p:spTree>
+    <p:extLst>
+      <p:ext uri="{BB962C8B-B14F-4D97-AF65-F5344CB8AC3E}">
+        <p14:creationId xmlns:p14="http://schemas.microsoft.com/office/powerpoint/2010/main" val="292128283"/>
       </p:ext>
     </p:extLst>
   </p:cSld>
@@ -3765,6 +4105,15 @@
 <file path=ppt/slides/slide1.xml><?xml version="1.0" encoding="utf-8"?>
 <p:sld xmlns:a="http://schemas.openxmlformats.org/drawingml/2006/main" xmlns:r="http://schemas.openxmlformats.org/officeDocument/2006/relationships" xmlns:p="http://schemas.openxmlformats.org/presentationml/2006/main">
   <p:cSld>
+    <p:bg>
+      <p:bgPr>
+        <a:blipFill>
+          <a:blip r:embed="rId3"/>
+          <a:tile tx="0" ty="0" sx="100000" sy="100000" flip="none" algn="tl"/>
+        </a:blipFill>
+        <a:effectLst/>
+      </p:bgPr>
+    </p:bg>
     <p:spTree>
       <p:nvGrpSpPr>
         <p:cNvPr id="1" name=""/>
@@ -3824,7 +4173,7 @@
             <a:solidFill>
               <a:schemeClr val="bg1"/>
             </a:solidFill>
-            <a:ln w="38100">
+            <a:ln w="28575">
               <a:solidFill>
                 <a:schemeClr val="tx1"/>
               </a:solidFill>
@@ -4012,7 +4361,7 @@
                 <a:pPr algn="ctr"/>
                 <a:r>
                   <a:rPr lang="en-US" sz="800" b="1" dirty="0"/>
-                  <a:t>Memory</a:t>
+                  <a:t>Volatile State</a:t>
                 </a:r>
               </a:p>
             </p:txBody>
@@ -4059,7 +4408,14 @@
                 <a:pPr algn="ctr"/>
                 <a:r>
                   <a:rPr lang="en-US" sz="800" b="1" dirty="0"/>
-                  <a:t>Disk</a:t>
+                  <a:t>Permanent</a:t>
+                </a:r>
+              </a:p>
+              <a:p>
+                <a:pPr algn="ctr"/>
+                <a:r>
+                  <a:rPr lang="en-US" sz="800" b="1" dirty="0"/>
+                  <a:t>State</a:t>
                 </a:r>
               </a:p>
             </p:txBody>
@@ -4337,7 +4693,7 @@
             <p:spPr>
               <a:xfrm>
                 <a:off x="5712466" y="1671531"/>
-                <a:ext cx="895734" cy="499117"/>
+                <a:ext cx="802895" cy="499117"/>
               </a:xfrm>
               <a:prstGeom prst="rect">
                 <a:avLst/>
@@ -4352,7 +4708,7 @@
               <a:p>
                 <a:r>
                   <a:rPr lang="en-US" sz="800" dirty="0"/>
-                  <a:t>D2M</a:t>
+                  <a:t>P2V</a:t>
                 </a:r>
               </a:p>
             </p:txBody>
@@ -4372,7 +4728,7 @@
             <p:spPr>
               <a:xfrm>
                 <a:off x="5712466" y="2352392"/>
-                <a:ext cx="895734" cy="499117"/>
+                <a:ext cx="802895" cy="499117"/>
               </a:xfrm>
               <a:prstGeom prst="rect">
                 <a:avLst/>
@@ -4387,7 +4743,7 @@
               <a:p>
                 <a:r>
                   <a:rPr lang="en-US" sz="800" dirty="0"/>
-                  <a:t>M2D</a:t>
+                  <a:t>V2P</a:t>
                 </a:r>
               </a:p>
             </p:txBody>
@@ -4406,8 +4762,8 @@
             </p:nvSpPr>
             <p:spPr>
               <a:xfrm rot="18000000">
-                <a:off x="6844443" y="3483478"/>
-                <a:ext cx="906877" cy="499117"/>
+                <a:off x="6879724" y="3483478"/>
+                <a:ext cx="836316" cy="499117"/>
               </a:xfrm>
               <a:prstGeom prst="rect">
                 <a:avLst/>
@@ -4422,7 +4778,7 @@
               <a:p>
                 <a:r>
                   <a:rPr lang="en-US" sz="800" dirty="0"/>
-                  <a:t>O2M</a:t>
+                  <a:t>O2V</a:t>
                 </a:r>
               </a:p>
             </p:txBody>
@@ -4441,8 +4797,8 @@
             </p:nvSpPr>
             <p:spPr>
               <a:xfrm rot="18000000">
-                <a:off x="6244800" y="3202395"/>
-                <a:ext cx="906877" cy="499117"/>
+                <a:off x="6280081" y="3202395"/>
+                <a:ext cx="836316" cy="499117"/>
               </a:xfrm>
               <a:prstGeom prst="rect">
                 <a:avLst/>
@@ -4457,7 +4813,7 @@
               <a:p>
                 <a:r>
                   <a:rPr lang="en-US" sz="800" dirty="0"/>
-                  <a:t>M2O</a:t>
+                  <a:t>V2O</a:t>
                 </a:r>
               </a:p>
             </p:txBody>
@@ -4476,8 +4832,8 @@
             </p:nvSpPr>
             <p:spPr>
               <a:xfrm rot="3600000">
-                <a:off x="4499111" y="3483478"/>
-                <a:ext cx="847459" cy="499117"/>
+                <a:off x="4510252" y="3483478"/>
+                <a:ext cx="825177" cy="499117"/>
               </a:xfrm>
               <a:prstGeom prst="rect">
                 <a:avLst/>
@@ -4492,7 +4848,7 @@
               <a:p>
                 <a:r>
                   <a:rPr lang="en-US" sz="800" dirty="0"/>
-                  <a:t>O2D</a:t>
+                  <a:t>O2P</a:t>
                 </a:r>
               </a:p>
             </p:txBody>
@@ -4511,8 +4867,8 @@
             </p:nvSpPr>
             <p:spPr>
               <a:xfrm rot="3600000">
-                <a:off x="5094586" y="3202395"/>
-                <a:ext cx="847459" cy="499117"/>
+                <a:off x="5105727" y="3202395"/>
+                <a:ext cx="825177" cy="499117"/>
               </a:xfrm>
               <a:prstGeom prst="rect">
                 <a:avLst/>
@@ -4527,7 +4883,7 @@
               <a:p>
                 <a:r>
                   <a:rPr lang="en-US" sz="800" dirty="0"/>
-                  <a:t>D2O</a:t>
+                  <a:t>P2O</a:t>
                 </a:r>
               </a:p>
             </p:txBody>
@@ -4573,6 +4929,5096 @@
     <p:extLst>
       <p:ext uri="{BB962C8B-B14F-4D97-AF65-F5344CB8AC3E}">
         <p14:creationId xmlns:p14="http://schemas.microsoft.com/office/powerpoint/2010/main" val="1456126351"/>
+      </p:ext>
+    </p:extLst>
+  </p:cSld>
+  <p:clrMapOvr>
+    <a:masterClrMapping/>
+  </p:clrMapOvr>
+</p:sld>
+</file>
+
+<file path=ppt/slides/slide2.xml><?xml version="1.0" encoding="utf-8"?>
+<p:sld xmlns:a="http://schemas.openxmlformats.org/drawingml/2006/main" xmlns:r="http://schemas.openxmlformats.org/officeDocument/2006/relationships" xmlns:p="http://schemas.openxmlformats.org/presentationml/2006/main">
+  <p:cSld>
+    <p:bg>
+      <p:bgPr>
+        <a:blipFill>
+          <a:blip r:embed="rId3"/>
+          <a:tile tx="0" ty="0" sx="100000" sy="100000" flip="none" algn="tl"/>
+        </a:blipFill>
+        <a:effectLst/>
+      </p:bgPr>
+    </p:bg>
+    <p:spTree>
+      <p:nvGrpSpPr>
+        <p:cNvPr id="1" name=""/>
+        <p:cNvGrpSpPr/>
+        <p:nvPr/>
+      </p:nvGrpSpPr>
+      <p:grpSpPr>
+        <a:xfrm>
+          <a:off x="0" y="0"/>
+          <a:ext cx="0" cy="0"/>
+          <a:chOff x="0" y="0"/>
+          <a:chExt cx="0" cy="0"/>
+        </a:xfrm>
+      </p:grpSpPr>
+      <p:grpSp>
+        <p:nvGrpSpPr>
+          <p:cNvPr id="50" name="Group 49">
+            <a:extLst>
+              <a:ext uri="{FF2B5EF4-FFF2-40B4-BE49-F238E27FC236}">
+                <a16:creationId xmlns:a16="http://schemas.microsoft.com/office/drawing/2014/main" id="{53D472DF-C922-2C48-B377-6701A4EF4AC8}"/>
+              </a:ext>
+            </a:extLst>
+          </p:cNvPr>
+          <p:cNvGrpSpPr/>
+          <p:nvPr/>
+        </p:nvGrpSpPr>
+        <p:grpSpPr>
+          <a:xfrm>
+            <a:off x="2196009" y="2124720"/>
+            <a:ext cx="7736550" cy="2616100"/>
+            <a:chOff x="2196009" y="2124720"/>
+            <a:chExt cx="7736550" cy="2616100"/>
+          </a:xfrm>
+        </p:grpSpPr>
+        <p:sp>
+          <p:nvSpPr>
+            <p:cNvPr id="52" name="Rectangle 51">
+              <a:extLst>
+                <a:ext uri="{FF2B5EF4-FFF2-40B4-BE49-F238E27FC236}">
+                  <a16:creationId xmlns:a16="http://schemas.microsoft.com/office/drawing/2014/main" id="{4562FFB7-0E9B-7A44-B2EC-9A10E37E1B23}"/>
+                </a:ext>
+              </a:extLst>
+            </p:cNvPr>
+            <p:cNvSpPr/>
+            <p:nvPr/>
+          </p:nvSpPr>
+          <p:spPr>
+            <a:xfrm>
+              <a:off x="2196009" y="2124720"/>
+              <a:ext cx="7736550" cy="2616100"/>
+            </a:xfrm>
+            <a:prstGeom prst="rect">
+              <a:avLst/>
+            </a:prstGeom>
+            <a:solidFill>
+              <a:schemeClr val="bg1"/>
+            </a:solidFill>
+            <a:ln w="28575">
+              <a:noFill/>
+            </a:ln>
+          </p:spPr>
+          <p:style>
+            <a:lnRef idx="2">
+              <a:schemeClr val="accent1">
+                <a:shade val="50000"/>
+              </a:schemeClr>
+            </a:lnRef>
+            <a:fillRef idx="1">
+              <a:schemeClr val="accent1"/>
+            </a:fillRef>
+            <a:effectRef idx="0">
+              <a:schemeClr val="accent1"/>
+            </a:effectRef>
+            <a:fontRef idx="minor">
+              <a:schemeClr val="lt1"/>
+            </a:fontRef>
+          </p:style>
+          <p:txBody>
+            <a:bodyPr rtlCol="0" anchor="ctr"/>
+            <a:lstStyle/>
+            <a:p>
+              <a:pPr algn="ctr"/>
+              <a:endParaRPr lang="en-US" sz="800" dirty="0"/>
+            </a:p>
+          </p:txBody>
+        </p:sp>
+        <p:grpSp>
+          <p:nvGrpSpPr>
+            <p:cNvPr id="49" name="Group 48">
+              <a:extLst>
+                <a:ext uri="{FF2B5EF4-FFF2-40B4-BE49-F238E27FC236}">
+                  <a16:creationId xmlns:a16="http://schemas.microsoft.com/office/drawing/2014/main" id="{72588F0D-3C6C-2342-B4DC-91DE961C210F}"/>
+                </a:ext>
+              </a:extLst>
+            </p:cNvPr>
+            <p:cNvGrpSpPr/>
+            <p:nvPr/>
+          </p:nvGrpSpPr>
+          <p:grpSpPr>
+            <a:xfrm>
+              <a:off x="2259441" y="2190030"/>
+              <a:ext cx="7593765" cy="2477940"/>
+              <a:chOff x="2297109" y="2190030"/>
+              <a:chExt cx="7593765" cy="2477940"/>
+            </a:xfrm>
+          </p:grpSpPr>
+          <p:sp>
+            <p:nvSpPr>
+              <p:cNvPr id="64" name="Rectangle 63">
+                <a:extLst>
+                  <a:ext uri="{FF2B5EF4-FFF2-40B4-BE49-F238E27FC236}">
+                    <a16:creationId xmlns:a16="http://schemas.microsoft.com/office/drawing/2014/main" id="{39FE6EBB-9D03-5D49-BA9A-4FEB92E825A2}"/>
+                  </a:ext>
+                </a:extLst>
+              </p:cNvPr>
+              <p:cNvSpPr/>
+              <p:nvPr/>
+            </p:nvSpPr>
+            <p:spPr>
+              <a:xfrm>
+                <a:off x="3179227" y="2190030"/>
+                <a:ext cx="5833546" cy="2477940"/>
+              </a:xfrm>
+              <a:prstGeom prst="rect">
+                <a:avLst/>
+              </a:prstGeom>
+              <a:solidFill>
+                <a:schemeClr val="bg1"/>
+              </a:solidFill>
+              <a:ln w="28575">
+                <a:solidFill>
+                  <a:schemeClr val="tx1"/>
+                </a:solidFill>
+              </a:ln>
+            </p:spPr>
+            <p:style>
+              <a:lnRef idx="2">
+                <a:schemeClr val="accent1">
+                  <a:shade val="50000"/>
+                </a:schemeClr>
+              </a:lnRef>
+              <a:fillRef idx="1">
+                <a:schemeClr val="accent1"/>
+              </a:fillRef>
+              <a:effectRef idx="0">
+                <a:schemeClr val="accent1"/>
+              </a:effectRef>
+              <a:fontRef idx="minor">
+                <a:schemeClr val="lt1"/>
+              </a:fontRef>
+            </p:style>
+            <p:txBody>
+              <a:bodyPr rtlCol="0" anchor="ctr"/>
+              <a:lstStyle/>
+              <a:p>
+                <a:pPr algn="ctr"/>
+                <a:endParaRPr lang="en-US" sz="800" dirty="0"/>
+              </a:p>
+            </p:txBody>
+          </p:sp>
+          <p:sp>
+            <p:nvSpPr>
+              <p:cNvPr id="66" name="TextBox 65">
+                <a:extLst>
+                  <a:ext uri="{FF2B5EF4-FFF2-40B4-BE49-F238E27FC236}">
+                    <a16:creationId xmlns:a16="http://schemas.microsoft.com/office/drawing/2014/main" id="{E54D8AD1-ABE1-8E4D-9DCC-1BA4E8026FA7}"/>
+                  </a:ext>
+                </a:extLst>
+              </p:cNvPr>
+              <p:cNvSpPr txBox="1"/>
+              <p:nvPr/>
+            </p:nvSpPr>
+            <p:spPr>
+              <a:xfrm>
+                <a:off x="3179227" y="4329416"/>
+                <a:ext cx="1501437" cy="338554"/>
+              </a:xfrm>
+              <a:prstGeom prst="rect">
+                <a:avLst/>
+              </a:prstGeom>
+              <a:noFill/>
+            </p:spPr>
+            <p:txBody>
+              <a:bodyPr wrap="none" rtlCol="0">
+                <a:spAutoFit/>
+              </a:bodyPr>
+              <a:lstStyle/>
+              <a:p>
+                <a:r>
+                  <a:rPr lang="en-US" sz="1600" b="1" dirty="0"/>
+                  <a:t>Job: </a:t>
+                </a:r>
+                <a:r>
+                  <a:rPr lang="en-US" sz="1600" b="1" dirty="0" err="1"/>
+                  <a:t>GetVarInfo</a:t>
+                </a:r>
+                <a:endParaRPr lang="en-US" sz="1600" b="1" dirty="0"/>
+              </a:p>
+            </p:txBody>
+          </p:sp>
+          <p:sp>
+            <p:nvSpPr>
+              <p:cNvPr id="6" name="Oval 5">
+                <a:extLst>
+                  <a:ext uri="{FF2B5EF4-FFF2-40B4-BE49-F238E27FC236}">
+                    <a16:creationId xmlns:a16="http://schemas.microsoft.com/office/drawing/2014/main" id="{605A6646-DA8A-E041-80E3-A197A6720A1F}"/>
+                  </a:ext>
+                </a:extLst>
+              </p:cNvPr>
+              <p:cNvSpPr/>
+              <p:nvPr/>
+            </p:nvSpPr>
+            <p:spPr>
+              <a:xfrm>
+                <a:off x="2297109" y="3134632"/>
+                <a:ext cx="578990" cy="578990"/>
+              </a:xfrm>
+              <a:prstGeom prst="ellipse">
+                <a:avLst/>
+              </a:prstGeom>
+              <a:ln w="28575">
+                <a:solidFill>
+                  <a:schemeClr val="tx1"/>
+                </a:solidFill>
+              </a:ln>
+            </p:spPr>
+            <p:style>
+              <a:lnRef idx="1">
+                <a:schemeClr val="accent1"/>
+              </a:lnRef>
+              <a:fillRef idx="2">
+                <a:schemeClr val="accent1"/>
+              </a:fillRef>
+              <a:effectRef idx="1">
+                <a:schemeClr val="accent1"/>
+              </a:effectRef>
+              <a:fontRef idx="minor">
+                <a:schemeClr val="dk1"/>
+              </a:fontRef>
+            </p:style>
+            <p:txBody>
+              <a:bodyPr lIns="0" rIns="0" rtlCol="0" anchor="ctr"/>
+              <a:lstStyle/>
+              <a:p>
+                <a:pPr algn="ctr"/>
+                <a:r>
+                  <a:rPr lang="en-US" sz="1200" b="1" dirty="0"/>
+                  <a:t>HDFS</a:t>
+                </a:r>
+                <a:endParaRPr lang="en-US" sz="800" b="1" dirty="0"/>
+              </a:p>
+            </p:txBody>
+          </p:sp>
+          <p:sp>
+            <p:nvSpPr>
+              <p:cNvPr id="7" name="Rectangle 6">
+                <a:extLst>
+                  <a:ext uri="{FF2B5EF4-FFF2-40B4-BE49-F238E27FC236}">
+                    <a16:creationId xmlns:a16="http://schemas.microsoft.com/office/drawing/2014/main" id="{65F5D5F1-5DB4-D642-92BB-78508245C179}"/>
+                  </a:ext>
+                </a:extLst>
+              </p:cNvPr>
+              <p:cNvSpPr/>
+              <p:nvPr/>
+            </p:nvSpPr>
+            <p:spPr>
+              <a:xfrm>
+                <a:off x="5165726" y="3603896"/>
+                <a:ext cx="1860548" cy="915975"/>
+              </a:xfrm>
+              <a:prstGeom prst="rect">
+                <a:avLst/>
+              </a:prstGeom>
+              <a:ln w="28575">
+                <a:solidFill>
+                  <a:schemeClr val="tx1"/>
+                </a:solidFill>
+              </a:ln>
+            </p:spPr>
+            <p:style>
+              <a:lnRef idx="1">
+                <a:schemeClr val="accent6"/>
+              </a:lnRef>
+              <a:fillRef idx="2">
+                <a:schemeClr val="accent6"/>
+              </a:fillRef>
+              <a:effectRef idx="1">
+                <a:schemeClr val="accent6"/>
+              </a:effectRef>
+              <a:fontRef idx="minor">
+                <a:schemeClr val="dk1"/>
+              </a:fontRef>
+            </p:style>
+            <p:txBody>
+              <a:bodyPr bIns="0" rtlCol="0" anchor="b" anchorCtr="0"/>
+              <a:lstStyle/>
+              <a:p>
+                <a:pPr algn="ctr"/>
+                <a:r>
+                  <a:rPr lang="en-US" sz="1400" b="1" dirty="0"/>
+                  <a:t>Operation</a:t>
+                </a:r>
+                <a:endParaRPr lang="en-US" sz="1000" b="1" dirty="0"/>
+              </a:p>
+              <a:p>
+                <a:pPr algn="ctr"/>
+                <a:r>
+                  <a:rPr lang="en-US" sz="1000" b="1" dirty="0"/>
+                  <a:t>BYPASS</a:t>
+                </a:r>
+                <a:endParaRPr lang="en-US" sz="800" b="1" dirty="0"/>
+              </a:p>
+            </p:txBody>
+          </p:sp>
+          <p:sp>
+            <p:nvSpPr>
+              <p:cNvPr id="2" name="TextBox 1">
+                <a:extLst>
+                  <a:ext uri="{FF2B5EF4-FFF2-40B4-BE49-F238E27FC236}">
+                    <a16:creationId xmlns:a16="http://schemas.microsoft.com/office/drawing/2014/main" id="{19490DCC-B085-B741-9E16-7B9CFBE5D01B}"/>
+                  </a:ext>
+                </a:extLst>
+              </p:cNvPr>
+              <p:cNvSpPr txBox="1"/>
+              <p:nvPr/>
+            </p:nvSpPr>
+            <p:spPr>
+              <a:xfrm>
+                <a:off x="5168127" y="3943873"/>
+                <a:ext cx="524503" cy="246221"/>
+              </a:xfrm>
+              <a:prstGeom prst="rect">
+                <a:avLst/>
+              </a:prstGeom>
+              <a:ln w="28575">
+                <a:solidFill>
+                  <a:schemeClr val="tx1"/>
+                </a:solidFill>
+              </a:ln>
+            </p:spPr>
+            <p:style>
+              <a:lnRef idx="1">
+                <a:schemeClr val="accent3"/>
+              </a:lnRef>
+              <a:fillRef idx="2">
+                <a:schemeClr val="accent3"/>
+              </a:fillRef>
+              <a:effectRef idx="1">
+                <a:schemeClr val="accent3"/>
+              </a:effectRef>
+              <a:fontRef idx="minor">
+                <a:schemeClr val="dk1"/>
+              </a:fontRef>
+            </p:style>
+            <p:txBody>
+              <a:bodyPr wrap="none" rtlCol="0">
+                <a:spAutoFit/>
+              </a:bodyPr>
+              <a:lstStyle/>
+              <a:p>
+                <a:r>
+                  <a:rPr lang="en-US" sz="1000" dirty="0" err="1"/>
+                  <a:t>inData</a:t>
+                </a:r>
+                <a:endParaRPr lang="en-US" sz="1000" dirty="0"/>
+              </a:p>
+            </p:txBody>
+          </p:sp>
+          <p:sp>
+            <p:nvSpPr>
+              <p:cNvPr id="3" name="TextBox 2">
+                <a:extLst>
+                  <a:ext uri="{FF2B5EF4-FFF2-40B4-BE49-F238E27FC236}">
+                    <a16:creationId xmlns:a16="http://schemas.microsoft.com/office/drawing/2014/main" id="{8677C3E3-4E0F-3642-ABA1-8D7C1BA00885}"/>
+                  </a:ext>
+                </a:extLst>
+              </p:cNvPr>
+              <p:cNvSpPr txBox="1"/>
+              <p:nvPr/>
+            </p:nvSpPr>
+            <p:spPr>
+              <a:xfrm>
+                <a:off x="6420018" y="3943530"/>
+                <a:ext cx="606256" cy="246221"/>
+              </a:xfrm>
+              <a:prstGeom prst="rect">
+                <a:avLst/>
+              </a:prstGeom>
+              <a:ln w="28575">
+                <a:solidFill>
+                  <a:schemeClr val="tx1"/>
+                </a:solidFill>
+              </a:ln>
+            </p:spPr>
+            <p:style>
+              <a:lnRef idx="1">
+                <a:schemeClr val="accent3"/>
+              </a:lnRef>
+              <a:fillRef idx="2">
+                <a:schemeClr val="accent3"/>
+              </a:fillRef>
+              <a:effectRef idx="1">
+                <a:schemeClr val="accent3"/>
+              </a:effectRef>
+              <a:fontRef idx="minor">
+                <a:schemeClr val="dk1"/>
+              </a:fontRef>
+            </p:style>
+            <p:txBody>
+              <a:bodyPr wrap="none" rtlCol="0">
+                <a:spAutoFit/>
+              </a:bodyPr>
+              <a:lstStyle/>
+              <a:p>
+                <a:r>
+                  <a:rPr lang="en-US" sz="1000" dirty="0" err="1"/>
+                  <a:t>outData</a:t>
+                </a:r>
+                <a:endParaRPr lang="en-US" sz="1000" dirty="0"/>
+              </a:p>
+            </p:txBody>
+          </p:sp>
+          <p:sp>
+            <p:nvSpPr>
+              <p:cNvPr id="24" name="TextBox 23">
+                <a:extLst>
+                  <a:ext uri="{FF2B5EF4-FFF2-40B4-BE49-F238E27FC236}">
+                    <a16:creationId xmlns:a16="http://schemas.microsoft.com/office/drawing/2014/main" id="{DF9FA316-3835-EE47-93D6-F3C39F24E93B}"/>
+                  </a:ext>
+                </a:extLst>
+              </p:cNvPr>
+              <p:cNvSpPr txBox="1"/>
+              <p:nvPr/>
+            </p:nvSpPr>
+            <p:spPr>
+              <a:xfrm>
+                <a:off x="5703103" y="3603896"/>
+                <a:ext cx="785793" cy="246221"/>
+              </a:xfrm>
+              <a:prstGeom prst="rect">
+                <a:avLst/>
+              </a:prstGeom>
+              <a:ln w="28575">
+                <a:solidFill>
+                  <a:schemeClr val="tx1"/>
+                </a:solidFill>
+              </a:ln>
+            </p:spPr>
+            <p:style>
+              <a:lnRef idx="1">
+                <a:schemeClr val="accent4"/>
+              </a:lnRef>
+              <a:fillRef idx="2">
+                <a:schemeClr val="accent4"/>
+              </a:fillRef>
+              <a:effectRef idx="1">
+                <a:schemeClr val="accent4"/>
+              </a:effectRef>
+              <a:fontRef idx="minor">
+                <a:schemeClr val="dk1"/>
+              </a:fontRef>
+            </p:style>
+            <p:txBody>
+              <a:bodyPr wrap="none" rtlCol="0">
+                <a:spAutoFit/>
+              </a:bodyPr>
+              <a:lstStyle/>
+              <a:p>
+                <a:r>
+                  <a:rPr lang="en-US" sz="1000" dirty="0"/>
+                  <a:t>Parameters</a:t>
+                </a:r>
+              </a:p>
+            </p:txBody>
+          </p:sp>
+          <p:sp>
+            <p:nvSpPr>
+              <p:cNvPr id="25" name="Rectangle 24">
+                <a:extLst>
+                  <a:ext uri="{FF2B5EF4-FFF2-40B4-BE49-F238E27FC236}">
+                    <a16:creationId xmlns:a16="http://schemas.microsoft.com/office/drawing/2014/main" id="{06658D16-5E07-E146-95BC-0697DD1107A9}"/>
+                  </a:ext>
+                </a:extLst>
+              </p:cNvPr>
+              <p:cNvSpPr/>
+              <p:nvPr/>
+            </p:nvSpPr>
+            <p:spPr>
+              <a:xfrm>
+                <a:off x="3305178" y="2338129"/>
+                <a:ext cx="1860548" cy="730633"/>
+              </a:xfrm>
+              <a:prstGeom prst="rect">
+                <a:avLst/>
+              </a:prstGeom>
+              <a:ln w="28575">
+                <a:solidFill>
+                  <a:schemeClr val="tx1"/>
+                </a:solidFill>
+              </a:ln>
+            </p:spPr>
+            <p:style>
+              <a:lnRef idx="1">
+                <a:schemeClr val="accent3"/>
+              </a:lnRef>
+              <a:fillRef idx="2">
+                <a:schemeClr val="accent3"/>
+              </a:fillRef>
+              <a:effectRef idx="1">
+                <a:schemeClr val="accent3"/>
+              </a:effectRef>
+              <a:fontRef idx="minor">
+                <a:schemeClr val="dk1"/>
+              </a:fontRef>
+            </p:style>
+            <p:txBody>
+              <a:bodyPr bIns="144000" rtlCol="0" anchor="t" anchorCtr="0"/>
+              <a:lstStyle/>
+              <a:p>
+                <a:pPr algn="ctr"/>
+                <a:r>
+                  <a:rPr lang="en-US" sz="1400" b="1" dirty="0" err="1"/>
+                  <a:t>DataHandle</a:t>
+                </a:r>
+                <a:endParaRPr lang="en-US" sz="1100" b="1" dirty="0"/>
+              </a:p>
+              <a:p>
+                <a:pPr algn="ctr"/>
+                <a:r>
+                  <a:rPr lang="en-US" sz="1000" b="1" dirty="0" err="1"/>
+                  <a:t>InGt</a:t>
+                </a:r>
+                <a:endParaRPr lang="en-US" sz="1000" b="1" dirty="0"/>
+              </a:p>
+            </p:txBody>
+          </p:sp>
+          <p:sp>
+            <p:nvSpPr>
+              <p:cNvPr id="26" name="TextBox 25">
+                <a:extLst>
+                  <a:ext uri="{FF2B5EF4-FFF2-40B4-BE49-F238E27FC236}">
+                    <a16:creationId xmlns:a16="http://schemas.microsoft.com/office/drawing/2014/main" id="{913A3EE4-9A5F-5F49-93B7-2ED53E2DBCDB}"/>
+                  </a:ext>
+                </a:extLst>
+              </p:cNvPr>
+              <p:cNvSpPr txBox="1"/>
+              <p:nvPr/>
+            </p:nvSpPr>
+            <p:spPr>
+              <a:xfrm>
+                <a:off x="3305178" y="2822541"/>
+                <a:ext cx="595035" cy="246221"/>
+              </a:xfrm>
+              <a:prstGeom prst="rect">
+                <a:avLst/>
+              </a:prstGeom>
+              <a:ln w="28575">
+                <a:solidFill>
+                  <a:schemeClr val="tx1"/>
+                </a:solidFill>
+              </a:ln>
+            </p:spPr>
+            <p:style>
+              <a:lnRef idx="1">
+                <a:schemeClr val="accent1"/>
+              </a:lnRef>
+              <a:fillRef idx="2">
+                <a:schemeClr val="accent1"/>
+              </a:fillRef>
+              <a:effectRef idx="1">
+                <a:schemeClr val="accent1"/>
+              </a:effectRef>
+              <a:fontRef idx="minor">
+                <a:schemeClr val="dk1"/>
+              </a:fontRef>
+            </p:style>
+            <p:txBody>
+              <a:bodyPr wrap="none" rtlCol="0">
+                <a:spAutoFit/>
+              </a:bodyPr>
+              <a:lstStyle/>
+              <a:p>
+                <a:r>
+                  <a:rPr lang="en-US" sz="1000" dirty="0"/>
+                  <a:t>VCF File</a:t>
+                </a:r>
+              </a:p>
+            </p:txBody>
+          </p:sp>
+          <p:sp>
+            <p:nvSpPr>
+              <p:cNvPr id="27" name="TextBox 26">
+                <a:extLst>
+                  <a:ext uri="{FF2B5EF4-FFF2-40B4-BE49-F238E27FC236}">
+                    <a16:creationId xmlns:a16="http://schemas.microsoft.com/office/drawing/2014/main" id="{5CD5B3E2-00C8-A34E-9E21-BD964A1063B8}"/>
+                  </a:ext>
+                </a:extLst>
+              </p:cNvPr>
+              <p:cNvSpPr txBox="1"/>
+              <p:nvPr/>
+            </p:nvSpPr>
+            <p:spPr>
+              <a:xfrm>
+                <a:off x="4354285" y="2822542"/>
+                <a:ext cx="811441" cy="246221"/>
+              </a:xfrm>
+              <a:prstGeom prst="rect">
+                <a:avLst/>
+              </a:prstGeom>
+              <a:ln w="28575">
+                <a:solidFill>
+                  <a:schemeClr val="tx1"/>
+                </a:solidFill>
+              </a:ln>
+            </p:spPr>
+            <p:style>
+              <a:lnRef idx="1">
+                <a:schemeClr val="accent2"/>
+              </a:lnRef>
+              <a:fillRef idx="2">
+                <a:schemeClr val="accent2"/>
+              </a:fillRef>
+              <a:effectRef idx="1">
+                <a:schemeClr val="accent2"/>
+              </a:effectRef>
+              <a:fontRef idx="minor">
+                <a:schemeClr val="dk1"/>
+              </a:fontRef>
+            </p:style>
+            <p:txBody>
+              <a:bodyPr wrap="none" rtlCol="0">
+                <a:spAutoFit/>
+              </a:bodyPr>
+              <a:lstStyle/>
+              <a:p>
+                <a:r>
+                  <a:rPr lang="en-US" sz="1000" dirty="0" err="1"/>
+                  <a:t>MatrixTable</a:t>
+                </a:r>
+                <a:endParaRPr lang="en-US" sz="1000" dirty="0"/>
+              </a:p>
+            </p:txBody>
+          </p:sp>
+          <p:sp>
+            <p:nvSpPr>
+              <p:cNvPr id="34" name="Rectangle 33">
+                <a:extLst>
+                  <a:ext uri="{FF2B5EF4-FFF2-40B4-BE49-F238E27FC236}">
+                    <a16:creationId xmlns:a16="http://schemas.microsoft.com/office/drawing/2014/main" id="{049337A6-527B-9445-A0A5-058F39574852}"/>
+                  </a:ext>
+                </a:extLst>
+              </p:cNvPr>
+              <p:cNvSpPr/>
+              <p:nvPr/>
+            </p:nvSpPr>
+            <p:spPr>
+              <a:xfrm>
+                <a:off x="7026274" y="2338130"/>
+                <a:ext cx="1860548" cy="730633"/>
+              </a:xfrm>
+              <a:prstGeom prst="rect">
+                <a:avLst/>
+              </a:prstGeom>
+              <a:ln w="28575">
+                <a:solidFill>
+                  <a:schemeClr val="tx1"/>
+                </a:solidFill>
+              </a:ln>
+            </p:spPr>
+            <p:style>
+              <a:lnRef idx="1">
+                <a:schemeClr val="accent3"/>
+              </a:lnRef>
+              <a:fillRef idx="2">
+                <a:schemeClr val="accent3"/>
+              </a:fillRef>
+              <a:effectRef idx="1">
+                <a:schemeClr val="accent3"/>
+              </a:effectRef>
+              <a:fontRef idx="minor">
+                <a:schemeClr val="dk1"/>
+              </a:fontRef>
+            </p:style>
+            <p:txBody>
+              <a:bodyPr bIns="144000" rtlCol="0" anchor="t" anchorCtr="0"/>
+              <a:lstStyle/>
+              <a:p>
+                <a:pPr algn="ctr"/>
+                <a:r>
+                  <a:rPr lang="en-US" sz="1400" b="1" dirty="0" err="1"/>
+                  <a:t>DataHandle</a:t>
+                </a:r>
+                <a:endParaRPr lang="en-US" sz="1000" b="1" dirty="0"/>
+              </a:p>
+              <a:p>
+                <a:pPr algn="ctr"/>
+                <a:r>
+                  <a:rPr lang="en-US" sz="1000" b="1" dirty="0" err="1"/>
+                  <a:t>VarInfo</a:t>
+                </a:r>
+                <a:endParaRPr lang="en-US" sz="800" b="1" dirty="0"/>
+              </a:p>
+            </p:txBody>
+          </p:sp>
+          <p:sp>
+            <p:nvSpPr>
+              <p:cNvPr id="35" name="TextBox 34">
+                <a:extLst>
+                  <a:ext uri="{FF2B5EF4-FFF2-40B4-BE49-F238E27FC236}">
+                    <a16:creationId xmlns:a16="http://schemas.microsoft.com/office/drawing/2014/main" id="{9907AAF4-87A3-A34B-8764-2616BD11E64B}"/>
+                  </a:ext>
+                </a:extLst>
+              </p:cNvPr>
+              <p:cNvSpPr txBox="1"/>
+              <p:nvPr/>
+            </p:nvSpPr>
+            <p:spPr>
+              <a:xfrm>
+                <a:off x="8296631" y="2822541"/>
+                <a:ext cx="588623" cy="246221"/>
+              </a:xfrm>
+              <a:prstGeom prst="rect">
+                <a:avLst/>
+              </a:prstGeom>
+              <a:ln w="28575">
+                <a:solidFill>
+                  <a:schemeClr val="tx1"/>
+                </a:solidFill>
+              </a:ln>
+            </p:spPr>
+            <p:style>
+              <a:lnRef idx="1">
+                <a:schemeClr val="accent1"/>
+              </a:lnRef>
+              <a:fillRef idx="2">
+                <a:schemeClr val="accent1"/>
+              </a:fillRef>
+              <a:effectRef idx="1">
+                <a:schemeClr val="accent1"/>
+              </a:effectRef>
+              <a:fontRef idx="minor">
+                <a:schemeClr val="dk1"/>
+              </a:fontRef>
+            </p:style>
+            <p:txBody>
+              <a:bodyPr wrap="none" rtlCol="0">
+                <a:spAutoFit/>
+              </a:bodyPr>
+              <a:lstStyle/>
+              <a:p>
+                <a:r>
+                  <a:rPr lang="en-US" sz="1000" dirty="0"/>
+                  <a:t>TSV File</a:t>
+                </a:r>
+              </a:p>
+            </p:txBody>
+          </p:sp>
+          <p:sp>
+            <p:nvSpPr>
+              <p:cNvPr id="36" name="TextBox 35">
+                <a:extLst>
+                  <a:ext uri="{FF2B5EF4-FFF2-40B4-BE49-F238E27FC236}">
+                    <a16:creationId xmlns:a16="http://schemas.microsoft.com/office/drawing/2014/main" id="{FDF9E9B6-C38E-4047-A1EC-1BE99D7AF648}"/>
+                  </a:ext>
+                </a:extLst>
+              </p:cNvPr>
+              <p:cNvSpPr txBox="1"/>
+              <p:nvPr/>
+            </p:nvSpPr>
+            <p:spPr>
+              <a:xfrm>
+                <a:off x="7026274" y="2822542"/>
+                <a:ext cx="667170" cy="246221"/>
+              </a:xfrm>
+              <a:prstGeom prst="rect">
+                <a:avLst/>
+              </a:prstGeom>
+              <a:ln w="28575">
+                <a:solidFill>
+                  <a:schemeClr val="tx1"/>
+                </a:solidFill>
+              </a:ln>
+            </p:spPr>
+            <p:style>
+              <a:lnRef idx="1">
+                <a:schemeClr val="accent2"/>
+              </a:lnRef>
+              <a:fillRef idx="2">
+                <a:schemeClr val="accent2"/>
+              </a:fillRef>
+              <a:effectRef idx="1">
+                <a:schemeClr val="accent2"/>
+              </a:effectRef>
+              <a:fontRef idx="minor">
+                <a:schemeClr val="dk1"/>
+              </a:fontRef>
+            </p:style>
+            <p:txBody>
+              <a:bodyPr wrap="none" rtlCol="0">
+                <a:spAutoFit/>
+              </a:bodyPr>
+              <a:lstStyle/>
+              <a:p>
+                <a:r>
+                  <a:rPr lang="en-US" sz="1000" dirty="0" err="1"/>
+                  <a:t>HailTable</a:t>
+                </a:r>
+                <a:endParaRPr lang="en-US" sz="1000" dirty="0"/>
+              </a:p>
+            </p:txBody>
+          </p:sp>
+          <p:cxnSp>
+            <p:nvCxnSpPr>
+              <p:cNvPr id="13" name="Elbow Connector 12">
+                <a:extLst>
+                  <a:ext uri="{FF2B5EF4-FFF2-40B4-BE49-F238E27FC236}">
+                    <a16:creationId xmlns:a16="http://schemas.microsoft.com/office/drawing/2014/main" id="{877625FD-6095-AB4A-83CC-F15DD7D3ABBA}"/>
+                  </a:ext>
+                </a:extLst>
+              </p:cNvPr>
+              <p:cNvCxnSpPr>
+                <a:stCxn id="27" idx="2"/>
+                <a:endCxn id="2" idx="1"/>
+              </p:cNvCxnSpPr>
+              <p:nvPr/>
+            </p:nvCxnSpPr>
+            <p:spPr>
+              <a:xfrm rot="16200000" flipH="1">
+                <a:off x="4464956" y="3363812"/>
+                <a:ext cx="998221" cy="408121"/>
+              </a:xfrm>
+              <a:prstGeom prst="bentConnector2">
+                <a:avLst/>
+              </a:prstGeom>
+              <a:ln w="57150">
+                <a:solidFill>
+                  <a:schemeClr val="tx1"/>
+                </a:solidFill>
+                <a:tailEnd type="triangle"/>
+              </a:ln>
+            </p:spPr>
+            <p:style>
+              <a:lnRef idx="1">
+                <a:schemeClr val="accent1"/>
+              </a:lnRef>
+              <a:fillRef idx="0">
+                <a:schemeClr val="accent1"/>
+              </a:fillRef>
+              <a:effectRef idx="0">
+                <a:schemeClr val="accent1"/>
+              </a:effectRef>
+              <a:fontRef idx="minor">
+                <a:schemeClr val="tx1"/>
+              </a:fontRef>
+            </p:style>
+          </p:cxnSp>
+          <p:cxnSp>
+            <p:nvCxnSpPr>
+              <p:cNvPr id="15" name="Elbow Connector 14">
+                <a:extLst>
+                  <a:ext uri="{FF2B5EF4-FFF2-40B4-BE49-F238E27FC236}">
+                    <a16:creationId xmlns:a16="http://schemas.microsoft.com/office/drawing/2014/main" id="{453595DE-2283-F34C-9587-7B8755541700}"/>
+                  </a:ext>
+                </a:extLst>
+              </p:cNvPr>
+              <p:cNvCxnSpPr>
+                <a:stCxn id="3" idx="3"/>
+                <a:endCxn id="36" idx="2"/>
+              </p:cNvCxnSpPr>
+              <p:nvPr/>
+            </p:nvCxnSpPr>
+            <p:spPr>
+              <a:xfrm flipV="1">
+                <a:off x="7026274" y="3068763"/>
+                <a:ext cx="333585" cy="997878"/>
+              </a:xfrm>
+              <a:prstGeom prst="bentConnector2">
+                <a:avLst/>
+              </a:prstGeom>
+              <a:ln w="57150">
+                <a:solidFill>
+                  <a:schemeClr val="tx1"/>
+                </a:solidFill>
+                <a:tailEnd type="triangle"/>
+              </a:ln>
+            </p:spPr>
+            <p:style>
+              <a:lnRef idx="1">
+                <a:schemeClr val="accent1"/>
+              </a:lnRef>
+              <a:fillRef idx="0">
+                <a:schemeClr val="accent1"/>
+              </a:fillRef>
+              <a:effectRef idx="0">
+                <a:schemeClr val="accent1"/>
+              </a:effectRef>
+              <a:fontRef idx="minor">
+                <a:schemeClr val="tx1"/>
+              </a:fontRef>
+            </p:style>
+          </p:cxnSp>
+          <p:sp>
+            <p:nvSpPr>
+              <p:cNvPr id="43" name="Oval 42">
+                <a:extLst>
+                  <a:ext uri="{FF2B5EF4-FFF2-40B4-BE49-F238E27FC236}">
+                    <a16:creationId xmlns:a16="http://schemas.microsoft.com/office/drawing/2014/main" id="{59CBF82A-60B4-0240-AB9A-3673E423C219}"/>
+                  </a:ext>
+                </a:extLst>
+              </p:cNvPr>
+              <p:cNvSpPr/>
+              <p:nvPr/>
+            </p:nvSpPr>
+            <p:spPr>
+              <a:xfrm>
+                <a:off x="9311884" y="3143275"/>
+                <a:ext cx="578990" cy="578990"/>
+              </a:xfrm>
+              <a:prstGeom prst="ellipse">
+                <a:avLst/>
+              </a:prstGeom>
+              <a:ln w="28575">
+                <a:solidFill>
+                  <a:schemeClr val="tx1"/>
+                </a:solidFill>
+              </a:ln>
+            </p:spPr>
+            <p:style>
+              <a:lnRef idx="1">
+                <a:schemeClr val="accent1"/>
+              </a:lnRef>
+              <a:fillRef idx="2">
+                <a:schemeClr val="accent1"/>
+              </a:fillRef>
+              <a:effectRef idx="1">
+                <a:schemeClr val="accent1"/>
+              </a:effectRef>
+              <a:fontRef idx="minor">
+                <a:schemeClr val="dk1"/>
+              </a:fontRef>
+            </p:style>
+            <p:txBody>
+              <a:bodyPr lIns="0" rIns="0" rtlCol="0" anchor="ctr"/>
+              <a:lstStyle/>
+              <a:p>
+                <a:pPr algn="ctr"/>
+                <a:r>
+                  <a:rPr lang="en-US" sz="1200" b="1" dirty="0"/>
+                  <a:t>S3</a:t>
+                </a:r>
+                <a:endParaRPr lang="en-US" sz="800" b="1" dirty="0"/>
+              </a:p>
+            </p:txBody>
+          </p:sp>
+          <p:cxnSp>
+            <p:nvCxnSpPr>
+              <p:cNvPr id="17" name="Elbow Connector 16">
+                <a:extLst>
+                  <a:ext uri="{FF2B5EF4-FFF2-40B4-BE49-F238E27FC236}">
+                    <a16:creationId xmlns:a16="http://schemas.microsoft.com/office/drawing/2014/main" id="{AA8FA746-E563-434F-8121-A9E8DD948D7B}"/>
+                  </a:ext>
+                </a:extLst>
+              </p:cNvPr>
+              <p:cNvCxnSpPr>
+                <a:cxnSpLocks/>
+                <a:stCxn id="6" idx="6"/>
+                <a:endCxn id="26" idx="2"/>
+              </p:cNvCxnSpPr>
+              <p:nvPr/>
+            </p:nvCxnSpPr>
+            <p:spPr>
+              <a:xfrm flipV="1">
+                <a:off x="2876099" y="3068762"/>
+                <a:ext cx="726597" cy="355365"/>
+              </a:xfrm>
+              <a:prstGeom prst="bentConnector2">
+                <a:avLst/>
+              </a:prstGeom>
+              <a:ln w="57150">
+                <a:solidFill>
+                  <a:schemeClr val="tx1"/>
+                </a:solidFill>
+                <a:tailEnd type="triangle"/>
+              </a:ln>
+            </p:spPr>
+            <p:style>
+              <a:lnRef idx="1">
+                <a:schemeClr val="accent1"/>
+              </a:lnRef>
+              <a:fillRef idx="0">
+                <a:schemeClr val="accent1"/>
+              </a:fillRef>
+              <a:effectRef idx="0">
+                <a:schemeClr val="accent1"/>
+              </a:effectRef>
+              <a:fontRef idx="minor">
+                <a:schemeClr val="tx1"/>
+              </a:fontRef>
+            </p:style>
+          </p:cxnSp>
+          <p:cxnSp>
+            <p:nvCxnSpPr>
+              <p:cNvPr id="19" name="Elbow Connector 18">
+                <a:extLst>
+                  <a:ext uri="{FF2B5EF4-FFF2-40B4-BE49-F238E27FC236}">
+                    <a16:creationId xmlns:a16="http://schemas.microsoft.com/office/drawing/2014/main" id="{E69951F8-90A8-F94F-8435-B533A2143411}"/>
+                  </a:ext>
+                </a:extLst>
+              </p:cNvPr>
+              <p:cNvCxnSpPr>
+                <a:cxnSpLocks/>
+                <a:stCxn id="35" idx="2"/>
+                <a:endCxn id="43" idx="2"/>
+              </p:cNvCxnSpPr>
+              <p:nvPr/>
+            </p:nvCxnSpPr>
+            <p:spPr>
+              <a:xfrm rot="16200000" flipH="1">
+                <a:off x="8769409" y="2890295"/>
+                <a:ext cx="364008" cy="720941"/>
+              </a:xfrm>
+              <a:prstGeom prst="bentConnector2">
+                <a:avLst/>
+              </a:prstGeom>
+              <a:ln w="57150">
+                <a:solidFill>
+                  <a:schemeClr val="tx1"/>
+                </a:solidFill>
+                <a:tailEnd type="triangle"/>
+              </a:ln>
+            </p:spPr>
+            <p:style>
+              <a:lnRef idx="1">
+                <a:schemeClr val="accent1"/>
+              </a:lnRef>
+              <a:fillRef idx="0">
+                <a:schemeClr val="accent1"/>
+              </a:fillRef>
+              <a:effectRef idx="0">
+                <a:schemeClr val="accent1"/>
+              </a:effectRef>
+              <a:fontRef idx="minor">
+                <a:schemeClr val="tx1"/>
+              </a:fontRef>
+            </p:style>
+          </p:cxnSp>
+          <p:sp>
+            <p:nvSpPr>
+              <p:cNvPr id="48" name="TextBox 47">
+                <a:extLst>
+                  <a:ext uri="{FF2B5EF4-FFF2-40B4-BE49-F238E27FC236}">
+                    <a16:creationId xmlns:a16="http://schemas.microsoft.com/office/drawing/2014/main" id="{C0B32E99-54F8-064B-9826-6C360E847194}"/>
+                  </a:ext>
+                </a:extLst>
+              </p:cNvPr>
+              <p:cNvSpPr txBox="1"/>
+              <p:nvPr/>
+            </p:nvSpPr>
+            <p:spPr>
+              <a:xfrm>
+                <a:off x="5747987" y="2499363"/>
+                <a:ext cx="696024" cy="246221"/>
+              </a:xfrm>
+              <a:prstGeom prst="rect">
+                <a:avLst/>
+              </a:prstGeom>
+              <a:ln w="28575">
+                <a:solidFill>
+                  <a:schemeClr val="tx1"/>
+                </a:solidFill>
+              </a:ln>
+            </p:spPr>
+            <p:style>
+              <a:lnRef idx="1">
+                <a:schemeClr val="accent4"/>
+              </a:lnRef>
+              <a:fillRef idx="2">
+                <a:schemeClr val="accent4"/>
+              </a:fillRef>
+              <a:effectRef idx="1">
+                <a:schemeClr val="accent4"/>
+              </a:effectRef>
+              <a:fontRef idx="minor">
+                <a:schemeClr val="dk1"/>
+              </a:fontRef>
+            </p:style>
+            <p:txBody>
+              <a:bodyPr wrap="none" rtlCol="0">
+                <a:spAutoFit/>
+              </a:bodyPr>
+              <a:lstStyle/>
+              <a:p>
+                <a:r>
+                  <a:rPr lang="en-US" sz="1000" dirty="0"/>
+                  <a:t>axis: rows</a:t>
+                </a:r>
+              </a:p>
+            </p:txBody>
+          </p:sp>
+          <p:cxnSp>
+            <p:nvCxnSpPr>
+              <p:cNvPr id="51" name="Elbow Connector 50">
+                <a:extLst>
+                  <a:ext uri="{FF2B5EF4-FFF2-40B4-BE49-F238E27FC236}">
+                    <a16:creationId xmlns:a16="http://schemas.microsoft.com/office/drawing/2014/main" id="{372559D4-30E3-944A-8642-663970AA882E}"/>
+                  </a:ext>
+                </a:extLst>
+              </p:cNvPr>
+              <p:cNvCxnSpPr>
+                <a:cxnSpLocks/>
+                <a:stCxn id="48" idx="2"/>
+                <a:endCxn id="24" idx="0"/>
+              </p:cNvCxnSpPr>
+              <p:nvPr/>
+            </p:nvCxnSpPr>
+            <p:spPr>
+              <a:xfrm rot="16200000" flipH="1">
+                <a:off x="5666843" y="3174739"/>
+                <a:ext cx="858312" cy="1"/>
+              </a:xfrm>
+              <a:prstGeom prst="bentConnector3">
+                <a:avLst>
+                  <a:gd name="adj1" fmla="val 50000"/>
+                </a:avLst>
+              </a:prstGeom>
+              <a:ln w="28575">
+                <a:solidFill>
+                  <a:schemeClr val="tx1"/>
+                </a:solidFill>
+                <a:prstDash val="sysDash"/>
+                <a:tailEnd type="triangle"/>
+              </a:ln>
+            </p:spPr>
+            <p:style>
+              <a:lnRef idx="1">
+                <a:schemeClr val="accent1"/>
+              </a:lnRef>
+              <a:fillRef idx="0">
+                <a:schemeClr val="accent1"/>
+              </a:fillRef>
+              <a:effectRef idx="0">
+                <a:schemeClr val="accent1"/>
+              </a:effectRef>
+              <a:fontRef idx="minor">
+                <a:schemeClr val="tx1"/>
+              </a:fontRef>
+            </p:style>
+          </p:cxnSp>
+          <p:sp>
+            <p:nvSpPr>
+              <p:cNvPr id="4" name="Rectangle 3">
+                <a:extLst>
+                  <a:ext uri="{FF2B5EF4-FFF2-40B4-BE49-F238E27FC236}">
+                    <a16:creationId xmlns:a16="http://schemas.microsoft.com/office/drawing/2014/main" id="{CF526A0D-75F1-F941-A425-E0D1885DE909}"/>
+                  </a:ext>
+                </a:extLst>
+              </p:cNvPr>
+              <p:cNvSpPr/>
+              <p:nvPr/>
+            </p:nvSpPr>
+            <p:spPr>
+              <a:xfrm>
+                <a:off x="4235452" y="3327369"/>
+                <a:ext cx="1080247" cy="203262"/>
+              </a:xfrm>
+              <a:prstGeom prst="rect">
+                <a:avLst/>
+              </a:prstGeom>
+              <a:ln w="28575">
+                <a:solidFill>
+                  <a:schemeClr val="tx1"/>
+                </a:solidFill>
+              </a:ln>
+            </p:spPr>
+            <p:style>
+              <a:lnRef idx="1">
+                <a:schemeClr val="accent6"/>
+              </a:lnRef>
+              <a:fillRef idx="2">
+                <a:schemeClr val="accent6"/>
+              </a:fillRef>
+              <a:effectRef idx="1">
+                <a:schemeClr val="accent6"/>
+              </a:effectRef>
+              <a:fontRef idx="minor">
+                <a:schemeClr val="dk1"/>
+              </a:fontRef>
+            </p:style>
+            <p:txBody>
+              <a:bodyPr rtlCol="0" anchor="ctr"/>
+              <a:lstStyle/>
+              <a:p>
+                <a:pPr algn="ctr"/>
+                <a:r>
+                  <a:rPr lang="en-US" sz="1000" b="1" dirty="0" err="1"/>
+                  <a:t>MicroOperations</a:t>
+                </a:r>
+                <a:endParaRPr lang="en-US" sz="1000" b="1" dirty="0"/>
+              </a:p>
+            </p:txBody>
+          </p:sp>
+          <p:sp>
+            <p:nvSpPr>
+              <p:cNvPr id="28" name="Rectangle 27">
+                <a:extLst>
+                  <a:ext uri="{FF2B5EF4-FFF2-40B4-BE49-F238E27FC236}">
+                    <a16:creationId xmlns:a16="http://schemas.microsoft.com/office/drawing/2014/main" id="{47D2C0D9-858A-8F4E-8D29-3BF9E55AE141}"/>
+                  </a:ext>
+                </a:extLst>
+              </p:cNvPr>
+              <p:cNvSpPr/>
+              <p:nvPr/>
+            </p:nvSpPr>
+            <p:spPr>
+              <a:xfrm>
+                <a:off x="6871246" y="3322496"/>
+                <a:ext cx="1080247" cy="203262"/>
+              </a:xfrm>
+              <a:prstGeom prst="rect">
+                <a:avLst/>
+              </a:prstGeom>
+              <a:ln w="28575">
+                <a:solidFill>
+                  <a:schemeClr val="tx1"/>
+                </a:solidFill>
+              </a:ln>
+            </p:spPr>
+            <p:style>
+              <a:lnRef idx="1">
+                <a:schemeClr val="accent6"/>
+              </a:lnRef>
+              <a:fillRef idx="2">
+                <a:schemeClr val="accent6"/>
+              </a:fillRef>
+              <a:effectRef idx="1">
+                <a:schemeClr val="accent6"/>
+              </a:effectRef>
+              <a:fontRef idx="minor">
+                <a:schemeClr val="dk1"/>
+              </a:fontRef>
+            </p:style>
+            <p:txBody>
+              <a:bodyPr rtlCol="0" anchor="ctr"/>
+              <a:lstStyle/>
+              <a:p>
+                <a:pPr algn="ctr"/>
+                <a:r>
+                  <a:rPr lang="en-US" sz="1000" b="1" dirty="0" err="1"/>
+                  <a:t>MicroOperations</a:t>
+                </a:r>
+                <a:endParaRPr lang="en-US" sz="1000" b="1" dirty="0"/>
+              </a:p>
+            </p:txBody>
+          </p:sp>
+          <p:cxnSp>
+            <p:nvCxnSpPr>
+              <p:cNvPr id="29" name="Elbow Connector 28">
+                <a:extLst>
+                  <a:ext uri="{FF2B5EF4-FFF2-40B4-BE49-F238E27FC236}">
+                    <a16:creationId xmlns:a16="http://schemas.microsoft.com/office/drawing/2014/main" id="{62A57C0C-0608-B741-A7A3-594346930E0E}"/>
+                  </a:ext>
+                </a:extLst>
+              </p:cNvPr>
+              <p:cNvCxnSpPr>
+                <a:cxnSpLocks/>
+                <a:stCxn id="26" idx="3"/>
+                <a:endCxn id="27" idx="1"/>
+              </p:cNvCxnSpPr>
+              <p:nvPr/>
+            </p:nvCxnSpPr>
+            <p:spPr>
+              <a:xfrm>
+                <a:off x="3900213" y="2945652"/>
+                <a:ext cx="454072" cy="1"/>
+              </a:xfrm>
+              <a:prstGeom prst="bentConnector3">
+                <a:avLst>
+                  <a:gd name="adj1" fmla="val 50000"/>
+                </a:avLst>
+              </a:prstGeom>
+              <a:ln w="57150">
+                <a:solidFill>
+                  <a:schemeClr val="tx1"/>
+                </a:solidFill>
+                <a:tailEnd type="triangle"/>
+              </a:ln>
+            </p:spPr>
+            <p:style>
+              <a:lnRef idx="1">
+                <a:schemeClr val="accent1"/>
+              </a:lnRef>
+              <a:fillRef idx="0">
+                <a:schemeClr val="accent1"/>
+              </a:fillRef>
+              <a:effectRef idx="0">
+                <a:schemeClr val="accent1"/>
+              </a:effectRef>
+              <a:fontRef idx="minor">
+                <a:schemeClr val="tx1"/>
+              </a:fontRef>
+            </p:style>
+          </p:cxnSp>
+          <p:cxnSp>
+            <p:nvCxnSpPr>
+              <p:cNvPr id="33" name="Elbow Connector 32">
+                <a:extLst>
+                  <a:ext uri="{FF2B5EF4-FFF2-40B4-BE49-F238E27FC236}">
+                    <a16:creationId xmlns:a16="http://schemas.microsoft.com/office/drawing/2014/main" id="{584E6759-4518-A14E-B8A4-1913CD25EC1E}"/>
+                  </a:ext>
+                </a:extLst>
+              </p:cNvPr>
+              <p:cNvCxnSpPr>
+                <a:cxnSpLocks/>
+                <a:stCxn id="36" idx="3"/>
+                <a:endCxn id="35" idx="1"/>
+              </p:cNvCxnSpPr>
+              <p:nvPr/>
+            </p:nvCxnSpPr>
+            <p:spPr>
+              <a:xfrm flipV="1">
+                <a:off x="7693444" y="2945652"/>
+                <a:ext cx="603187" cy="1"/>
+              </a:xfrm>
+              <a:prstGeom prst="bentConnector3">
+                <a:avLst>
+                  <a:gd name="adj1" fmla="val 50000"/>
+                </a:avLst>
+              </a:prstGeom>
+              <a:ln w="57150">
+                <a:solidFill>
+                  <a:schemeClr val="tx1"/>
+                </a:solidFill>
+                <a:tailEnd type="triangle"/>
+              </a:ln>
+            </p:spPr>
+            <p:style>
+              <a:lnRef idx="1">
+                <a:schemeClr val="accent1"/>
+              </a:lnRef>
+              <a:fillRef idx="0">
+                <a:schemeClr val="accent1"/>
+              </a:fillRef>
+              <a:effectRef idx="0">
+                <a:schemeClr val="accent1"/>
+              </a:effectRef>
+              <a:fontRef idx="minor">
+                <a:schemeClr val="tx1"/>
+              </a:fontRef>
+            </p:style>
+          </p:cxnSp>
+          <p:cxnSp>
+            <p:nvCxnSpPr>
+              <p:cNvPr id="39" name="Elbow Connector 38">
+                <a:extLst>
+                  <a:ext uri="{FF2B5EF4-FFF2-40B4-BE49-F238E27FC236}">
+                    <a16:creationId xmlns:a16="http://schemas.microsoft.com/office/drawing/2014/main" id="{746B50C4-30FF-A244-8FD1-116E9BA30C43}"/>
+                  </a:ext>
+                </a:extLst>
+              </p:cNvPr>
+              <p:cNvCxnSpPr>
+                <a:cxnSpLocks/>
+                <a:stCxn id="2" idx="3"/>
+                <a:endCxn id="3" idx="1"/>
+              </p:cNvCxnSpPr>
+              <p:nvPr/>
+            </p:nvCxnSpPr>
+            <p:spPr>
+              <a:xfrm flipV="1">
+                <a:off x="5692630" y="4066641"/>
+                <a:ext cx="727388" cy="343"/>
+              </a:xfrm>
+              <a:prstGeom prst="bentConnector3">
+                <a:avLst>
+                  <a:gd name="adj1" fmla="val 50000"/>
+                </a:avLst>
+              </a:prstGeom>
+              <a:ln w="57150">
+                <a:solidFill>
+                  <a:schemeClr val="tx1"/>
+                </a:solidFill>
+                <a:tailEnd type="triangle"/>
+              </a:ln>
+            </p:spPr>
+            <p:style>
+              <a:lnRef idx="1">
+                <a:schemeClr val="accent1"/>
+              </a:lnRef>
+              <a:fillRef idx="0">
+                <a:schemeClr val="accent1"/>
+              </a:fillRef>
+              <a:effectRef idx="0">
+                <a:schemeClr val="accent1"/>
+              </a:effectRef>
+              <a:fontRef idx="minor">
+                <a:schemeClr val="tx1"/>
+              </a:fontRef>
+            </p:style>
+          </p:cxnSp>
+        </p:grpSp>
+      </p:grpSp>
+    </p:spTree>
+    <p:extLst>
+      <p:ext uri="{BB962C8B-B14F-4D97-AF65-F5344CB8AC3E}">
+        <p14:creationId xmlns:p14="http://schemas.microsoft.com/office/powerpoint/2010/main" val="4249375861"/>
+      </p:ext>
+    </p:extLst>
+  </p:cSld>
+  <p:clrMapOvr>
+    <a:masterClrMapping/>
+  </p:clrMapOvr>
+</p:sld>
+</file>
+
+<file path=ppt/slides/slide3.xml><?xml version="1.0" encoding="utf-8"?>
+<p:sld xmlns:a="http://schemas.openxmlformats.org/drawingml/2006/main" xmlns:r="http://schemas.openxmlformats.org/officeDocument/2006/relationships" xmlns:p="http://schemas.openxmlformats.org/presentationml/2006/main">
+  <p:cSld>
+    <p:bg>
+      <p:bgPr>
+        <a:blipFill>
+          <a:blip r:embed="rId3"/>
+          <a:tile tx="0" ty="0" sx="100000" sy="100000" flip="none" algn="tl"/>
+        </a:blipFill>
+        <a:effectLst/>
+      </p:bgPr>
+    </p:bg>
+    <p:spTree>
+      <p:nvGrpSpPr>
+        <p:cNvPr id="1" name=""/>
+        <p:cNvGrpSpPr/>
+        <p:nvPr/>
+      </p:nvGrpSpPr>
+      <p:grpSpPr>
+        <a:xfrm>
+          <a:off x="0" y="0"/>
+          <a:ext cx="0" cy="0"/>
+          <a:chOff x="0" y="0"/>
+          <a:chExt cx="0" cy="0"/>
+        </a:xfrm>
+      </p:grpSpPr>
+      <p:grpSp>
+        <p:nvGrpSpPr>
+          <p:cNvPr id="87" name="Group 86">
+            <a:extLst>
+              <a:ext uri="{FF2B5EF4-FFF2-40B4-BE49-F238E27FC236}">
+                <a16:creationId xmlns:a16="http://schemas.microsoft.com/office/drawing/2014/main" id="{BA48F53F-A7D4-5D44-8A9F-CA14AA336320}"/>
+              </a:ext>
+            </a:extLst>
+          </p:cNvPr>
+          <p:cNvGrpSpPr/>
+          <p:nvPr/>
+        </p:nvGrpSpPr>
+        <p:grpSpPr>
+          <a:xfrm>
+            <a:off x="5212977" y="1112434"/>
+            <a:ext cx="1464234" cy="4892197"/>
+            <a:chOff x="5212977" y="1112434"/>
+            <a:chExt cx="1464234" cy="4892197"/>
+          </a:xfrm>
+        </p:grpSpPr>
+        <p:sp>
+          <p:nvSpPr>
+            <p:cNvPr id="31" name="Rectangle 30">
+              <a:extLst>
+                <a:ext uri="{FF2B5EF4-FFF2-40B4-BE49-F238E27FC236}">
+                  <a16:creationId xmlns:a16="http://schemas.microsoft.com/office/drawing/2014/main" id="{3B2FDB7D-3416-154A-AF09-EC7F38399952}"/>
+                </a:ext>
+              </a:extLst>
+            </p:cNvPr>
+            <p:cNvSpPr/>
+            <p:nvPr/>
+          </p:nvSpPr>
+          <p:spPr>
+            <a:xfrm rot="16200000">
+              <a:off x="3498995" y="2826416"/>
+              <a:ext cx="4892197" cy="1464234"/>
+            </a:xfrm>
+            <a:prstGeom prst="rect">
+              <a:avLst/>
+            </a:prstGeom>
+            <a:solidFill>
+              <a:schemeClr val="bg1"/>
+            </a:solidFill>
+            <a:ln w="28575">
+              <a:solidFill>
+                <a:schemeClr val="tx1"/>
+              </a:solidFill>
+            </a:ln>
+          </p:spPr>
+          <p:style>
+            <a:lnRef idx="2">
+              <a:schemeClr val="accent1">
+                <a:shade val="50000"/>
+              </a:schemeClr>
+            </a:lnRef>
+            <a:fillRef idx="1">
+              <a:schemeClr val="accent1"/>
+            </a:fillRef>
+            <a:effectRef idx="0">
+              <a:schemeClr val="accent1"/>
+            </a:effectRef>
+            <a:fontRef idx="minor">
+              <a:schemeClr val="lt1"/>
+            </a:fontRef>
+          </p:style>
+          <p:txBody>
+            <a:bodyPr rtlCol="0" anchor="t"/>
+            <a:lstStyle/>
+            <a:p>
+              <a:pPr algn="ctr"/>
+              <a:r>
+                <a:rPr lang="en-US" dirty="0">
+                  <a:solidFill>
+                    <a:schemeClr val="tx1"/>
+                  </a:solidFill>
+                </a:rPr>
+                <a:t>Usual Workflow</a:t>
+              </a:r>
+            </a:p>
+          </p:txBody>
+        </p:sp>
+        <p:grpSp>
+          <p:nvGrpSpPr>
+            <p:cNvPr id="86" name="Group 85">
+              <a:extLst>
+                <a:ext uri="{FF2B5EF4-FFF2-40B4-BE49-F238E27FC236}">
+                  <a16:creationId xmlns:a16="http://schemas.microsoft.com/office/drawing/2014/main" id="{6C117416-0E1E-AF4F-87C9-0CABEAC57D31}"/>
+                </a:ext>
+              </a:extLst>
+            </p:cNvPr>
+            <p:cNvGrpSpPr/>
+            <p:nvPr/>
+          </p:nvGrpSpPr>
+          <p:grpSpPr>
+            <a:xfrm>
+              <a:off x="5680635" y="1209006"/>
+              <a:ext cx="830730" cy="4439987"/>
+              <a:chOff x="5831541" y="408260"/>
+              <a:chExt cx="830730" cy="4439987"/>
+            </a:xfrm>
+          </p:grpSpPr>
+          <p:grpSp>
+            <p:nvGrpSpPr>
+              <p:cNvPr id="75" name="Group 74">
+                <a:extLst>
+                  <a:ext uri="{FF2B5EF4-FFF2-40B4-BE49-F238E27FC236}">
+                    <a16:creationId xmlns:a16="http://schemas.microsoft.com/office/drawing/2014/main" id="{E095D430-6BEF-1E42-9944-7EAC8FB453BD}"/>
+                  </a:ext>
+                </a:extLst>
+              </p:cNvPr>
+              <p:cNvGrpSpPr/>
+              <p:nvPr/>
+            </p:nvGrpSpPr>
+            <p:grpSpPr>
+              <a:xfrm>
+                <a:off x="5862917" y="3617062"/>
+                <a:ext cx="799354" cy="670476"/>
+                <a:chOff x="5831541" y="847548"/>
+                <a:chExt cx="799354" cy="670476"/>
+              </a:xfrm>
+            </p:grpSpPr>
+            <p:sp>
+              <p:nvSpPr>
+                <p:cNvPr id="76" name="Rectangle 75">
+                  <a:extLst>
+                    <a:ext uri="{FF2B5EF4-FFF2-40B4-BE49-F238E27FC236}">
+                      <a16:creationId xmlns:a16="http://schemas.microsoft.com/office/drawing/2014/main" id="{5D4AD0BF-272D-B74B-BDFE-52B83ADC19FD}"/>
+                    </a:ext>
+                  </a:extLst>
+                </p:cNvPr>
+                <p:cNvSpPr/>
+                <p:nvPr/>
+              </p:nvSpPr>
+              <p:spPr>
+                <a:xfrm rot="16200000">
+                  <a:off x="5895980" y="783109"/>
+                  <a:ext cx="670476" cy="799354"/>
+                </a:xfrm>
+                <a:prstGeom prst="rect">
+                  <a:avLst/>
+                </a:prstGeom>
+                <a:ln w="28575">
+                  <a:solidFill>
+                    <a:schemeClr val="tx1"/>
+                  </a:solidFill>
+                </a:ln>
+              </p:spPr>
+              <p:style>
+                <a:lnRef idx="2">
+                  <a:schemeClr val="dk1"/>
+                </a:lnRef>
+                <a:fillRef idx="1">
+                  <a:schemeClr val="lt1"/>
+                </a:fillRef>
+                <a:effectRef idx="0">
+                  <a:schemeClr val="dk1"/>
+                </a:effectRef>
+                <a:fontRef idx="minor">
+                  <a:schemeClr val="dk1"/>
+                </a:fontRef>
+              </p:style>
+              <p:txBody>
+                <a:bodyPr rtlCol="0" anchor="t"/>
+                <a:lstStyle/>
+                <a:p>
+                  <a:pPr algn="ctr"/>
+                  <a:r>
+                    <a:rPr lang="en-US" sz="1200" b="1" dirty="0"/>
+                    <a:t>Process</a:t>
+                  </a:r>
+                </a:p>
+              </p:txBody>
+            </p:sp>
+            <p:sp>
+              <p:nvSpPr>
+                <p:cNvPr id="77" name="Rectangle 76">
+                  <a:extLst>
+                    <a:ext uri="{FF2B5EF4-FFF2-40B4-BE49-F238E27FC236}">
+                      <a16:creationId xmlns:a16="http://schemas.microsoft.com/office/drawing/2014/main" id="{BBB51262-99E0-E647-B953-C5F9AE8959D5}"/>
+                    </a:ext>
+                  </a:extLst>
+                </p:cNvPr>
+                <p:cNvSpPr/>
+                <p:nvPr/>
+              </p:nvSpPr>
+              <p:spPr>
+                <a:xfrm>
+                  <a:off x="6095999" y="1126201"/>
+                  <a:ext cx="472142" cy="245035"/>
+                </a:xfrm>
+                <a:prstGeom prst="rect">
+                  <a:avLst/>
+                </a:prstGeom>
+                <a:ln w="28575">
+                  <a:solidFill>
+                    <a:schemeClr val="tx1"/>
+                  </a:solidFill>
+                </a:ln>
+              </p:spPr>
+              <p:style>
+                <a:lnRef idx="1">
+                  <a:schemeClr val="accent6"/>
+                </a:lnRef>
+                <a:fillRef idx="2">
+                  <a:schemeClr val="accent6"/>
+                </a:fillRef>
+                <a:effectRef idx="1">
+                  <a:schemeClr val="accent6"/>
+                </a:effectRef>
+                <a:fontRef idx="minor">
+                  <a:schemeClr val="dk1"/>
+                </a:fontRef>
+              </p:style>
+              <p:txBody>
+                <a:bodyPr rtlCol="0" anchor="ctr"/>
+                <a:lstStyle/>
+                <a:p>
+                  <a:pPr algn="ctr"/>
+                  <a:r>
+                    <a:rPr lang="en-US" sz="1200" b="1" dirty="0"/>
+                    <a:t>Task</a:t>
+                  </a:r>
+                </a:p>
+              </p:txBody>
+            </p:sp>
+          </p:grpSp>
+          <p:grpSp>
+            <p:nvGrpSpPr>
+              <p:cNvPr id="68" name="Group 67">
+                <a:extLst>
+                  <a:ext uri="{FF2B5EF4-FFF2-40B4-BE49-F238E27FC236}">
+                    <a16:creationId xmlns:a16="http://schemas.microsoft.com/office/drawing/2014/main" id="{BBDB2947-5AE9-F54D-A7B9-FA82E1039DCA}"/>
+                  </a:ext>
+                </a:extLst>
+              </p:cNvPr>
+              <p:cNvGrpSpPr/>
+              <p:nvPr/>
+            </p:nvGrpSpPr>
+            <p:grpSpPr>
+              <a:xfrm>
+                <a:off x="5831541" y="2235225"/>
+                <a:ext cx="799354" cy="670476"/>
+                <a:chOff x="5831541" y="847548"/>
+                <a:chExt cx="799354" cy="670476"/>
+              </a:xfrm>
+            </p:grpSpPr>
+            <p:sp>
+              <p:nvSpPr>
+                <p:cNvPr id="69" name="Rectangle 68">
+                  <a:extLst>
+                    <a:ext uri="{FF2B5EF4-FFF2-40B4-BE49-F238E27FC236}">
+                      <a16:creationId xmlns:a16="http://schemas.microsoft.com/office/drawing/2014/main" id="{F83A3001-7EBD-6947-93EC-FE2729E0C771}"/>
+                    </a:ext>
+                  </a:extLst>
+                </p:cNvPr>
+                <p:cNvSpPr/>
+                <p:nvPr/>
+              </p:nvSpPr>
+              <p:spPr>
+                <a:xfrm rot="16200000">
+                  <a:off x="5895980" y="783109"/>
+                  <a:ext cx="670476" cy="799354"/>
+                </a:xfrm>
+                <a:prstGeom prst="rect">
+                  <a:avLst/>
+                </a:prstGeom>
+                <a:ln w="28575">
+                  <a:solidFill>
+                    <a:schemeClr val="tx1"/>
+                  </a:solidFill>
+                </a:ln>
+              </p:spPr>
+              <p:style>
+                <a:lnRef idx="2">
+                  <a:schemeClr val="dk1"/>
+                </a:lnRef>
+                <a:fillRef idx="1">
+                  <a:schemeClr val="lt1"/>
+                </a:fillRef>
+                <a:effectRef idx="0">
+                  <a:schemeClr val="dk1"/>
+                </a:effectRef>
+                <a:fontRef idx="minor">
+                  <a:schemeClr val="dk1"/>
+                </a:fontRef>
+              </p:style>
+              <p:txBody>
+                <a:bodyPr rtlCol="0" anchor="t"/>
+                <a:lstStyle/>
+                <a:p>
+                  <a:pPr algn="ctr"/>
+                  <a:r>
+                    <a:rPr lang="en-US" sz="1200" b="1" dirty="0"/>
+                    <a:t>Process</a:t>
+                  </a:r>
+                </a:p>
+              </p:txBody>
+            </p:sp>
+            <p:sp>
+              <p:nvSpPr>
+                <p:cNvPr id="70" name="Rectangle 69">
+                  <a:extLst>
+                    <a:ext uri="{FF2B5EF4-FFF2-40B4-BE49-F238E27FC236}">
+                      <a16:creationId xmlns:a16="http://schemas.microsoft.com/office/drawing/2014/main" id="{1E867E1E-1A7F-C74C-83B2-FBFA52495515}"/>
+                    </a:ext>
+                  </a:extLst>
+                </p:cNvPr>
+                <p:cNvSpPr/>
+                <p:nvPr/>
+              </p:nvSpPr>
+              <p:spPr>
+                <a:xfrm>
+                  <a:off x="6095999" y="1126201"/>
+                  <a:ext cx="472142" cy="245035"/>
+                </a:xfrm>
+                <a:prstGeom prst="rect">
+                  <a:avLst/>
+                </a:prstGeom>
+                <a:ln w="28575">
+                  <a:solidFill>
+                    <a:schemeClr val="tx1"/>
+                  </a:solidFill>
+                </a:ln>
+              </p:spPr>
+              <p:style>
+                <a:lnRef idx="1">
+                  <a:schemeClr val="accent6"/>
+                </a:lnRef>
+                <a:fillRef idx="2">
+                  <a:schemeClr val="accent6"/>
+                </a:fillRef>
+                <a:effectRef idx="1">
+                  <a:schemeClr val="accent6"/>
+                </a:effectRef>
+                <a:fontRef idx="minor">
+                  <a:schemeClr val="dk1"/>
+                </a:fontRef>
+              </p:style>
+              <p:txBody>
+                <a:bodyPr rtlCol="0" anchor="ctr"/>
+                <a:lstStyle/>
+                <a:p>
+                  <a:pPr algn="ctr"/>
+                  <a:r>
+                    <a:rPr lang="en-US" sz="1200" b="1" dirty="0"/>
+                    <a:t>Task</a:t>
+                  </a:r>
+                </a:p>
+              </p:txBody>
+            </p:sp>
+          </p:grpSp>
+          <p:grpSp>
+            <p:nvGrpSpPr>
+              <p:cNvPr id="63" name="Group 62">
+                <a:extLst>
+                  <a:ext uri="{FF2B5EF4-FFF2-40B4-BE49-F238E27FC236}">
+                    <a16:creationId xmlns:a16="http://schemas.microsoft.com/office/drawing/2014/main" id="{4A5AC46F-EB22-5848-84C5-F76463EDE3CD}"/>
+                  </a:ext>
+                </a:extLst>
+              </p:cNvPr>
+              <p:cNvGrpSpPr/>
+              <p:nvPr/>
+            </p:nvGrpSpPr>
+            <p:grpSpPr>
+              <a:xfrm>
+                <a:off x="5831541" y="847548"/>
+                <a:ext cx="799354" cy="670476"/>
+                <a:chOff x="5831541" y="847548"/>
+                <a:chExt cx="799354" cy="670476"/>
+              </a:xfrm>
+            </p:grpSpPr>
+            <p:sp>
+              <p:nvSpPr>
+                <p:cNvPr id="8" name="Rectangle 7">
+                  <a:extLst>
+                    <a:ext uri="{FF2B5EF4-FFF2-40B4-BE49-F238E27FC236}">
+                      <a16:creationId xmlns:a16="http://schemas.microsoft.com/office/drawing/2014/main" id="{0CC5DAC6-2918-5D46-9FBC-A56C96669833}"/>
+                    </a:ext>
+                  </a:extLst>
+                </p:cNvPr>
+                <p:cNvSpPr/>
+                <p:nvPr/>
+              </p:nvSpPr>
+              <p:spPr>
+                <a:xfrm rot="16200000">
+                  <a:off x="5895980" y="783109"/>
+                  <a:ext cx="670476" cy="799354"/>
+                </a:xfrm>
+                <a:prstGeom prst="rect">
+                  <a:avLst/>
+                </a:prstGeom>
+                <a:ln w="28575">
+                  <a:solidFill>
+                    <a:schemeClr val="tx1"/>
+                  </a:solidFill>
+                </a:ln>
+              </p:spPr>
+              <p:style>
+                <a:lnRef idx="2">
+                  <a:schemeClr val="dk1"/>
+                </a:lnRef>
+                <a:fillRef idx="1">
+                  <a:schemeClr val="lt1"/>
+                </a:fillRef>
+                <a:effectRef idx="0">
+                  <a:schemeClr val="dk1"/>
+                </a:effectRef>
+                <a:fontRef idx="minor">
+                  <a:schemeClr val="dk1"/>
+                </a:fontRef>
+              </p:style>
+              <p:txBody>
+                <a:bodyPr rtlCol="0" anchor="t"/>
+                <a:lstStyle/>
+                <a:p>
+                  <a:pPr algn="ctr"/>
+                  <a:r>
+                    <a:rPr lang="en-US" sz="1200" b="1" dirty="0"/>
+                    <a:t>Process</a:t>
+                  </a:r>
+                </a:p>
+              </p:txBody>
+            </p:sp>
+            <p:sp>
+              <p:nvSpPr>
+                <p:cNvPr id="5" name="Rectangle 4">
+                  <a:extLst>
+                    <a:ext uri="{FF2B5EF4-FFF2-40B4-BE49-F238E27FC236}">
+                      <a16:creationId xmlns:a16="http://schemas.microsoft.com/office/drawing/2014/main" id="{CB1DF19C-9376-6241-9022-61F220B752E7}"/>
+                    </a:ext>
+                  </a:extLst>
+                </p:cNvPr>
+                <p:cNvSpPr/>
+                <p:nvPr/>
+              </p:nvSpPr>
+              <p:spPr>
+                <a:xfrm>
+                  <a:off x="6095999" y="1126201"/>
+                  <a:ext cx="472142" cy="245035"/>
+                </a:xfrm>
+                <a:prstGeom prst="rect">
+                  <a:avLst/>
+                </a:prstGeom>
+                <a:ln w="28575">
+                  <a:solidFill>
+                    <a:schemeClr val="tx1"/>
+                  </a:solidFill>
+                </a:ln>
+              </p:spPr>
+              <p:style>
+                <a:lnRef idx="1">
+                  <a:schemeClr val="accent6"/>
+                </a:lnRef>
+                <a:fillRef idx="2">
+                  <a:schemeClr val="accent6"/>
+                </a:fillRef>
+                <a:effectRef idx="1">
+                  <a:schemeClr val="accent6"/>
+                </a:effectRef>
+                <a:fontRef idx="minor">
+                  <a:schemeClr val="dk1"/>
+                </a:fontRef>
+              </p:style>
+              <p:txBody>
+                <a:bodyPr rtlCol="0" anchor="ctr"/>
+                <a:lstStyle/>
+                <a:p>
+                  <a:pPr algn="ctr"/>
+                  <a:r>
+                    <a:rPr lang="en-US" sz="1200" b="1" dirty="0"/>
+                    <a:t>Task</a:t>
+                  </a:r>
+                </a:p>
+              </p:txBody>
+            </p:sp>
+          </p:grpSp>
+          <p:grpSp>
+            <p:nvGrpSpPr>
+              <p:cNvPr id="84" name="Group 83">
+                <a:extLst>
+                  <a:ext uri="{FF2B5EF4-FFF2-40B4-BE49-F238E27FC236}">
+                    <a16:creationId xmlns:a16="http://schemas.microsoft.com/office/drawing/2014/main" id="{55040A36-E08A-1343-9E47-246D213D9842}"/>
+                  </a:ext>
+                </a:extLst>
+              </p:cNvPr>
+              <p:cNvGrpSpPr/>
+              <p:nvPr/>
+            </p:nvGrpSpPr>
+            <p:grpSpPr>
+              <a:xfrm>
+                <a:off x="6001870" y="1371236"/>
+                <a:ext cx="660401" cy="1142642"/>
+                <a:chOff x="6001870" y="1371236"/>
+                <a:chExt cx="660401" cy="1142642"/>
+              </a:xfrm>
+            </p:grpSpPr>
+            <p:sp>
+              <p:nvSpPr>
+                <p:cNvPr id="10" name="Oval 9">
+                  <a:extLst>
+                    <a:ext uri="{FF2B5EF4-FFF2-40B4-BE49-F238E27FC236}">
+                      <a16:creationId xmlns:a16="http://schemas.microsoft.com/office/drawing/2014/main" id="{4FA4F195-AFD3-0C49-9E23-7CF41E0512A5}"/>
+                    </a:ext>
+                  </a:extLst>
+                </p:cNvPr>
+                <p:cNvSpPr/>
+                <p:nvPr/>
+              </p:nvSpPr>
+              <p:spPr>
+                <a:xfrm>
+                  <a:off x="6001870" y="1797804"/>
+                  <a:ext cx="660401" cy="274918"/>
+                </a:xfrm>
+                <a:prstGeom prst="ellipse">
+                  <a:avLst/>
+                </a:prstGeom>
+                <a:ln w="28575">
+                  <a:solidFill>
+                    <a:schemeClr val="tx1"/>
+                  </a:solidFill>
+                </a:ln>
+              </p:spPr>
+              <p:style>
+                <a:lnRef idx="1">
+                  <a:schemeClr val="accent1"/>
+                </a:lnRef>
+                <a:fillRef idx="2">
+                  <a:schemeClr val="accent1"/>
+                </a:fillRef>
+                <a:effectRef idx="1">
+                  <a:schemeClr val="accent1"/>
+                </a:effectRef>
+                <a:fontRef idx="minor">
+                  <a:schemeClr val="dk1"/>
+                </a:fontRef>
+              </p:style>
+              <p:txBody>
+                <a:bodyPr rtlCol="0" anchor="ctr"/>
+                <a:lstStyle/>
+                <a:p>
+                  <a:pPr algn="ctr"/>
+                  <a:r>
+                    <a:rPr lang="en-US" sz="1200" b="1" dirty="0"/>
+                    <a:t>Files</a:t>
+                  </a:r>
+                </a:p>
+              </p:txBody>
+            </p:sp>
+            <p:cxnSp>
+              <p:nvCxnSpPr>
+                <p:cNvPr id="12" name="Straight Arrow Connector 11">
+                  <a:extLst>
+                    <a:ext uri="{FF2B5EF4-FFF2-40B4-BE49-F238E27FC236}">
+                      <a16:creationId xmlns:a16="http://schemas.microsoft.com/office/drawing/2014/main" id="{1ABB8F90-C6D4-F641-89D3-950FBD323922}"/>
+                    </a:ext>
+                  </a:extLst>
+                </p:cNvPr>
+                <p:cNvCxnSpPr>
+                  <a:stCxn id="5" idx="2"/>
+                  <a:endCxn id="10" idx="0"/>
+                </p:cNvCxnSpPr>
+                <p:nvPr/>
+              </p:nvCxnSpPr>
+              <p:spPr>
+                <a:xfrm>
+                  <a:off x="6332070" y="1371236"/>
+                  <a:ext cx="1" cy="432000"/>
+                </a:xfrm>
+                <a:prstGeom prst="straightConnector1">
+                  <a:avLst/>
+                </a:prstGeom>
+                <a:ln w="57150">
+                  <a:solidFill>
+                    <a:schemeClr val="tx1"/>
+                  </a:solidFill>
+                  <a:tailEnd type="triangle"/>
+                </a:ln>
+              </p:spPr>
+              <p:style>
+                <a:lnRef idx="1">
+                  <a:schemeClr val="accent1"/>
+                </a:lnRef>
+                <a:fillRef idx="0">
+                  <a:schemeClr val="accent1"/>
+                </a:fillRef>
+                <a:effectRef idx="0">
+                  <a:schemeClr val="accent1"/>
+                </a:effectRef>
+                <a:fontRef idx="minor">
+                  <a:schemeClr val="tx1"/>
+                </a:fontRef>
+              </p:style>
+            </p:cxnSp>
+            <p:cxnSp>
+              <p:nvCxnSpPr>
+                <p:cNvPr id="40" name="Straight Arrow Connector 39">
+                  <a:extLst>
+                    <a:ext uri="{FF2B5EF4-FFF2-40B4-BE49-F238E27FC236}">
+                      <a16:creationId xmlns:a16="http://schemas.microsoft.com/office/drawing/2014/main" id="{BB32E303-7664-D74A-9F38-F633B04F35E1}"/>
+                    </a:ext>
+                  </a:extLst>
+                </p:cNvPr>
+                <p:cNvCxnSpPr>
+                  <a:cxnSpLocks/>
+                  <a:stCxn id="10" idx="4"/>
+                  <a:endCxn id="70" idx="0"/>
+                </p:cNvCxnSpPr>
+                <p:nvPr/>
+              </p:nvCxnSpPr>
+              <p:spPr>
+                <a:xfrm flipH="1">
+                  <a:off x="6332070" y="2072722"/>
+                  <a:ext cx="1" cy="441156"/>
+                </a:xfrm>
+                <a:prstGeom prst="straightConnector1">
+                  <a:avLst/>
+                </a:prstGeom>
+                <a:ln w="57150">
+                  <a:solidFill>
+                    <a:schemeClr val="tx1"/>
+                  </a:solidFill>
+                  <a:tailEnd type="triangle"/>
+                </a:ln>
+              </p:spPr>
+              <p:style>
+                <a:lnRef idx="1">
+                  <a:schemeClr val="accent1"/>
+                </a:lnRef>
+                <a:fillRef idx="0">
+                  <a:schemeClr val="accent1"/>
+                </a:fillRef>
+                <a:effectRef idx="0">
+                  <a:schemeClr val="accent1"/>
+                </a:effectRef>
+                <a:fontRef idx="minor">
+                  <a:schemeClr val="tx1"/>
+                </a:fontRef>
+              </p:style>
+            </p:cxnSp>
+          </p:grpSp>
+          <p:grpSp>
+            <p:nvGrpSpPr>
+              <p:cNvPr id="85" name="Group 84">
+                <a:extLst>
+                  <a:ext uri="{FF2B5EF4-FFF2-40B4-BE49-F238E27FC236}">
+                    <a16:creationId xmlns:a16="http://schemas.microsoft.com/office/drawing/2014/main" id="{8AFB98AE-89F6-3B47-9781-AF3C2B1BAB67}"/>
+                  </a:ext>
+                </a:extLst>
+              </p:cNvPr>
+              <p:cNvGrpSpPr/>
+              <p:nvPr/>
+            </p:nvGrpSpPr>
+            <p:grpSpPr>
+              <a:xfrm>
+                <a:off x="6001870" y="2757787"/>
+                <a:ext cx="660401" cy="1142642"/>
+                <a:chOff x="6001870" y="2757787"/>
+                <a:chExt cx="660401" cy="1142642"/>
+              </a:xfrm>
+            </p:grpSpPr>
+            <p:sp>
+              <p:nvSpPr>
+                <p:cNvPr id="72" name="Oval 71">
+                  <a:extLst>
+                    <a:ext uri="{FF2B5EF4-FFF2-40B4-BE49-F238E27FC236}">
+                      <a16:creationId xmlns:a16="http://schemas.microsoft.com/office/drawing/2014/main" id="{B855A3AE-0460-A542-8F2C-167A407C2591}"/>
+                    </a:ext>
+                  </a:extLst>
+                </p:cNvPr>
+                <p:cNvSpPr/>
+                <p:nvPr/>
+              </p:nvSpPr>
+              <p:spPr>
+                <a:xfrm>
+                  <a:off x="6001870" y="3184355"/>
+                  <a:ext cx="660401" cy="274918"/>
+                </a:xfrm>
+                <a:prstGeom prst="ellipse">
+                  <a:avLst/>
+                </a:prstGeom>
+                <a:ln w="28575">
+                  <a:solidFill>
+                    <a:schemeClr val="tx1"/>
+                  </a:solidFill>
+                </a:ln>
+              </p:spPr>
+              <p:style>
+                <a:lnRef idx="1">
+                  <a:schemeClr val="accent1"/>
+                </a:lnRef>
+                <a:fillRef idx="2">
+                  <a:schemeClr val="accent1"/>
+                </a:fillRef>
+                <a:effectRef idx="1">
+                  <a:schemeClr val="accent1"/>
+                </a:effectRef>
+                <a:fontRef idx="minor">
+                  <a:schemeClr val="dk1"/>
+                </a:fontRef>
+              </p:style>
+              <p:txBody>
+                <a:bodyPr rtlCol="0" anchor="ctr"/>
+                <a:lstStyle/>
+                <a:p>
+                  <a:pPr algn="ctr"/>
+                  <a:r>
+                    <a:rPr lang="en-US" sz="1200" b="1" dirty="0"/>
+                    <a:t>Files</a:t>
+                  </a:r>
+                </a:p>
+              </p:txBody>
+            </p:sp>
+            <p:cxnSp>
+              <p:nvCxnSpPr>
+                <p:cNvPr id="73" name="Straight Arrow Connector 72">
+                  <a:extLst>
+                    <a:ext uri="{FF2B5EF4-FFF2-40B4-BE49-F238E27FC236}">
+                      <a16:creationId xmlns:a16="http://schemas.microsoft.com/office/drawing/2014/main" id="{53A866BE-EB06-A049-9015-D6243A084113}"/>
+                    </a:ext>
+                  </a:extLst>
+                </p:cNvPr>
+                <p:cNvCxnSpPr>
+                  <a:endCxn id="72" idx="0"/>
+                </p:cNvCxnSpPr>
+                <p:nvPr/>
+              </p:nvCxnSpPr>
+              <p:spPr>
+                <a:xfrm>
+                  <a:off x="6332070" y="2757787"/>
+                  <a:ext cx="1" cy="432000"/>
+                </a:xfrm>
+                <a:prstGeom prst="straightConnector1">
+                  <a:avLst/>
+                </a:prstGeom>
+                <a:ln w="57150">
+                  <a:solidFill>
+                    <a:schemeClr val="tx1"/>
+                  </a:solidFill>
+                  <a:tailEnd type="triangle"/>
+                </a:ln>
+              </p:spPr>
+              <p:style>
+                <a:lnRef idx="1">
+                  <a:schemeClr val="accent1"/>
+                </a:lnRef>
+                <a:fillRef idx="0">
+                  <a:schemeClr val="accent1"/>
+                </a:fillRef>
+                <a:effectRef idx="0">
+                  <a:schemeClr val="accent1"/>
+                </a:effectRef>
+                <a:fontRef idx="minor">
+                  <a:schemeClr val="tx1"/>
+                </a:fontRef>
+              </p:style>
+            </p:cxnSp>
+            <p:cxnSp>
+              <p:nvCxnSpPr>
+                <p:cNvPr id="74" name="Straight Arrow Connector 73">
+                  <a:extLst>
+                    <a:ext uri="{FF2B5EF4-FFF2-40B4-BE49-F238E27FC236}">
+                      <a16:creationId xmlns:a16="http://schemas.microsoft.com/office/drawing/2014/main" id="{390B3084-83A5-CF42-9A27-4CA202DB54D3}"/>
+                    </a:ext>
+                  </a:extLst>
+                </p:cNvPr>
+                <p:cNvCxnSpPr>
+                  <a:cxnSpLocks/>
+                  <a:stCxn id="72" idx="4"/>
+                </p:cNvCxnSpPr>
+                <p:nvPr/>
+              </p:nvCxnSpPr>
+              <p:spPr>
+                <a:xfrm flipH="1">
+                  <a:off x="6332070" y="3459273"/>
+                  <a:ext cx="1" cy="441156"/>
+                </a:xfrm>
+                <a:prstGeom prst="straightConnector1">
+                  <a:avLst/>
+                </a:prstGeom>
+                <a:ln w="57150">
+                  <a:solidFill>
+                    <a:schemeClr val="tx1"/>
+                  </a:solidFill>
+                  <a:tailEnd type="triangle"/>
+                </a:ln>
+              </p:spPr>
+              <p:style>
+                <a:lnRef idx="1">
+                  <a:schemeClr val="accent1"/>
+                </a:lnRef>
+                <a:fillRef idx="0">
+                  <a:schemeClr val="accent1"/>
+                </a:fillRef>
+                <a:effectRef idx="0">
+                  <a:schemeClr val="accent1"/>
+                </a:effectRef>
+                <a:fontRef idx="minor">
+                  <a:schemeClr val="tx1"/>
+                </a:fontRef>
+              </p:style>
+            </p:cxnSp>
+          </p:grpSp>
+          <p:grpSp>
+            <p:nvGrpSpPr>
+              <p:cNvPr id="83" name="Group 82">
+                <a:extLst>
+                  <a:ext uri="{FF2B5EF4-FFF2-40B4-BE49-F238E27FC236}">
+                    <a16:creationId xmlns:a16="http://schemas.microsoft.com/office/drawing/2014/main" id="{7D5E214A-0108-2F46-98F3-B4216A1782A9}"/>
+                  </a:ext>
+                </a:extLst>
+              </p:cNvPr>
+              <p:cNvGrpSpPr/>
+              <p:nvPr/>
+            </p:nvGrpSpPr>
+            <p:grpSpPr>
+              <a:xfrm>
+                <a:off x="6001870" y="4146761"/>
+                <a:ext cx="660401" cy="701486"/>
+                <a:chOff x="6001870" y="4146761"/>
+                <a:chExt cx="660401" cy="701486"/>
+              </a:xfrm>
+            </p:grpSpPr>
+            <p:sp>
+              <p:nvSpPr>
+                <p:cNvPr id="78" name="Oval 77">
+                  <a:extLst>
+                    <a:ext uri="{FF2B5EF4-FFF2-40B4-BE49-F238E27FC236}">
+                      <a16:creationId xmlns:a16="http://schemas.microsoft.com/office/drawing/2014/main" id="{DC76079E-79A9-1640-8258-5F721DB3A564}"/>
+                    </a:ext>
+                  </a:extLst>
+                </p:cNvPr>
+                <p:cNvSpPr/>
+                <p:nvPr/>
+              </p:nvSpPr>
+              <p:spPr>
+                <a:xfrm>
+                  <a:off x="6001870" y="4573329"/>
+                  <a:ext cx="660401" cy="274918"/>
+                </a:xfrm>
+                <a:prstGeom prst="ellipse">
+                  <a:avLst/>
+                </a:prstGeom>
+                <a:ln w="28575">
+                  <a:solidFill>
+                    <a:schemeClr val="tx1"/>
+                  </a:solidFill>
+                </a:ln>
+              </p:spPr>
+              <p:style>
+                <a:lnRef idx="1">
+                  <a:schemeClr val="accent1"/>
+                </a:lnRef>
+                <a:fillRef idx="2">
+                  <a:schemeClr val="accent1"/>
+                </a:fillRef>
+                <a:effectRef idx="1">
+                  <a:schemeClr val="accent1"/>
+                </a:effectRef>
+                <a:fontRef idx="minor">
+                  <a:schemeClr val="dk1"/>
+                </a:fontRef>
+              </p:style>
+              <p:txBody>
+                <a:bodyPr rtlCol="0" anchor="ctr"/>
+                <a:lstStyle/>
+                <a:p>
+                  <a:pPr algn="ctr"/>
+                  <a:r>
+                    <a:rPr lang="en-US" sz="1200" b="1" dirty="0"/>
+                    <a:t>Files</a:t>
+                  </a:r>
+                </a:p>
+              </p:txBody>
+            </p:sp>
+            <p:cxnSp>
+              <p:nvCxnSpPr>
+                <p:cNvPr id="79" name="Straight Arrow Connector 78">
+                  <a:extLst>
+                    <a:ext uri="{FF2B5EF4-FFF2-40B4-BE49-F238E27FC236}">
+                      <a16:creationId xmlns:a16="http://schemas.microsoft.com/office/drawing/2014/main" id="{C419AF8E-1FAD-D84E-9567-8F4F5658B733}"/>
+                    </a:ext>
+                  </a:extLst>
+                </p:cNvPr>
+                <p:cNvCxnSpPr>
+                  <a:endCxn id="78" idx="0"/>
+                </p:cNvCxnSpPr>
+                <p:nvPr/>
+              </p:nvCxnSpPr>
+              <p:spPr>
+                <a:xfrm>
+                  <a:off x="6332070" y="4146761"/>
+                  <a:ext cx="1" cy="432000"/>
+                </a:xfrm>
+                <a:prstGeom prst="straightConnector1">
+                  <a:avLst/>
+                </a:prstGeom>
+                <a:ln w="57150">
+                  <a:solidFill>
+                    <a:schemeClr val="tx1"/>
+                  </a:solidFill>
+                  <a:tailEnd type="triangle"/>
+                </a:ln>
+              </p:spPr>
+              <p:style>
+                <a:lnRef idx="1">
+                  <a:schemeClr val="accent1"/>
+                </a:lnRef>
+                <a:fillRef idx="0">
+                  <a:schemeClr val="accent1"/>
+                </a:fillRef>
+                <a:effectRef idx="0">
+                  <a:schemeClr val="accent1"/>
+                </a:effectRef>
+                <a:fontRef idx="minor">
+                  <a:schemeClr val="tx1"/>
+                </a:fontRef>
+              </p:style>
+            </p:cxnSp>
+          </p:grpSp>
+          <p:grpSp>
+            <p:nvGrpSpPr>
+              <p:cNvPr id="82" name="Group 81">
+                <a:extLst>
+                  <a:ext uri="{FF2B5EF4-FFF2-40B4-BE49-F238E27FC236}">
+                    <a16:creationId xmlns:a16="http://schemas.microsoft.com/office/drawing/2014/main" id="{F7E7593C-A3BD-8A45-81DD-1E5244F1517B}"/>
+                  </a:ext>
+                </a:extLst>
+              </p:cNvPr>
+              <p:cNvGrpSpPr/>
+              <p:nvPr/>
+            </p:nvGrpSpPr>
+            <p:grpSpPr>
+              <a:xfrm>
+                <a:off x="6001870" y="408260"/>
+                <a:ext cx="660401" cy="716074"/>
+                <a:chOff x="6001870" y="408260"/>
+                <a:chExt cx="660401" cy="716074"/>
+              </a:xfrm>
+            </p:grpSpPr>
+            <p:sp>
+              <p:nvSpPr>
+                <p:cNvPr id="80" name="Oval 79">
+                  <a:extLst>
+                    <a:ext uri="{FF2B5EF4-FFF2-40B4-BE49-F238E27FC236}">
+                      <a16:creationId xmlns:a16="http://schemas.microsoft.com/office/drawing/2014/main" id="{694783E4-243B-294D-814F-7BEC7094C7AF}"/>
+                    </a:ext>
+                  </a:extLst>
+                </p:cNvPr>
+                <p:cNvSpPr/>
+                <p:nvPr/>
+              </p:nvSpPr>
+              <p:spPr>
+                <a:xfrm>
+                  <a:off x="6001870" y="408260"/>
+                  <a:ext cx="660401" cy="274918"/>
+                </a:xfrm>
+                <a:prstGeom prst="ellipse">
+                  <a:avLst/>
+                </a:prstGeom>
+                <a:ln w="28575">
+                  <a:solidFill>
+                    <a:schemeClr val="tx1"/>
+                  </a:solidFill>
+                </a:ln>
+              </p:spPr>
+              <p:style>
+                <a:lnRef idx="1">
+                  <a:schemeClr val="accent1"/>
+                </a:lnRef>
+                <a:fillRef idx="2">
+                  <a:schemeClr val="accent1"/>
+                </a:fillRef>
+                <a:effectRef idx="1">
+                  <a:schemeClr val="accent1"/>
+                </a:effectRef>
+                <a:fontRef idx="minor">
+                  <a:schemeClr val="dk1"/>
+                </a:fontRef>
+              </p:style>
+              <p:txBody>
+                <a:bodyPr rtlCol="0" anchor="ctr"/>
+                <a:lstStyle/>
+                <a:p>
+                  <a:pPr algn="ctr"/>
+                  <a:r>
+                    <a:rPr lang="en-US" sz="1200" b="1" dirty="0"/>
+                    <a:t>Files</a:t>
+                  </a:r>
+                </a:p>
+              </p:txBody>
+            </p:sp>
+            <p:cxnSp>
+              <p:nvCxnSpPr>
+                <p:cNvPr id="81" name="Straight Arrow Connector 80">
+                  <a:extLst>
+                    <a:ext uri="{FF2B5EF4-FFF2-40B4-BE49-F238E27FC236}">
+                      <a16:creationId xmlns:a16="http://schemas.microsoft.com/office/drawing/2014/main" id="{F843C2B1-130C-554E-8456-97F3F841C0EA}"/>
+                    </a:ext>
+                  </a:extLst>
+                </p:cNvPr>
+                <p:cNvCxnSpPr>
+                  <a:cxnSpLocks/>
+                  <a:stCxn id="80" idx="4"/>
+                </p:cNvCxnSpPr>
+                <p:nvPr/>
+              </p:nvCxnSpPr>
+              <p:spPr>
+                <a:xfrm flipH="1">
+                  <a:off x="6332070" y="683178"/>
+                  <a:ext cx="1" cy="441156"/>
+                </a:xfrm>
+                <a:prstGeom prst="straightConnector1">
+                  <a:avLst/>
+                </a:prstGeom>
+                <a:ln w="57150">
+                  <a:solidFill>
+                    <a:schemeClr val="tx1"/>
+                  </a:solidFill>
+                  <a:tailEnd type="triangle"/>
+                </a:ln>
+              </p:spPr>
+              <p:style>
+                <a:lnRef idx="1">
+                  <a:schemeClr val="accent1"/>
+                </a:lnRef>
+                <a:fillRef idx="0">
+                  <a:schemeClr val="accent1"/>
+                </a:fillRef>
+                <a:effectRef idx="0">
+                  <a:schemeClr val="accent1"/>
+                </a:effectRef>
+                <a:fontRef idx="minor">
+                  <a:schemeClr val="tx1"/>
+                </a:fontRef>
+              </p:style>
+            </p:cxnSp>
+          </p:grpSp>
+        </p:grpSp>
+      </p:grpSp>
+    </p:spTree>
+    <p:extLst>
+      <p:ext uri="{BB962C8B-B14F-4D97-AF65-F5344CB8AC3E}">
+        <p14:creationId xmlns:p14="http://schemas.microsoft.com/office/powerpoint/2010/main" val="310885909"/>
+      </p:ext>
+    </p:extLst>
+  </p:cSld>
+  <p:clrMapOvr>
+    <a:masterClrMapping/>
+  </p:clrMapOvr>
+</p:sld>
+</file>
+
+<file path=ppt/slides/slide4.xml><?xml version="1.0" encoding="utf-8"?>
+<p:sld xmlns:a="http://schemas.openxmlformats.org/drawingml/2006/main" xmlns:r="http://schemas.openxmlformats.org/officeDocument/2006/relationships" xmlns:p="http://schemas.openxmlformats.org/presentationml/2006/main">
+  <p:cSld>
+    <p:bg>
+      <p:bgPr>
+        <a:blipFill>
+          <a:blip r:embed="rId3"/>
+          <a:tile tx="0" ty="0" sx="100000" sy="100000" flip="none" algn="tl"/>
+        </a:blipFill>
+        <a:effectLst/>
+      </p:bgPr>
+    </p:bg>
+    <p:spTree>
+      <p:nvGrpSpPr>
+        <p:cNvPr id="1" name=""/>
+        <p:cNvGrpSpPr/>
+        <p:nvPr/>
+      </p:nvGrpSpPr>
+      <p:grpSpPr>
+        <a:xfrm>
+          <a:off x="0" y="0"/>
+          <a:ext cx="0" cy="0"/>
+          <a:chOff x="0" y="0"/>
+          <a:chExt cx="0" cy="0"/>
+        </a:xfrm>
+      </p:grpSpPr>
+      <p:grpSp>
+        <p:nvGrpSpPr>
+          <p:cNvPr id="14" name="Group 13">
+            <a:extLst>
+              <a:ext uri="{FF2B5EF4-FFF2-40B4-BE49-F238E27FC236}">
+                <a16:creationId xmlns:a16="http://schemas.microsoft.com/office/drawing/2014/main" id="{F03D1677-E277-4D45-86BE-194CB0D0A138}"/>
+              </a:ext>
+            </a:extLst>
+          </p:cNvPr>
+          <p:cNvGrpSpPr/>
+          <p:nvPr/>
+        </p:nvGrpSpPr>
+        <p:grpSpPr>
+          <a:xfrm>
+            <a:off x="5286932" y="756409"/>
+            <a:ext cx="2536268" cy="5345180"/>
+            <a:chOff x="5286932" y="756409"/>
+            <a:chExt cx="2536268" cy="5345180"/>
+          </a:xfrm>
+        </p:grpSpPr>
+        <p:sp>
+          <p:nvSpPr>
+            <p:cNvPr id="65" name="Rectangle 64">
+              <a:extLst>
+                <a:ext uri="{FF2B5EF4-FFF2-40B4-BE49-F238E27FC236}">
+                  <a16:creationId xmlns:a16="http://schemas.microsoft.com/office/drawing/2014/main" id="{692A9B40-8E26-CA49-AE02-0E3285839DFE}"/>
+                </a:ext>
+              </a:extLst>
+            </p:cNvPr>
+            <p:cNvSpPr/>
+            <p:nvPr/>
+          </p:nvSpPr>
+          <p:spPr>
+            <a:xfrm rot="16200000">
+              <a:off x="3882476" y="2160865"/>
+              <a:ext cx="5345180" cy="2536268"/>
+            </a:xfrm>
+            <a:prstGeom prst="rect">
+              <a:avLst/>
+            </a:prstGeom>
+            <a:solidFill>
+              <a:schemeClr val="bg1"/>
+            </a:solidFill>
+            <a:ln w="28575">
+              <a:solidFill>
+                <a:schemeClr val="tx1"/>
+              </a:solidFill>
+            </a:ln>
+          </p:spPr>
+          <p:style>
+            <a:lnRef idx="2">
+              <a:schemeClr val="accent1">
+                <a:shade val="50000"/>
+              </a:schemeClr>
+            </a:lnRef>
+            <a:fillRef idx="1">
+              <a:schemeClr val="accent1"/>
+            </a:fillRef>
+            <a:effectRef idx="0">
+              <a:schemeClr val="accent1"/>
+            </a:effectRef>
+            <a:fontRef idx="minor">
+              <a:schemeClr val="lt1"/>
+            </a:fontRef>
+          </p:style>
+          <p:txBody>
+            <a:bodyPr rtlCol="0" anchor="t"/>
+            <a:lstStyle/>
+            <a:p>
+              <a:pPr algn="ctr"/>
+              <a:r>
+                <a:rPr lang="en-US" dirty="0">
+                  <a:solidFill>
+                    <a:schemeClr val="tx1"/>
+                  </a:solidFill>
+                </a:rPr>
+                <a:t>CAP Workflow</a:t>
+              </a:r>
+            </a:p>
+          </p:txBody>
+        </p:sp>
+        <p:grpSp>
+          <p:nvGrpSpPr>
+            <p:cNvPr id="13" name="Group 12">
+              <a:extLst>
+                <a:ext uri="{FF2B5EF4-FFF2-40B4-BE49-F238E27FC236}">
+                  <a16:creationId xmlns:a16="http://schemas.microsoft.com/office/drawing/2014/main" id="{F549A967-2784-F444-B75C-A1CC8F9E38A7}"/>
+                </a:ext>
+              </a:extLst>
+            </p:cNvPr>
+            <p:cNvGrpSpPr/>
+            <p:nvPr/>
+          </p:nvGrpSpPr>
+          <p:grpSpPr>
+            <a:xfrm>
+              <a:off x="5664941" y="916824"/>
+              <a:ext cx="1965514" cy="5024349"/>
+              <a:chOff x="5664941" y="916824"/>
+              <a:chExt cx="1965514" cy="5024349"/>
+            </a:xfrm>
+          </p:grpSpPr>
+          <p:sp>
+            <p:nvSpPr>
+              <p:cNvPr id="86" name="Rectangle 85">
+                <a:extLst>
+                  <a:ext uri="{FF2B5EF4-FFF2-40B4-BE49-F238E27FC236}">
+                    <a16:creationId xmlns:a16="http://schemas.microsoft.com/office/drawing/2014/main" id="{3BB02D4D-F911-1145-9D01-6CE2837E29A8}"/>
+                  </a:ext>
+                </a:extLst>
+              </p:cNvPr>
+              <p:cNvSpPr/>
+              <p:nvPr/>
+            </p:nvSpPr>
+            <p:spPr>
+              <a:xfrm rot="16200000">
+                <a:off x="3675522" y="2906243"/>
+                <a:ext cx="5024349" cy="1045512"/>
+              </a:xfrm>
+              <a:prstGeom prst="rect">
+                <a:avLst/>
+              </a:prstGeom>
+              <a:ln w="28575">
+                <a:solidFill>
+                  <a:schemeClr val="tx1"/>
+                </a:solidFill>
+              </a:ln>
+            </p:spPr>
+            <p:style>
+              <a:lnRef idx="2">
+                <a:schemeClr val="dk1"/>
+              </a:lnRef>
+              <a:fillRef idx="1">
+                <a:schemeClr val="lt1"/>
+              </a:fillRef>
+              <a:effectRef idx="0">
+                <a:schemeClr val="dk1"/>
+              </a:effectRef>
+              <a:fontRef idx="minor">
+                <a:schemeClr val="dk1"/>
+              </a:fontRef>
+            </p:style>
+            <p:txBody>
+              <a:bodyPr rtlCol="0" anchor="t"/>
+              <a:lstStyle/>
+              <a:p>
+                <a:pPr algn="ctr"/>
+                <a:r>
+                  <a:rPr lang="en-US" sz="1200" b="1" dirty="0"/>
+                  <a:t>CAP Process</a:t>
+                </a:r>
+              </a:p>
+            </p:txBody>
+          </p:sp>
+          <p:sp>
+            <p:nvSpPr>
+              <p:cNvPr id="98" name="Rectangle 97">
+                <a:extLst>
+                  <a:ext uri="{FF2B5EF4-FFF2-40B4-BE49-F238E27FC236}">
+                    <a16:creationId xmlns:a16="http://schemas.microsoft.com/office/drawing/2014/main" id="{30979AAE-C3AD-1F46-A276-D3C6FF6744C6}"/>
+                  </a:ext>
+                </a:extLst>
+              </p:cNvPr>
+              <p:cNvSpPr/>
+              <p:nvPr/>
+            </p:nvSpPr>
+            <p:spPr>
+              <a:xfrm>
+                <a:off x="5783732" y="3908491"/>
+                <a:ext cx="1846721" cy="441156"/>
+              </a:xfrm>
+              <a:prstGeom prst="rect">
+                <a:avLst/>
+              </a:prstGeom>
+              <a:ln w="28575">
+                <a:solidFill>
+                  <a:schemeClr val="tx1"/>
+                </a:solidFill>
+                <a:prstDash val="sysDot"/>
+              </a:ln>
+            </p:spPr>
+            <p:style>
+              <a:lnRef idx="1">
+                <a:schemeClr val="accent3"/>
+              </a:lnRef>
+              <a:fillRef idx="2">
+                <a:schemeClr val="accent3"/>
+              </a:fillRef>
+              <a:effectRef idx="1">
+                <a:schemeClr val="accent3"/>
+              </a:effectRef>
+              <a:fontRef idx="minor">
+                <a:schemeClr val="dk1"/>
+              </a:fontRef>
+            </p:style>
+            <p:txBody>
+              <a:bodyPr rtlCol="0" anchor="ctr"/>
+              <a:lstStyle/>
+              <a:p>
+                <a:pPr algn="ctr"/>
+                <a:endParaRPr lang="en-US"/>
+              </a:p>
+            </p:txBody>
+          </p:sp>
+          <p:sp>
+            <p:nvSpPr>
+              <p:cNvPr id="96" name="Rectangle 95">
+                <a:extLst>
+                  <a:ext uri="{FF2B5EF4-FFF2-40B4-BE49-F238E27FC236}">
+                    <a16:creationId xmlns:a16="http://schemas.microsoft.com/office/drawing/2014/main" id="{E37979F3-587F-124D-B126-EC9FF2976AE5}"/>
+                  </a:ext>
+                </a:extLst>
+              </p:cNvPr>
+              <p:cNvSpPr/>
+              <p:nvPr/>
+            </p:nvSpPr>
+            <p:spPr>
+              <a:xfrm>
+                <a:off x="5783733" y="2519383"/>
+                <a:ext cx="1846721" cy="441156"/>
+              </a:xfrm>
+              <a:prstGeom prst="rect">
+                <a:avLst/>
+              </a:prstGeom>
+              <a:ln w="28575">
+                <a:solidFill>
+                  <a:schemeClr val="tx1"/>
+                </a:solidFill>
+                <a:prstDash val="sysDot"/>
+              </a:ln>
+            </p:spPr>
+            <p:style>
+              <a:lnRef idx="1">
+                <a:schemeClr val="accent3"/>
+              </a:lnRef>
+              <a:fillRef idx="2">
+                <a:schemeClr val="accent3"/>
+              </a:fillRef>
+              <a:effectRef idx="1">
+                <a:schemeClr val="accent3"/>
+              </a:effectRef>
+              <a:fontRef idx="minor">
+                <a:schemeClr val="dk1"/>
+              </a:fontRef>
+            </p:style>
+            <p:txBody>
+              <a:bodyPr rtlCol="0" anchor="ctr"/>
+              <a:lstStyle/>
+              <a:p>
+                <a:pPr algn="ctr"/>
+                <a:endParaRPr lang="en-US"/>
+              </a:p>
+            </p:txBody>
+          </p:sp>
+          <p:sp>
+            <p:nvSpPr>
+              <p:cNvPr id="97" name="Rectangle 96">
+                <a:extLst>
+                  <a:ext uri="{FF2B5EF4-FFF2-40B4-BE49-F238E27FC236}">
+                    <a16:creationId xmlns:a16="http://schemas.microsoft.com/office/drawing/2014/main" id="{739BD703-B930-FC47-BC2F-555E1B0F7890}"/>
+                  </a:ext>
+                </a:extLst>
+              </p:cNvPr>
+              <p:cNvSpPr/>
+              <p:nvPr/>
+            </p:nvSpPr>
+            <p:spPr>
+              <a:xfrm>
+                <a:off x="5783733" y="5298458"/>
+                <a:ext cx="1846721" cy="441156"/>
+              </a:xfrm>
+              <a:prstGeom prst="rect">
+                <a:avLst/>
+              </a:prstGeom>
+              <a:ln w="28575">
+                <a:solidFill>
+                  <a:schemeClr val="tx1"/>
+                </a:solidFill>
+                <a:prstDash val="sysDot"/>
+              </a:ln>
+            </p:spPr>
+            <p:style>
+              <a:lnRef idx="1">
+                <a:schemeClr val="accent3"/>
+              </a:lnRef>
+              <a:fillRef idx="2">
+                <a:schemeClr val="accent3"/>
+              </a:fillRef>
+              <a:effectRef idx="1">
+                <a:schemeClr val="accent3"/>
+              </a:effectRef>
+              <a:fontRef idx="minor">
+                <a:schemeClr val="dk1"/>
+              </a:fontRef>
+            </p:style>
+            <p:txBody>
+              <a:bodyPr rtlCol="0" anchor="ctr"/>
+              <a:lstStyle/>
+              <a:p>
+                <a:pPr algn="ctr"/>
+                <a:endParaRPr lang="en-US"/>
+              </a:p>
+            </p:txBody>
+          </p:sp>
+          <p:sp>
+            <p:nvSpPr>
+              <p:cNvPr id="11" name="Rectangle 10">
+                <a:extLst>
+                  <a:ext uri="{FF2B5EF4-FFF2-40B4-BE49-F238E27FC236}">
+                    <a16:creationId xmlns:a16="http://schemas.microsoft.com/office/drawing/2014/main" id="{047A2591-FA27-5041-A291-6D49722524F9}"/>
+                  </a:ext>
+                </a:extLst>
+              </p:cNvPr>
+              <p:cNvSpPr/>
+              <p:nvPr/>
+            </p:nvSpPr>
+            <p:spPr>
+              <a:xfrm>
+                <a:off x="5783734" y="1125887"/>
+                <a:ext cx="1846721" cy="441156"/>
+              </a:xfrm>
+              <a:prstGeom prst="rect">
+                <a:avLst/>
+              </a:prstGeom>
+              <a:ln w="28575">
+                <a:solidFill>
+                  <a:schemeClr val="tx1"/>
+                </a:solidFill>
+                <a:prstDash val="sysDot"/>
+              </a:ln>
+            </p:spPr>
+            <p:style>
+              <a:lnRef idx="1">
+                <a:schemeClr val="accent3"/>
+              </a:lnRef>
+              <a:fillRef idx="2">
+                <a:schemeClr val="accent3"/>
+              </a:fillRef>
+              <a:effectRef idx="1">
+                <a:schemeClr val="accent3"/>
+              </a:effectRef>
+              <a:fontRef idx="minor">
+                <a:schemeClr val="dk1"/>
+              </a:fontRef>
+            </p:style>
+            <p:txBody>
+              <a:bodyPr rtlCol="0" anchor="ctr"/>
+              <a:lstStyle/>
+              <a:p>
+                <a:pPr algn="ctr"/>
+                <a:endParaRPr lang="en-US"/>
+              </a:p>
+            </p:txBody>
+          </p:sp>
+          <p:grpSp>
+            <p:nvGrpSpPr>
+              <p:cNvPr id="7" name="Group 6">
+                <a:extLst>
+                  <a:ext uri="{FF2B5EF4-FFF2-40B4-BE49-F238E27FC236}">
+                    <a16:creationId xmlns:a16="http://schemas.microsoft.com/office/drawing/2014/main" id="{781EDD6C-296C-0941-B236-ED1BEEAA09E9}"/>
+                  </a:ext>
+                </a:extLst>
+              </p:cNvPr>
+              <p:cNvGrpSpPr/>
+              <p:nvPr/>
+            </p:nvGrpSpPr>
+            <p:grpSpPr>
+              <a:xfrm>
+                <a:off x="5850964" y="1209006"/>
+                <a:ext cx="660401" cy="4439987"/>
+                <a:chOff x="5850964" y="1209006"/>
+                <a:chExt cx="660401" cy="4439987"/>
+              </a:xfrm>
+            </p:grpSpPr>
+            <p:sp>
+              <p:nvSpPr>
+                <p:cNvPr id="89" name="Rectangle 88">
+                  <a:extLst>
+                    <a:ext uri="{FF2B5EF4-FFF2-40B4-BE49-F238E27FC236}">
+                      <a16:creationId xmlns:a16="http://schemas.microsoft.com/office/drawing/2014/main" id="{06D18286-61BB-704E-B7DF-2FDE26ED4630}"/>
+                    </a:ext>
+                  </a:extLst>
+                </p:cNvPr>
+                <p:cNvSpPr/>
+                <p:nvPr/>
+              </p:nvSpPr>
+              <p:spPr>
+                <a:xfrm>
+                  <a:off x="5976469" y="4696461"/>
+                  <a:ext cx="472142" cy="245035"/>
+                </a:xfrm>
+                <a:prstGeom prst="rect">
+                  <a:avLst/>
+                </a:prstGeom>
+                <a:ln w="28575">
+                  <a:solidFill>
+                    <a:schemeClr val="tx1"/>
+                  </a:solidFill>
+                </a:ln>
+              </p:spPr>
+              <p:style>
+                <a:lnRef idx="1">
+                  <a:schemeClr val="accent6"/>
+                </a:lnRef>
+                <a:fillRef idx="2">
+                  <a:schemeClr val="accent6"/>
+                </a:fillRef>
+                <a:effectRef idx="1">
+                  <a:schemeClr val="accent6"/>
+                </a:effectRef>
+                <a:fontRef idx="minor">
+                  <a:schemeClr val="dk1"/>
+                </a:fontRef>
+              </p:style>
+              <p:txBody>
+                <a:bodyPr rtlCol="0" anchor="ctr"/>
+                <a:lstStyle/>
+                <a:p>
+                  <a:pPr algn="ctr"/>
+                  <a:r>
+                    <a:rPr lang="en-US" sz="1200" b="1" dirty="0"/>
+                    <a:t>Task</a:t>
+                  </a:r>
+                </a:p>
+              </p:txBody>
+            </p:sp>
+            <p:sp>
+              <p:nvSpPr>
+                <p:cNvPr id="87" name="Rectangle 86">
+                  <a:extLst>
+                    <a:ext uri="{FF2B5EF4-FFF2-40B4-BE49-F238E27FC236}">
+                      <a16:creationId xmlns:a16="http://schemas.microsoft.com/office/drawing/2014/main" id="{D92043C9-8695-044D-9F0A-C21A2A43030B}"/>
+                    </a:ext>
+                  </a:extLst>
+                </p:cNvPr>
+                <p:cNvSpPr/>
+                <p:nvPr/>
+              </p:nvSpPr>
+              <p:spPr>
+                <a:xfrm>
+                  <a:off x="5945093" y="3314624"/>
+                  <a:ext cx="472142" cy="245035"/>
+                </a:xfrm>
+                <a:prstGeom prst="rect">
+                  <a:avLst/>
+                </a:prstGeom>
+                <a:ln w="28575">
+                  <a:solidFill>
+                    <a:schemeClr val="tx1"/>
+                  </a:solidFill>
+                </a:ln>
+              </p:spPr>
+              <p:style>
+                <a:lnRef idx="1">
+                  <a:schemeClr val="accent6"/>
+                </a:lnRef>
+                <a:fillRef idx="2">
+                  <a:schemeClr val="accent6"/>
+                </a:fillRef>
+                <a:effectRef idx="1">
+                  <a:schemeClr val="accent6"/>
+                </a:effectRef>
+                <a:fontRef idx="minor">
+                  <a:schemeClr val="dk1"/>
+                </a:fontRef>
+              </p:style>
+              <p:txBody>
+                <a:bodyPr rtlCol="0" anchor="ctr"/>
+                <a:lstStyle/>
+                <a:p>
+                  <a:pPr algn="ctr"/>
+                  <a:r>
+                    <a:rPr lang="en-US" sz="1200" b="1" dirty="0"/>
+                    <a:t>Task</a:t>
+                  </a:r>
+                </a:p>
+              </p:txBody>
+            </p:sp>
+            <p:sp>
+              <p:nvSpPr>
+                <p:cNvPr id="85" name="Rectangle 84">
+                  <a:extLst>
+                    <a:ext uri="{FF2B5EF4-FFF2-40B4-BE49-F238E27FC236}">
+                      <a16:creationId xmlns:a16="http://schemas.microsoft.com/office/drawing/2014/main" id="{3B631498-B294-E14A-AA75-620C6719F0BE}"/>
+                    </a:ext>
+                  </a:extLst>
+                </p:cNvPr>
+                <p:cNvSpPr/>
+                <p:nvPr/>
+              </p:nvSpPr>
+              <p:spPr>
+                <a:xfrm>
+                  <a:off x="5945093" y="1926947"/>
+                  <a:ext cx="472142" cy="245035"/>
+                </a:xfrm>
+                <a:prstGeom prst="rect">
+                  <a:avLst/>
+                </a:prstGeom>
+                <a:ln w="28575">
+                  <a:solidFill>
+                    <a:schemeClr val="tx1"/>
+                  </a:solidFill>
+                </a:ln>
+              </p:spPr>
+              <p:style>
+                <a:lnRef idx="1">
+                  <a:schemeClr val="accent6"/>
+                </a:lnRef>
+                <a:fillRef idx="2">
+                  <a:schemeClr val="accent6"/>
+                </a:fillRef>
+                <a:effectRef idx="1">
+                  <a:schemeClr val="accent6"/>
+                </a:effectRef>
+                <a:fontRef idx="minor">
+                  <a:schemeClr val="dk1"/>
+                </a:fontRef>
+              </p:style>
+              <p:txBody>
+                <a:bodyPr rtlCol="0" anchor="ctr"/>
+                <a:lstStyle/>
+                <a:p>
+                  <a:pPr algn="ctr"/>
+                  <a:r>
+                    <a:rPr lang="en-US" sz="1200" b="1" dirty="0"/>
+                    <a:t>Task</a:t>
+                  </a:r>
+                </a:p>
+              </p:txBody>
+            </p:sp>
+            <p:sp>
+              <p:nvSpPr>
+                <p:cNvPr id="81" name="Oval 80">
+                  <a:extLst>
+                    <a:ext uri="{FF2B5EF4-FFF2-40B4-BE49-F238E27FC236}">
+                      <a16:creationId xmlns:a16="http://schemas.microsoft.com/office/drawing/2014/main" id="{67E93A30-4C8D-6F4A-8941-365852E06FD8}"/>
+                    </a:ext>
+                  </a:extLst>
+                </p:cNvPr>
+                <p:cNvSpPr/>
+                <p:nvPr/>
+              </p:nvSpPr>
+              <p:spPr>
+                <a:xfrm>
+                  <a:off x="5850964" y="2598550"/>
+                  <a:ext cx="660401" cy="274918"/>
+                </a:xfrm>
+                <a:prstGeom prst="ellipse">
+                  <a:avLst/>
+                </a:prstGeom>
+                <a:ln w="28575">
+                  <a:solidFill>
+                    <a:schemeClr val="tx1"/>
+                  </a:solidFill>
+                </a:ln>
+              </p:spPr>
+              <p:style>
+                <a:lnRef idx="1">
+                  <a:schemeClr val="accent2"/>
+                </a:lnRef>
+                <a:fillRef idx="2">
+                  <a:schemeClr val="accent2"/>
+                </a:fillRef>
+                <a:effectRef idx="1">
+                  <a:schemeClr val="accent2"/>
+                </a:effectRef>
+                <a:fontRef idx="minor">
+                  <a:schemeClr val="dk1"/>
+                </a:fontRef>
+              </p:style>
+              <p:txBody>
+                <a:bodyPr lIns="36000" rIns="36000" rtlCol="0" anchor="ctr"/>
+                <a:lstStyle/>
+                <a:p>
+                  <a:pPr algn="ctr"/>
+                  <a:r>
+                    <a:rPr lang="en-US" sz="1200" b="1" dirty="0"/>
+                    <a:t>MEM</a:t>
+                  </a:r>
+                </a:p>
+              </p:txBody>
+            </p:sp>
+            <p:cxnSp>
+              <p:nvCxnSpPr>
+                <p:cNvPr id="82" name="Straight Arrow Connector 81">
+                  <a:extLst>
+                    <a:ext uri="{FF2B5EF4-FFF2-40B4-BE49-F238E27FC236}">
+                      <a16:creationId xmlns:a16="http://schemas.microsoft.com/office/drawing/2014/main" id="{27338919-3C32-CD43-A72B-0BEE391D1520}"/>
+                    </a:ext>
+                  </a:extLst>
+                </p:cNvPr>
+                <p:cNvCxnSpPr>
+                  <a:stCxn id="85" idx="2"/>
+                  <a:endCxn id="81" idx="0"/>
+                </p:cNvCxnSpPr>
+                <p:nvPr/>
+              </p:nvCxnSpPr>
+              <p:spPr>
+                <a:xfrm>
+                  <a:off x="6181164" y="2171982"/>
+                  <a:ext cx="1" cy="432000"/>
+                </a:xfrm>
+                <a:prstGeom prst="straightConnector1">
+                  <a:avLst/>
+                </a:prstGeom>
+                <a:ln w="57150">
+                  <a:solidFill>
+                    <a:schemeClr val="tx1"/>
+                  </a:solidFill>
+                  <a:tailEnd type="triangle"/>
+                </a:ln>
+              </p:spPr>
+              <p:style>
+                <a:lnRef idx="1">
+                  <a:schemeClr val="accent1"/>
+                </a:lnRef>
+                <a:fillRef idx="0">
+                  <a:schemeClr val="accent1"/>
+                </a:fillRef>
+                <a:effectRef idx="0">
+                  <a:schemeClr val="accent1"/>
+                </a:effectRef>
+                <a:fontRef idx="minor">
+                  <a:schemeClr val="tx1"/>
+                </a:fontRef>
+              </p:style>
+            </p:cxnSp>
+            <p:cxnSp>
+              <p:nvCxnSpPr>
+                <p:cNvPr id="83" name="Straight Arrow Connector 82">
+                  <a:extLst>
+                    <a:ext uri="{FF2B5EF4-FFF2-40B4-BE49-F238E27FC236}">
+                      <a16:creationId xmlns:a16="http://schemas.microsoft.com/office/drawing/2014/main" id="{91AC94FA-E095-1F4F-8170-2829DB1681F8}"/>
+                    </a:ext>
+                  </a:extLst>
+                </p:cNvPr>
+                <p:cNvCxnSpPr>
+                  <a:cxnSpLocks/>
+                  <a:stCxn id="81" idx="4"/>
+                  <a:endCxn id="87" idx="0"/>
+                </p:cNvCxnSpPr>
+                <p:nvPr/>
+              </p:nvCxnSpPr>
+              <p:spPr>
+                <a:xfrm flipH="1">
+                  <a:off x="6181164" y="2873468"/>
+                  <a:ext cx="1" cy="441156"/>
+                </a:xfrm>
+                <a:prstGeom prst="straightConnector1">
+                  <a:avLst/>
+                </a:prstGeom>
+                <a:ln w="57150">
+                  <a:solidFill>
+                    <a:schemeClr val="tx1"/>
+                  </a:solidFill>
+                  <a:tailEnd type="triangle"/>
+                </a:ln>
+              </p:spPr>
+              <p:style>
+                <a:lnRef idx="1">
+                  <a:schemeClr val="accent1"/>
+                </a:lnRef>
+                <a:fillRef idx="0">
+                  <a:schemeClr val="accent1"/>
+                </a:fillRef>
+                <a:effectRef idx="0">
+                  <a:schemeClr val="accent1"/>
+                </a:effectRef>
+                <a:fontRef idx="minor">
+                  <a:schemeClr val="tx1"/>
+                </a:fontRef>
+              </p:style>
+            </p:cxnSp>
+            <p:sp>
+              <p:nvSpPr>
+                <p:cNvPr id="78" name="Oval 77">
+                  <a:extLst>
+                    <a:ext uri="{FF2B5EF4-FFF2-40B4-BE49-F238E27FC236}">
+                      <a16:creationId xmlns:a16="http://schemas.microsoft.com/office/drawing/2014/main" id="{90F9426B-B856-8F4E-91A7-F8D7C9089AAC}"/>
+                    </a:ext>
+                  </a:extLst>
+                </p:cNvPr>
+                <p:cNvSpPr/>
+                <p:nvPr/>
+              </p:nvSpPr>
+              <p:spPr>
+                <a:xfrm>
+                  <a:off x="5850964" y="3985101"/>
+                  <a:ext cx="660401" cy="274918"/>
+                </a:xfrm>
+                <a:prstGeom prst="ellipse">
+                  <a:avLst/>
+                </a:prstGeom>
+                <a:ln w="28575">
+                  <a:solidFill>
+                    <a:schemeClr val="tx1"/>
+                  </a:solidFill>
+                </a:ln>
+              </p:spPr>
+              <p:style>
+                <a:lnRef idx="1">
+                  <a:schemeClr val="accent2"/>
+                </a:lnRef>
+                <a:fillRef idx="2">
+                  <a:schemeClr val="accent2"/>
+                </a:fillRef>
+                <a:effectRef idx="1">
+                  <a:schemeClr val="accent2"/>
+                </a:effectRef>
+                <a:fontRef idx="minor">
+                  <a:schemeClr val="dk1"/>
+                </a:fontRef>
+              </p:style>
+              <p:txBody>
+                <a:bodyPr lIns="36000" rIns="36000" rtlCol="0" anchor="ctr"/>
+                <a:lstStyle/>
+                <a:p>
+                  <a:pPr algn="ctr"/>
+                  <a:r>
+                    <a:rPr lang="en-US" sz="1200" b="1" dirty="0"/>
+                    <a:t>MEM</a:t>
+                  </a:r>
+                </a:p>
+              </p:txBody>
+            </p:sp>
+            <p:cxnSp>
+              <p:nvCxnSpPr>
+                <p:cNvPr id="79" name="Straight Arrow Connector 78">
+                  <a:extLst>
+                    <a:ext uri="{FF2B5EF4-FFF2-40B4-BE49-F238E27FC236}">
+                      <a16:creationId xmlns:a16="http://schemas.microsoft.com/office/drawing/2014/main" id="{FC8BF8FF-92D9-6B4D-B836-E3180BD40156}"/>
+                    </a:ext>
+                  </a:extLst>
+                </p:cNvPr>
+                <p:cNvCxnSpPr>
+                  <a:endCxn id="78" idx="0"/>
+                </p:cNvCxnSpPr>
+                <p:nvPr/>
+              </p:nvCxnSpPr>
+              <p:spPr>
+                <a:xfrm>
+                  <a:off x="6181164" y="3558533"/>
+                  <a:ext cx="1" cy="432000"/>
+                </a:xfrm>
+                <a:prstGeom prst="straightConnector1">
+                  <a:avLst/>
+                </a:prstGeom>
+                <a:ln w="57150">
+                  <a:solidFill>
+                    <a:schemeClr val="tx1"/>
+                  </a:solidFill>
+                  <a:tailEnd type="triangle"/>
+                </a:ln>
+              </p:spPr>
+              <p:style>
+                <a:lnRef idx="1">
+                  <a:schemeClr val="accent1"/>
+                </a:lnRef>
+                <a:fillRef idx="0">
+                  <a:schemeClr val="accent1"/>
+                </a:fillRef>
+                <a:effectRef idx="0">
+                  <a:schemeClr val="accent1"/>
+                </a:effectRef>
+                <a:fontRef idx="minor">
+                  <a:schemeClr val="tx1"/>
+                </a:fontRef>
+              </p:style>
+            </p:cxnSp>
+            <p:cxnSp>
+              <p:nvCxnSpPr>
+                <p:cNvPr id="80" name="Straight Arrow Connector 79">
+                  <a:extLst>
+                    <a:ext uri="{FF2B5EF4-FFF2-40B4-BE49-F238E27FC236}">
+                      <a16:creationId xmlns:a16="http://schemas.microsoft.com/office/drawing/2014/main" id="{6CA7A752-0B42-C24C-A743-C931E706A0EF}"/>
+                    </a:ext>
+                  </a:extLst>
+                </p:cNvPr>
+                <p:cNvCxnSpPr>
+                  <a:cxnSpLocks/>
+                  <a:stCxn id="78" idx="4"/>
+                </p:cNvCxnSpPr>
+                <p:nvPr/>
+              </p:nvCxnSpPr>
+              <p:spPr>
+                <a:xfrm flipH="1">
+                  <a:off x="6181164" y="4260019"/>
+                  <a:ext cx="1" cy="441156"/>
+                </a:xfrm>
+                <a:prstGeom prst="straightConnector1">
+                  <a:avLst/>
+                </a:prstGeom>
+                <a:ln w="57150">
+                  <a:solidFill>
+                    <a:schemeClr val="tx1"/>
+                  </a:solidFill>
+                  <a:tailEnd type="triangle"/>
+                </a:ln>
+              </p:spPr>
+              <p:style>
+                <a:lnRef idx="1">
+                  <a:schemeClr val="accent1"/>
+                </a:lnRef>
+                <a:fillRef idx="0">
+                  <a:schemeClr val="accent1"/>
+                </a:fillRef>
+                <a:effectRef idx="0">
+                  <a:schemeClr val="accent1"/>
+                </a:effectRef>
+                <a:fontRef idx="minor">
+                  <a:schemeClr val="tx1"/>
+                </a:fontRef>
+              </p:style>
+            </p:cxnSp>
+            <p:sp>
+              <p:nvSpPr>
+                <p:cNvPr id="76" name="Oval 75">
+                  <a:extLst>
+                    <a:ext uri="{FF2B5EF4-FFF2-40B4-BE49-F238E27FC236}">
+                      <a16:creationId xmlns:a16="http://schemas.microsoft.com/office/drawing/2014/main" id="{D3B6EA35-3E5D-CA4A-8B3E-3C2550557517}"/>
+                    </a:ext>
+                  </a:extLst>
+                </p:cNvPr>
+                <p:cNvSpPr/>
+                <p:nvPr/>
+              </p:nvSpPr>
+              <p:spPr>
+                <a:xfrm>
+                  <a:off x="5850964" y="5374075"/>
+                  <a:ext cx="660401" cy="274918"/>
+                </a:xfrm>
+                <a:prstGeom prst="ellipse">
+                  <a:avLst/>
+                </a:prstGeom>
+                <a:ln w="28575">
+                  <a:solidFill>
+                    <a:schemeClr val="tx1"/>
+                  </a:solidFill>
+                </a:ln>
+              </p:spPr>
+              <p:style>
+                <a:lnRef idx="1">
+                  <a:schemeClr val="accent2"/>
+                </a:lnRef>
+                <a:fillRef idx="2">
+                  <a:schemeClr val="accent2"/>
+                </a:fillRef>
+                <a:effectRef idx="1">
+                  <a:schemeClr val="accent2"/>
+                </a:effectRef>
+                <a:fontRef idx="minor">
+                  <a:schemeClr val="dk1"/>
+                </a:fontRef>
+              </p:style>
+              <p:txBody>
+                <a:bodyPr lIns="36000" rIns="36000" rtlCol="0" anchor="ctr"/>
+                <a:lstStyle/>
+                <a:p>
+                  <a:pPr algn="ctr"/>
+                  <a:r>
+                    <a:rPr lang="en-US" sz="1200" b="1" dirty="0"/>
+                    <a:t>MEM</a:t>
+                  </a:r>
+                </a:p>
+              </p:txBody>
+            </p:sp>
+            <p:cxnSp>
+              <p:nvCxnSpPr>
+                <p:cNvPr id="77" name="Straight Arrow Connector 76">
+                  <a:extLst>
+                    <a:ext uri="{FF2B5EF4-FFF2-40B4-BE49-F238E27FC236}">
+                      <a16:creationId xmlns:a16="http://schemas.microsoft.com/office/drawing/2014/main" id="{F181BE1B-884E-7C46-9086-D2ABDA0DC6CE}"/>
+                    </a:ext>
+                  </a:extLst>
+                </p:cNvPr>
+                <p:cNvCxnSpPr>
+                  <a:endCxn id="76" idx="0"/>
+                </p:cNvCxnSpPr>
+                <p:nvPr/>
+              </p:nvCxnSpPr>
+              <p:spPr>
+                <a:xfrm>
+                  <a:off x="6181164" y="4947507"/>
+                  <a:ext cx="1" cy="432000"/>
+                </a:xfrm>
+                <a:prstGeom prst="straightConnector1">
+                  <a:avLst/>
+                </a:prstGeom>
+                <a:ln w="57150">
+                  <a:solidFill>
+                    <a:schemeClr val="tx1"/>
+                  </a:solidFill>
+                  <a:tailEnd type="triangle"/>
+                </a:ln>
+              </p:spPr>
+              <p:style>
+                <a:lnRef idx="1">
+                  <a:schemeClr val="accent1"/>
+                </a:lnRef>
+                <a:fillRef idx="0">
+                  <a:schemeClr val="accent1"/>
+                </a:fillRef>
+                <a:effectRef idx="0">
+                  <a:schemeClr val="accent1"/>
+                </a:effectRef>
+                <a:fontRef idx="minor">
+                  <a:schemeClr val="tx1"/>
+                </a:fontRef>
+              </p:style>
+            </p:cxnSp>
+            <p:sp>
+              <p:nvSpPr>
+                <p:cNvPr id="74" name="Oval 73">
+                  <a:extLst>
+                    <a:ext uri="{FF2B5EF4-FFF2-40B4-BE49-F238E27FC236}">
+                      <a16:creationId xmlns:a16="http://schemas.microsoft.com/office/drawing/2014/main" id="{4C048508-0792-4B4F-A7FD-349C802ECD6E}"/>
+                    </a:ext>
+                  </a:extLst>
+                </p:cNvPr>
+                <p:cNvSpPr/>
+                <p:nvPr/>
+              </p:nvSpPr>
+              <p:spPr>
+                <a:xfrm>
+                  <a:off x="5850964" y="1209006"/>
+                  <a:ext cx="660401" cy="274918"/>
+                </a:xfrm>
+                <a:prstGeom prst="ellipse">
+                  <a:avLst/>
+                </a:prstGeom>
+                <a:ln w="28575">
+                  <a:solidFill>
+                    <a:schemeClr val="tx1"/>
+                  </a:solidFill>
+                </a:ln>
+              </p:spPr>
+              <p:style>
+                <a:lnRef idx="1">
+                  <a:schemeClr val="accent2"/>
+                </a:lnRef>
+                <a:fillRef idx="2">
+                  <a:schemeClr val="accent2"/>
+                </a:fillRef>
+                <a:effectRef idx="1">
+                  <a:schemeClr val="accent2"/>
+                </a:effectRef>
+                <a:fontRef idx="minor">
+                  <a:schemeClr val="dk1"/>
+                </a:fontRef>
+              </p:style>
+              <p:txBody>
+                <a:bodyPr lIns="36000" rIns="36000" rtlCol="0" anchor="ctr"/>
+                <a:lstStyle/>
+                <a:p>
+                  <a:pPr algn="ctr"/>
+                  <a:r>
+                    <a:rPr lang="en-US" sz="1200" b="1" dirty="0"/>
+                    <a:t>MEM</a:t>
+                  </a:r>
+                </a:p>
+              </p:txBody>
+            </p:sp>
+            <p:cxnSp>
+              <p:nvCxnSpPr>
+                <p:cNvPr id="75" name="Straight Arrow Connector 74">
+                  <a:extLst>
+                    <a:ext uri="{FF2B5EF4-FFF2-40B4-BE49-F238E27FC236}">
+                      <a16:creationId xmlns:a16="http://schemas.microsoft.com/office/drawing/2014/main" id="{F0100D22-329D-1945-865D-E6C98ED5E6AB}"/>
+                    </a:ext>
+                  </a:extLst>
+                </p:cNvPr>
+                <p:cNvCxnSpPr>
+                  <a:cxnSpLocks/>
+                  <a:stCxn id="74" idx="4"/>
+                </p:cNvCxnSpPr>
+                <p:nvPr/>
+              </p:nvCxnSpPr>
+              <p:spPr>
+                <a:xfrm flipH="1">
+                  <a:off x="6181164" y="1483924"/>
+                  <a:ext cx="1" cy="441156"/>
+                </a:xfrm>
+                <a:prstGeom prst="straightConnector1">
+                  <a:avLst/>
+                </a:prstGeom>
+                <a:ln w="57150">
+                  <a:solidFill>
+                    <a:schemeClr val="tx1"/>
+                  </a:solidFill>
+                  <a:tailEnd type="triangle"/>
+                </a:ln>
+              </p:spPr>
+              <p:style>
+                <a:lnRef idx="1">
+                  <a:schemeClr val="accent1"/>
+                </a:lnRef>
+                <a:fillRef idx="0">
+                  <a:schemeClr val="accent1"/>
+                </a:fillRef>
+                <a:effectRef idx="0">
+                  <a:schemeClr val="accent1"/>
+                </a:effectRef>
+                <a:fontRef idx="minor">
+                  <a:schemeClr val="tx1"/>
+                </a:fontRef>
+              </p:style>
+            </p:cxnSp>
+          </p:grpSp>
+          <p:sp>
+            <p:nvSpPr>
+              <p:cNvPr id="90" name="Oval 89">
+                <a:extLst>
+                  <a:ext uri="{FF2B5EF4-FFF2-40B4-BE49-F238E27FC236}">
+                    <a16:creationId xmlns:a16="http://schemas.microsoft.com/office/drawing/2014/main" id="{454978AF-1900-F349-A5A2-8301F53D22EA}"/>
+                  </a:ext>
+                </a:extLst>
+              </p:cNvPr>
+              <p:cNvSpPr/>
+              <p:nvPr/>
+            </p:nvSpPr>
+            <p:spPr>
+              <a:xfrm>
+                <a:off x="6902826" y="2598550"/>
+                <a:ext cx="660401" cy="274918"/>
+              </a:xfrm>
+              <a:prstGeom prst="ellipse">
+                <a:avLst/>
+              </a:prstGeom>
+              <a:ln w="28575">
+                <a:solidFill>
+                  <a:schemeClr val="tx1"/>
+                </a:solidFill>
+              </a:ln>
+            </p:spPr>
+            <p:style>
+              <a:lnRef idx="1">
+                <a:schemeClr val="accent1"/>
+              </a:lnRef>
+              <a:fillRef idx="2">
+                <a:schemeClr val="accent1"/>
+              </a:fillRef>
+              <a:effectRef idx="1">
+                <a:schemeClr val="accent1"/>
+              </a:effectRef>
+              <a:fontRef idx="minor">
+                <a:schemeClr val="dk1"/>
+              </a:fontRef>
+            </p:style>
+            <p:txBody>
+              <a:bodyPr rtlCol="0" anchor="ctr"/>
+              <a:lstStyle/>
+              <a:p>
+                <a:pPr algn="ctr"/>
+                <a:r>
+                  <a:rPr lang="en-US" sz="1200" b="1" dirty="0"/>
+                  <a:t>Files</a:t>
+                </a:r>
+              </a:p>
+            </p:txBody>
+          </p:sp>
+          <p:sp>
+            <p:nvSpPr>
+              <p:cNvPr id="92" name="Oval 91">
+                <a:extLst>
+                  <a:ext uri="{FF2B5EF4-FFF2-40B4-BE49-F238E27FC236}">
+                    <a16:creationId xmlns:a16="http://schemas.microsoft.com/office/drawing/2014/main" id="{ACCA2F37-5F26-C54A-909F-C402EDFBEB65}"/>
+                  </a:ext>
+                </a:extLst>
+              </p:cNvPr>
+              <p:cNvSpPr/>
+              <p:nvPr/>
+            </p:nvSpPr>
+            <p:spPr>
+              <a:xfrm>
+                <a:off x="6902826" y="5374075"/>
+                <a:ext cx="660401" cy="274918"/>
+              </a:xfrm>
+              <a:prstGeom prst="ellipse">
+                <a:avLst/>
+              </a:prstGeom>
+              <a:ln w="28575">
+                <a:solidFill>
+                  <a:schemeClr val="tx1"/>
+                </a:solidFill>
+              </a:ln>
+            </p:spPr>
+            <p:style>
+              <a:lnRef idx="1">
+                <a:schemeClr val="accent1"/>
+              </a:lnRef>
+              <a:fillRef idx="2">
+                <a:schemeClr val="accent1"/>
+              </a:fillRef>
+              <a:effectRef idx="1">
+                <a:schemeClr val="accent1"/>
+              </a:effectRef>
+              <a:fontRef idx="minor">
+                <a:schemeClr val="dk1"/>
+              </a:fontRef>
+            </p:style>
+            <p:txBody>
+              <a:bodyPr rtlCol="0" anchor="ctr"/>
+              <a:lstStyle/>
+              <a:p>
+                <a:pPr algn="ctr"/>
+                <a:r>
+                  <a:rPr lang="en-US" sz="1200" b="1" dirty="0"/>
+                  <a:t>Files</a:t>
+                </a:r>
+              </a:p>
+            </p:txBody>
+          </p:sp>
+          <p:sp>
+            <p:nvSpPr>
+              <p:cNvPr id="93" name="Oval 92">
+                <a:extLst>
+                  <a:ext uri="{FF2B5EF4-FFF2-40B4-BE49-F238E27FC236}">
+                    <a16:creationId xmlns:a16="http://schemas.microsoft.com/office/drawing/2014/main" id="{36BF4458-1940-8441-B92A-D3BBBE91C464}"/>
+                  </a:ext>
+                </a:extLst>
+              </p:cNvPr>
+              <p:cNvSpPr/>
+              <p:nvPr/>
+            </p:nvSpPr>
+            <p:spPr>
+              <a:xfrm>
+                <a:off x="6902826" y="1209006"/>
+                <a:ext cx="660401" cy="274918"/>
+              </a:xfrm>
+              <a:prstGeom prst="ellipse">
+                <a:avLst/>
+              </a:prstGeom>
+              <a:ln w="28575">
+                <a:solidFill>
+                  <a:schemeClr val="tx1"/>
+                </a:solidFill>
+              </a:ln>
+            </p:spPr>
+            <p:style>
+              <a:lnRef idx="1">
+                <a:schemeClr val="accent1"/>
+              </a:lnRef>
+              <a:fillRef idx="2">
+                <a:schemeClr val="accent1"/>
+              </a:fillRef>
+              <a:effectRef idx="1">
+                <a:schemeClr val="accent1"/>
+              </a:effectRef>
+              <a:fontRef idx="minor">
+                <a:schemeClr val="dk1"/>
+              </a:fontRef>
+            </p:style>
+            <p:txBody>
+              <a:bodyPr rtlCol="0" anchor="ctr"/>
+              <a:lstStyle/>
+              <a:p>
+                <a:pPr algn="ctr"/>
+                <a:r>
+                  <a:rPr lang="en-US" sz="1200" b="1" dirty="0"/>
+                  <a:t>Files</a:t>
+                </a:r>
+              </a:p>
+            </p:txBody>
+          </p:sp>
+          <p:cxnSp>
+            <p:nvCxnSpPr>
+              <p:cNvPr id="6" name="Straight Arrow Connector 5">
+                <a:extLst>
+                  <a:ext uri="{FF2B5EF4-FFF2-40B4-BE49-F238E27FC236}">
+                    <a16:creationId xmlns:a16="http://schemas.microsoft.com/office/drawing/2014/main" id="{DFE8C553-9177-7A40-8636-9512B5B61D1F}"/>
+                  </a:ext>
+                </a:extLst>
+              </p:cNvPr>
+              <p:cNvCxnSpPr>
+                <a:stCxn id="74" idx="6"/>
+                <a:endCxn id="93" idx="2"/>
+              </p:cNvCxnSpPr>
+              <p:nvPr/>
+            </p:nvCxnSpPr>
+            <p:spPr>
+              <a:xfrm>
+                <a:off x="6511365" y="1346465"/>
+                <a:ext cx="391461" cy="0"/>
+              </a:xfrm>
+              <a:prstGeom prst="straightConnector1">
+                <a:avLst/>
+              </a:prstGeom>
+              <a:ln w="12700">
+                <a:solidFill>
+                  <a:schemeClr val="tx1"/>
+                </a:solidFill>
+                <a:prstDash val="solid"/>
+                <a:headEnd type="triangle"/>
+                <a:tailEnd type="triangle"/>
+              </a:ln>
+            </p:spPr>
+            <p:style>
+              <a:lnRef idx="1">
+                <a:schemeClr val="accent1"/>
+              </a:lnRef>
+              <a:fillRef idx="0">
+                <a:schemeClr val="accent1"/>
+              </a:fillRef>
+              <a:effectRef idx="0">
+                <a:schemeClr val="accent1"/>
+              </a:effectRef>
+              <a:fontRef idx="minor">
+                <a:schemeClr val="tx1"/>
+              </a:fontRef>
+            </p:style>
+          </p:cxnSp>
+          <p:cxnSp>
+            <p:nvCxnSpPr>
+              <p:cNvPr id="94" name="Straight Arrow Connector 93">
+                <a:extLst>
+                  <a:ext uri="{FF2B5EF4-FFF2-40B4-BE49-F238E27FC236}">
+                    <a16:creationId xmlns:a16="http://schemas.microsoft.com/office/drawing/2014/main" id="{BEB707F9-D56F-DF47-9CF7-AA56EDC54DEC}"/>
+                  </a:ext>
+                </a:extLst>
+              </p:cNvPr>
+              <p:cNvCxnSpPr/>
+              <p:nvPr/>
+            </p:nvCxnSpPr>
+            <p:spPr>
+              <a:xfrm>
+                <a:off x="6511365" y="2741971"/>
+                <a:ext cx="391461" cy="0"/>
+              </a:xfrm>
+              <a:prstGeom prst="straightConnector1">
+                <a:avLst/>
+              </a:prstGeom>
+              <a:ln w="12700">
+                <a:solidFill>
+                  <a:schemeClr val="tx1"/>
+                </a:solidFill>
+                <a:prstDash val="solid"/>
+                <a:headEnd type="triangle"/>
+                <a:tailEnd type="triangle"/>
+              </a:ln>
+            </p:spPr>
+            <p:style>
+              <a:lnRef idx="1">
+                <a:schemeClr val="accent1"/>
+              </a:lnRef>
+              <a:fillRef idx="0">
+                <a:schemeClr val="accent1"/>
+              </a:fillRef>
+              <a:effectRef idx="0">
+                <a:schemeClr val="accent1"/>
+              </a:effectRef>
+              <a:fontRef idx="minor">
+                <a:schemeClr val="tx1"/>
+              </a:fontRef>
+            </p:style>
+          </p:cxnSp>
+          <p:cxnSp>
+            <p:nvCxnSpPr>
+              <p:cNvPr id="95" name="Straight Arrow Connector 94">
+                <a:extLst>
+                  <a:ext uri="{FF2B5EF4-FFF2-40B4-BE49-F238E27FC236}">
+                    <a16:creationId xmlns:a16="http://schemas.microsoft.com/office/drawing/2014/main" id="{9308000D-94E4-CE45-889F-3F5938BA51D3}"/>
+                  </a:ext>
+                </a:extLst>
+              </p:cNvPr>
+              <p:cNvCxnSpPr/>
+              <p:nvPr/>
+            </p:nvCxnSpPr>
+            <p:spPr>
+              <a:xfrm>
+                <a:off x="6511365" y="5518042"/>
+                <a:ext cx="391461" cy="0"/>
+              </a:xfrm>
+              <a:prstGeom prst="straightConnector1">
+                <a:avLst/>
+              </a:prstGeom>
+              <a:ln w="12700">
+                <a:solidFill>
+                  <a:schemeClr val="tx1"/>
+                </a:solidFill>
+                <a:prstDash val="solid"/>
+                <a:headEnd type="triangle"/>
+                <a:tailEnd type="triangle"/>
+              </a:ln>
+            </p:spPr>
+            <p:style>
+              <a:lnRef idx="1">
+                <a:schemeClr val="accent1"/>
+              </a:lnRef>
+              <a:fillRef idx="0">
+                <a:schemeClr val="accent1"/>
+              </a:fillRef>
+              <a:effectRef idx="0">
+                <a:schemeClr val="accent1"/>
+              </a:effectRef>
+              <a:fontRef idx="minor">
+                <a:schemeClr val="tx1"/>
+              </a:fontRef>
+            </p:style>
+          </p:cxnSp>
+        </p:grpSp>
+      </p:grpSp>
+    </p:spTree>
+    <p:extLst>
+      <p:ext uri="{BB962C8B-B14F-4D97-AF65-F5344CB8AC3E}">
+        <p14:creationId xmlns:p14="http://schemas.microsoft.com/office/powerpoint/2010/main" val="997858192"/>
+      </p:ext>
+    </p:extLst>
+  </p:cSld>
+  <p:clrMapOvr>
+    <a:masterClrMapping/>
+  </p:clrMapOvr>
+</p:sld>
+</file>
+
+<file path=ppt/slides/slide5.xml><?xml version="1.0" encoding="utf-8"?>
+<p:sld xmlns:a="http://schemas.openxmlformats.org/drawingml/2006/main" xmlns:r="http://schemas.openxmlformats.org/officeDocument/2006/relationships" xmlns:p="http://schemas.openxmlformats.org/presentationml/2006/main">
+  <p:cSld>
+    <p:bg>
+      <p:bgPr>
+        <a:blipFill>
+          <a:blip r:embed="rId3"/>
+          <a:tile tx="0" ty="0" sx="100000" sy="100000" flip="none" algn="tl"/>
+        </a:blipFill>
+        <a:effectLst/>
+      </p:bgPr>
+    </p:bg>
+    <p:spTree>
+      <p:nvGrpSpPr>
+        <p:cNvPr id="1" name=""/>
+        <p:cNvGrpSpPr/>
+        <p:nvPr/>
+      </p:nvGrpSpPr>
+      <p:grpSpPr>
+        <a:xfrm>
+          <a:off x="0" y="0"/>
+          <a:ext cx="0" cy="0"/>
+          <a:chOff x="0" y="0"/>
+          <a:chExt cx="0" cy="0"/>
+        </a:xfrm>
+      </p:grpSpPr>
+      <p:grpSp>
+        <p:nvGrpSpPr>
+          <p:cNvPr id="4" name="Group 3">
+            <a:extLst>
+              <a:ext uri="{FF2B5EF4-FFF2-40B4-BE49-F238E27FC236}">
+                <a16:creationId xmlns:a16="http://schemas.microsoft.com/office/drawing/2014/main" id="{309ABDE3-9F39-2340-8FD7-61A62FE4EF91}"/>
+              </a:ext>
+            </a:extLst>
+          </p:cNvPr>
+          <p:cNvGrpSpPr/>
+          <p:nvPr/>
+        </p:nvGrpSpPr>
+        <p:grpSpPr>
+          <a:xfrm>
+            <a:off x="5286932" y="756409"/>
+            <a:ext cx="2536268" cy="5345180"/>
+            <a:chOff x="5286932" y="756409"/>
+            <a:chExt cx="2536268" cy="5345180"/>
+          </a:xfrm>
+        </p:grpSpPr>
+        <p:sp>
+          <p:nvSpPr>
+            <p:cNvPr id="65" name="Rectangle 64">
+              <a:extLst>
+                <a:ext uri="{FF2B5EF4-FFF2-40B4-BE49-F238E27FC236}">
+                  <a16:creationId xmlns:a16="http://schemas.microsoft.com/office/drawing/2014/main" id="{692A9B40-8E26-CA49-AE02-0E3285839DFE}"/>
+                </a:ext>
+              </a:extLst>
+            </p:cNvPr>
+            <p:cNvSpPr/>
+            <p:nvPr/>
+          </p:nvSpPr>
+          <p:spPr>
+            <a:xfrm rot="16200000">
+              <a:off x="3882476" y="2160865"/>
+              <a:ext cx="5345180" cy="2536268"/>
+            </a:xfrm>
+            <a:prstGeom prst="rect">
+              <a:avLst/>
+            </a:prstGeom>
+            <a:solidFill>
+              <a:schemeClr val="bg1"/>
+            </a:solidFill>
+            <a:ln w="28575">
+              <a:solidFill>
+                <a:schemeClr val="tx1"/>
+              </a:solidFill>
+            </a:ln>
+          </p:spPr>
+          <p:style>
+            <a:lnRef idx="2">
+              <a:schemeClr val="accent1">
+                <a:shade val="50000"/>
+              </a:schemeClr>
+            </a:lnRef>
+            <a:fillRef idx="1">
+              <a:schemeClr val="accent1"/>
+            </a:fillRef>
+            <a:effectRef idx="0">
+              <a:schemeClr val="accent1"/>
+            </a:effectRef>
+            <a:fontRef idx="minor">
+              <a:schemeClr val="lt1"/>
+            </a:fontRef>
+          </p:style>
+          <p:txBody>
+            <a:bodyPr rtlCol="0" anchor="t"/>
+            <a:lstStyle/>
+            <a:p>
+              <a:pPr algn="ctr"/>
+              <a:r>
+                <a:rPr lang="en-US" dirty="0">
+                  <a:solidFill>
+                    <a:schemeClr val="tx1"/>
+                  </a:solidFill>
+                </a:rPr>
+                <a:t>CAP Workflow</a:t>
+              </a:r>
+            </a:p>
+          </p:txBody>
+        </p:sp>
+        <p:sp>
+          <p:nvSpPr>
+            <p:cNvPr id="86" name="Rectangle 85">
+              <a:extLst>
+                <a:ext uri="{FF2B5EF4-FFF2-40B4-BE49-F238E27FC236}">
+                  <a16:creationId xmlns:a16="http://schemas.microsoft.com/office/drawing/2014/main" id="{3BB02D4D-F911-1145-9D01-6CE2837E29A8}"/>
+                </a:ext>
+              </a:extLst>
+            </p:cNvPr>
+            <p:cNvSpPr/>
+            <p:nvPr/>
+          </p:nvSpPr>
+          <p:spPr>
+            <a:xfrm rot="16200000">
+              <a:off x="3675522" y="2906243"/>
+              <a:ext cx="5024349" cy="1045512"/>
+            </a:xfrm>
+            <a:prstGeom prst="rect">
+              <a:avLst/>
+            </a:prstGeom>
+            <a:ln w="28575">
+              <a:solidFill>
+                <a:schemeClr val="tx1"/>
+              </a:solidFill>
+            </a:ln>
+          </p:spPr>
+          <p:style>
+            <a:lnRef idx="2">
+              <a:schemeClr val="dk1"/>
+            </a:lnRef>
+            <a:fillRef idx="1">
+              <a:schemeClr val="lt1"/>
+            </a:fillRef>
+            <a:effectRef idx="0">
+              <a:schemeClr val="dk1"/>
+            </a:effectRef>
+            <a:fontRef idx="minor">
+              <a:schemeClr val="dk1"/>
+            </a:fontRef>
+          </p:style>
+          <p:txBody>
+            <a:bodyPr rtlCol="0" anchor="t"/>
+            <a:lstStyle/>
+            <a:p>
+              <a:pPr algn="ctr"/>
+              <a:r>
+                <a:rPr lang="en-US" sz="1200" b="1" dirty="0"/>
+                <a:t>CAP Process</a:t>
+              </a:r>
+            </a:p>
+          </p:txBody>
+        </p:sp>
+        <p:sp>
+          <p:nvSpPr>
+            <p:cNvPr id="98" name="Rectangle 97">
+              <a:extLst>
+                <a:ext uri="{FF2B5EF4-FFF2-40B4-BE49-F238E27FC236}">
+                  <a16:creationId xmlns:a16="http://schemas.microsoft.com/office/drawing/2014/main" id="{30979AAE-C3AD-1F46-A276-D3C6FF6744C6}"/>
+                </a:ext>
+              </a:extLst>
+            </p:cNvPr>
+            <p:cNvSpPr/>
+            <p:nvPr/>
+          </p:nvSpPr>
+          <p:spPr>
+            <a:xfrm>
+              <a:off x="5783732" y="3908491"/>
+              <a:ext cx="1846721" cy="441156"/>
+            </a:xfrm>
+            <a:prstGeom prst="rect">
+              <a:avLst/>
+            </a:prstGeom>
+            <a:ln w="28575">
+              <a:solidFill>
+                <a:schemeClr val="tx1"/>
+              </a:solidFill>
+              <a:prstDash val="sysDot"/>
+            </a:ln>
+          </p:spPr>
+          <p:style>
+            <a:lnRef idx="1">
+              <a:schemeClr val="accent3"/>
+            </a:lnRef>
+            <a:fillRef idx="2">
+              <a:schemeClr val="accent3"/>
+            </a:fillRef>
+            <a:effectRef idx="1">
+              <a:schemeClr val="accent3"/>
+            </a:effectRef>
+            <a:fontRef idx="minor">
+              <a:schemeClr val="dk1"/>
+            </a:fontRef>
+          </p:style>
+          <p:txBody>
+            <a:bodyPr rtlCol="0" anchor="ctr"/>
+            <a:lstStyle/>
+            <a:p>
+              <a:pPr algn="ctr"/>
+              <a:endParaRPr lang="en-US"/>
+            </a:p>
+          </p:txBody>
+        </p:sp>
+        <p:sp>
+          <p:nvSpPr>
+            <p:cNvPr id="96" name="Rectangle 95">
+              <a:extLst>
+                <a:ext uri="{FF2B5EF4-FFF2-40B4-BE49-F238E27FC236}">
+                  <a16:creationId xmlns:a16="http://schemas.microsoft.com/office/drawing/2014/main" id="{E37979F3-587F-124D-B126-EC9FF2976AE5}"/>
+                </a:ext>
+              </a:extLst>
+            </p:cNvPr>
+            <p:cNvSpPr/>
+            <p:nvPr/>
+          </p:nvSpPr>
+          <p:spPr>
+            <a:xfrm>
+              <a:off x="5783733" y="2519383"/>
+              <a:ext cx="1846721" cy="441156"/>
+            </a:xfrm>
+            <a:prstGeom prst="rect">
+              <a:avLst/>
+            </a:prstGeom>
+            <a:ln w="28575">
+              <a:solidFill>
+                <a:schemeClr val="tx1"/>
+              </a:solidFill>
+              <a:prstDash val="sysDot"/>
+            </a:ln>
+          </p:spPr>
+          <p:style>
+            <a:lnRef idx="1">
+              <a:schemeClr val="accent3"/>
+            </a:lnRef>
+            <a:fillRef idx="2">
+              <a:schemeClr val="accent3"/>
+            </a:fillRef>
+            <a:effectRef idx="1">
+              <a:schemeClr val="accent3"/>
+            </a:effectRef>
+            <a:fontRef idx="minor">
+              <a:schemeClr val="dk1"/>
+            </a:fontRef>
+          </p:style>
+          <p:txBody>
+            <a:bodyPr rtlCol="0" anchor="ctr"/>
+            <a:lstStyle/>
+            <a:p>
+              <a:pPr algn="ctr"/>
+              <a:endParaRPr lang="en-US"/>
+            </a:p>
+          </p:txBody>
+        </p:sp>
+        <p:sp>
+          <p:nvSpPr>
+            <p:cNvPr id="97" name="Rectangle 96">
+              <a:extLst>
+                <a:ext uri="{FF2B5EF4-FFF2-40B4-BE49-F238E27FC236}">
+                  <a16:creationId xmlns:a16="http://schemas.microsoft.com/office/drawing/2014/main" id="{739BD703-B930-FC47-BC2F-555E1B0F7890}"/>
+                </a:ext>
+              </a:extLst>
+            </p:cNvPr>
+            <p:cNvSpPr/>
+            <p:nvPr/>
+          </p:nvSpPr>
+          <p:spPr>
+            <a:xfrm>
+              <a:off x="5783733" y="5298458"/>
+              <a:ext cx="1846721" cy="441156"/>
+            </a:xfrm>
+            <a:prstGeom prst="rect">
+              <a:avLst/>
+            </a:prstGeom>
+            <a:ln w="28575">
+              <a:solidFill>
+                <a:schemeClr val="tx1"/>
+              </a:solidFill>
+              <a:prstDash val="sysDot"/>
+            </a:ln>
+          </p:spPr>
+          <p:style>
+            <a:lnRef idx="1">
+              <a:schemeClr val="accent3"/>
+            </a:lnRef>
+            <a:fillRef idx="2">
+              <a:schemeClr val="accent3"/>
+            </a:fillRef>
+            <a:effectRef idx="1">
+              <a:schemeClr val="accent3"/>
+            </a:effectRef>
+            <a:fontRef idx="minor">
+              <a:schemeClr val="dk1"/>
+            </a:fontRef>
+          </p:style>
+          <p:txBody>
+            <a:bodyPr rtlCol="0" anchor="ctr"/>
+            <a:lstStyle/>
+            <a:p>
+              <a:pPr algn="ctr"/>
+              <a:endParaRPr lang="en-US"/>
+            </a:p>
+          </p:txBody>
+        </p:sp>
+        <p:sp>
+          <p:nvSpPr>
+            <p:cNvPr id="11" name="Rectangle 10">
+              <a:extLst>
+                <a:ext uri="{FF2B5EF4-FFF2-40B4-BE49-F238E27FC236}">
+                  <a16:creationId xmlns:a16="http://schemas.microsoft.com/office/drawing/2014/main" id="{047A2591-FA27-5041-A291-6D49722524F9}"/>
+                </a:ext>
+              </a:extLst>
+            </p:cNvPr>
+            <p:cNvSpPr/>
+            <p:nvPr/>
+          </p:nvSpPr>
+          <p:spPr>
+            <a:xfrm>
+              <a:off x="5783734" y="1125887"/>
+              <a:ext cx="1846721" cy="441156"/>
+            </a:xfrm>
+            <a:prstGeom prst="rect">
+              <a:avLst/>
+            </a:prstGeom>
+            <a:ln w="28575">
+              <a:solidFill>
+                <a:schemeClr val="tx1"/>
+              </a:solidFill>
+              <a:prstDash val="sysDot"/>
+            </a:ln>
+          </p:spPr>
+          <p:style>
+            <a:lnRef idx="1">
+              <a:schemeClr val="accent3"/>
+            </a:lnRef>
+            <a:fillRef idx="2">
+              <a:schemeClr val="accent3"/>
+            </a:fillRef>
+            <a:effectRef idx="1">
+              <a:schemeClr val="accent3"/>
+            </a:effectRef>
+            <a:fontRef idx="minor">
+              <a:schemeClr val="dk1"/>
+            </a:fontRef>
+          </p:style>
+          <p:txBody>
+            <a:bodyPr rtlCol="0" anchor="ctr"/>
+            <a:lstStyle/>
+            <a:p>
+              <a:pPr algn="ctr"/>
+              <a:endParaRPr lang="en-US"/>
+            </a:p>
+          </p:txBody>
+        </p:sp>
+        <p:sp>
+          <p:nvSpPr>
+            <p:cNvPr id="89" name="Rectangle 88">
+              <a:extLst>
+                <a:ext uri="{FF2B5EF4-FFF2-40B4-BE49-F238E27FC236}">
+                  <a16:creationId xmlns:a16="http://schemas.microsoft.com/office/drawing/2014/main" id="{06D18286-61BB-704E-B7DF-2FDE26ED4630}"/>
+                </a:ext>
+              </a:extLst>
+            </p:cNvPr>
+            <p:cNvSpPr/>
+            <p:nvPr/>
+          </p:nvSpPr>
+          <p:spPr>
+            <a:xfrm>
+              <a:off x="5976469" y="4696461"/>
+              <a:ext cx="472142" cy="245035"/>
+            </a:xfrm>
+            <a:prstGeom prst="rect">
+              <a:avLst/>
+            </a:prstGeom>
+            <a:ln w="28575">
+              <a:solidFill>
+                <a:schemeClr val="tx1"/>
+              </a:solidFill>
+            </a:ln>
+          </p:spPr>
+          <p:style>
+            <a:lnRef idx="1">
+              <a:schemeClr val="accent6"/>
+            </a:lnRef>
+            <a:fillRef idx="2">
+              <a:schemeClr val="accent6"/>
+            </a:fillRef>
+            <a:effectRef idx="1">
+              <a:schemeClr val="accent6"/>
+            </a:effectRef>
+            <a:fontRef idx="minor">
+              <a:schemeClr val="dk1"/>
+            </a:fontRef>
+          </p:style>
+          <p:txBody>
+            <a:bodyPr rtlCol="0" anchor="ctr"/>
+            <a:lstStyle/>
+            <a:p>
+              <a:pPr algn="ctr"/>
+              <a:r>
+                <a:rPr lang="en-US" sz="1200" b="1" dirty="0"/>
+                <a:t>Task</a:t>
+              </a:r>
+            </a:p>
+          </p:txBody>
+        </p:sp>
+        <p:sp>
+          <p:nvSpPr>
+            <p:cNvPr id="87" name="Rectangle 86">
+              <a:extLst>
+                <a:ext uri="{FF2B5EF4-FFF2-40B4-BE49-F238E27FC236}">
+                  <a16:creationId xmlns:a16="http://schemas.microsoft.com/office/drawing/2014/main" id="{D92043C9-8695-044D-9F0A-C21A2A43030B}"/>
+                </a:ext>
+              </a:extLst>
+            </p:cNvPr>
+            <p:cNvSpPr/>
+            <p:nvPr/>
+          </p:nvSpPr>
+          <p:spPr>
+            <a:xfrm>
+              <a:off x="5945093" y="3314624"/>
+              <a:ext cx="472142" cy="245035"/>
+            </a:xfrm>
+            <a:prstGeom prst="rect">
+              <a:avLst/>
+            </a:prstGeom>
+            <a:ln w="28575">
+              <a:solidFill>
+                <a:schemeClr val="tx1"/>
+              </a:solidFill>
+            </a:ln>
+          </p:spPr>
+          <p:style>
+            <a:lnRef idx="1">
+              <a:schemeClr val="accent6"/>
+            </a:lnRef>
+            <a:fillRef idx="2">
+              <a:schemeClr val="accent6"/>
+            </a:fillRef>
+            <a:effectRef idx="1">
+              <a:schemeClr val="accent6"/>
+            </a:effectRef>
+            <a:fontRef idx="minor">
+              <a:schemeClr val="dk1"/>
+            </a:fontRef>
+          </p:style>
+          <p:txBody>
+            <a:bodyPr rtlCol="0" anchor="ctr"/>
+            <a:lstStyle/>
+            <a:p>
+              <a:pPr algn="ctr"/>
+              <a:r>
+                <a:rPr lang="en-US" sz="1200" b="1" dirty="0"/>
+                <a:t>Task</a:t>
+              </a:r>
+            </a:p>
+          </p:txBody>
+        </p:sp>
+        <p:sp>
+          <p:nvSpPr>
+            <p:cNvPr id="81" name="Oval 80">
+              <a:extLst>
+                <a:ext uri="{FF2B5EF4-FFF2-40B4-BE49-F238E27FC236}">
+                  <a16:creationId xmlns:a16="http://schemas.microsoft.com/office/drawing/2014/main" id="{67E93A30-4C8D-6F4A-8941-365852E06FD8}"/>
+                </a:ext>
+              </a:extLst>
+            </p:cNvPr>
+            <p:cNvSpPr/>
+            <p:nvPr/>
+          </p:nvSpPr>
+          <p:spPr>
+            <a:xfrm>
+              <a:off x="5850964" y="2598550"/>
+              <a:ext cx="660401" cy="274918"/>
+            </a:xfrm>
+            <a:prstGeom prst="ellipse">
+              <a:avLst/>
+            </a:prstGeom>
+            <a:ln w="28575">
+              <a:solidFill>
+                <a:schemeClr val="tx1"/>
+              </a:solidFill>
+            </a:ln>
+          </p:spPr>
+          <p:style>
+            <a:lnRef idx="1">
+              <a:schemeClr val="accent2"/>
+            </a:lnRef>
+            <a:fillRef idx="2">
+              <a:schemeClr val="accent2"/>
+            </a:fillRef>
+            <a:effectRef idx="1">
+              <a:schemeClr val="accent2"/>
+            </a:effectRef>
+            <a:fontRef idx="minor">
+              <a:schemeClr val="dk1"/>
+            </a:fontRef>
+          </p:style>
+          <p:txBody>
+            <a:bodyPr lIns="36000" rIns="36000" rtlCol="0" anchor="ctr"/>
+            <a:lstStyle/>
+            <a:p>
+              <a:pPr algn="ctr"/>
+              <a:r>
+                <a:rPr lang="en-US" sz="1200" b="1" dirty="0"/>
+                <a:t>MEM</a:t>
+              </a:r>
+            </a:p>
+          </p:txBody>
+        </p:sp>
+        <p:cxnSp>
+          <p:nvCxnSpPr>
+            <p:cNvPr id="83" name="Straight Arrow Connector 82">
+              <a:extLst>
+                <a:ext uri="{FF2B5EF4-FFF2-40B4-BE49-F238E27FC236}">
+                  <a16:creationId xmlns:a16="http://schemas.microsoft.com/office/drawing/2014/main" id="{91AC94FA-E095-1F4F-8170-2829DB1681F8}"/>
+                </a:ext>
+              </a:extLst>
+            </p:cNvPr>
+            <p:cNvCxnSpPr>
+              <a:cxnSpLocks/>
+              <a:stCxn id="81" idx="4"/>
+              <a:endCxn id="87" idx="0"/>
+            </p:cNvCxnSpPr>
+            <p:nvPr/>
+          </p:nvCxnSpPr>
+          <p:spPr>
+            <a:xfrm flipH="1">
+              <a:off x="6181164" y="2873468"/>
+              <a:ext cx="1" cy="441156"/>
+            </a:xfrm>
+            <a:prstGeom prst="straightConnector1">
+              <a:avLst/>
+            </a:prstGeom>
+            <a:ln w="57150">
+              <a:solidFill>
+                <a:schemeClr val="tx1"/>
+              </a:solidFill>
+              <a:tailEnd type="triangle"/>
+            </a:ln>
+          </p:spPr>
+          <p:style>
+            <a:lnRef idx="1">
+              <a:schemeClr val="accent1"/>
+            </a:lnRef>
+            <a:fillRef idx="0">
+              <a:schemeClr val="accent1"/>
+            </a:fillRef>
+            <a:effectRef idx="0">
+              <a:schemeClr val="accent1"/>
+            </a:effectRef>
+            <a:fontRef idx="minor">
+              <a:schemeClr val="tx1"/>
+            </a:fontRef>
+          </p:style>
+        </p:cxnSp>
+        <p:sp>
+          <p:nvSpPr>
+            <p:cNvPr id="78" name="Oval 77">
+              <a:extLst>
+                <a:ext uri="{FF2B5EF4-FFF2-40B4-BE49-F238E27FC236}">
+                  <a16:creationId xmlns:a16="http://schemas.microsoft.com/office/drawing/2014/main" id="{90F9426B-B856-8F4E-91A7-F8D7C9089AAC}"/>
+                </a:ext>
+              </a:extLst>
+            </p:cNvPr>
+            <p:cNvSpPr/>
+            <p:nvPr/>
+          </p:nvSpPr>
+          <p:spPr>
+            <a:xfrm>
+              <a:off x="5850964" y="3985101"/>
+              <a:ext cx="660401" cy="274918"/>
+            </a:xfrm>
+            <a:prstGeom prst="ellipse">
+              <a:avLst/>
+            </a:prstGeom>
+            <a:ln w="28575">
+              <a:solidFill>
+                <a:schemeClr val="tx1"/>
+              </a:solidFill>
+            </a:ln>
+          </p:spPr>
+          <p:style>
+            <a:lnRef idx="1">
+              <a:schemeClr val="accent2"/>
+            </a:lnRef>
+            <a:fillRef idx="2">
+              <a:schemeClr val="accent2"/>
+            </a:fillRef>
+            <a:effectRef idx="1">
+              <a:schemeClr val="accent2"/>
+            </a:effectRef>
+            <a:fontRef idx="minor">
+              <a:schemeClr val="dk1"/>
+            </a:fontRef>
+          </p:style>
+          <p:txBody>
+            <a:bodyPr lIns="36000" rIns="36000" rtlCol="0" anchor="ctr"/>
+            <a:lstStyle/>
+            <a:p>
+              <a:pPr algn="ctr"/>
+              <a:r>
+                <a:rPr lang="en-US" sz="1200" b="1" dirty="0"/>
+                <a:t>MEM</a:t>
+              </a:r>
+            </a:p>
+          </p:txBody>
+        </p:sp>
+        <p:cxnSp>
+          <p:nvCxnSpPr>
+            <p:cNvPr id="79" name="Straight Arrow Connector 78">
+              <a:extLst>
+                <a:ext uri="{FF2B5EF4-FFF2-40B4-BE49-F238E27FC236}">
+                  <a16:creationId xmlns:a16="http://schemas.microsoft.com/office/drawing/2014/main" id="{FC8BF8FF-92D9-6B4D-B836-E3180BD40156}"/>
+                </a:ext>
+              </a:extLst>
+            </p:cNvPr>
+            <p:cNvCxnSpPr>
+              <a:endCxn id="78" idx="0"/>
+            </p:cNvCxnSpPr>
+            <p:nvPr/>
+          </p:nvCxnSpPr>
+          <p:spPr>
+            <a:xfrm>
+              <a:off x="6181164" y="3558533"/>
+              <a:ext cx="1" cy="432000"/>
+            </a:xfrm>
+            <a:prstGeom prst="straightConnector1">
+              <a:avLst/>
+            </a:prstGeom>
+            <a:ln w="57150">
+              <a:solidFill>
+                <a:schemeClr val="tx1"/>
+              </a:solidFill>
+              <a:tailEnd type="triangle"/>
+            </a:ln>
+          </p:spPr>
+          <p:style>
+            <a:lnRef idx="1">
+              <a:schemeClr val="accent1"/>
+            </a:lnRef>
+            <a:fillRef idx="0">
+              <a:schemeClr val="accent1"/>
+            </a:fillRef>
+            <a:effectRef idx="0">
+              <a:schemeClr val="accent1"/>
+            </a:effectRef>
+            <a:fontRef idx="minor">
+              <a:schemeClr val="tx1"/>
+            </a:fontRef>
+          </p:style>
+        </p:cxnSp>
+        <p:cxnSp>
+          <p:nvCxnSpPr>
+            <p:cNvPr id="80" name="Straight Arrow Connector 79">
+              <a:extLst>
+                <a:ext uri="{FF2B5EF4-FFF2-40B4-BE49-F238E27FC236}">
+                  <a16:creationId xmlns:a16="http://schemas.microsoft.com/office/drawing/2014/main" id="{6CA7A752-0B42-C24C-A743-C931E706A0EF}"/>
+                </a:ext>
+              </a:extLst>
+            </p:cNvPr>
+            <p:cNvCxnSpPr>
+              <a:cxnSpLocks/>
+              <a:stCxn id="78" idx="4"/>
+            </p:cNvCxnSpPr>
+            <p:nvPr/>
+          </p:nvCxnSpPr>
+          <p:spPr>
+            <a:xfrm flipH="1">
+              <a:off x="6181164" y="4260019"/>
+              <a:ext cx="1" cy="441156"/>
+            </a:xfrm>
+            <a:prstGeom prst="straightConnector1">
+              <a:avLst/>
+            </a:prstGeom>
+            <a:ln w="57150">
+              <a:solidFill>
+                <a:schemeClr val="tx1"/>
+              </a:solidFill>
+              <a:tailEnd type="triangle"/>
+            </a:ln>
+          </p:spPr>
+          <p:style>
+            <a:lnRef idx="1">
+              <a:schemeClr val="accent1"/>
+            </a:lnRef>
+            <a:fillRef idx="0">
+              <a:schemeClr val="accent1"/>
+            </a:fillRef>
+            <a:effectRef idx="0">
+              <a:schemeClr val="accent1"/>
+            </a:effectRef>
+            <a:fontRef idx="minor">
+              <a:schemeClr val="tx1"/>
+            </a:fontRef>
+          </p:style>
+        </p:cxnSp>
+        <p:sp>
+          <p:nvSpPr>
+            <p:cNvPr id="76" name="Oval 75">
+              <a:extLst>
+                <a:ext uri="{FF2B5EF4-FFF2-40B4-BE49-F238E27FC236}">
+                  <a16:creationId xmlns:a16="http://schemas.microsoft.com/office/drawing/2014/main" id="{D3B6EA35-3E5D-CA4A-8B3E-3C2550557517}"/>
+                </a:ext>
+              </a:extLst>
+            </p:cNvPr>
+            <p:cNvSpPr/>
+            <p:nvPr/>
+          </p:nvSpPr>
+          <p:spPr>
+            <a:xfrm>
+              <a:off x="5850964" y="5374075"/>
+              <a:ext cx="660401" cy="274918"/>
+            </a:xfrm>
+            <a:prstGeom prst="ellipse">
+              <a:avLst/>
+            </a:prstGeom>
+            <a:ln w="28575">
+              <a:solidFill>
+                <a:schemeClr val="tx1"/>
+              </a:solidFill>
+            </a:ln>
+          </p:spPr>
+          <p:style>
+            <a:lnRef idx="1">
+              <a:schemeClr val="accent2"/>
+            </a:lnRef>
+            <a:fillRef idx="2">
+              <a:schemeClr val="accent2"/>
+            </a:fillRef>
+            <a:effectRef idx="1">
+              <a:schemeClr val="accent2"/>
+            </a:effectRef>
+            <a:fontRef idx="minor">
+              <a:schemeClr val="dk1"/>
+            </a:fontRef>
+          </p:style>
+          <p:txBody>
+            <a:bodyPr lIns="36000" rIns="36000" rtlCol="0" anchor="ctr"/>
+            <a:lstStyle/>
+            <a:p>
+              <a:pPr algn="ctr"/>
+              <a:r>
+                <a:rPr lang="en-US" sz="1200" b="1" dirty="0"/>
+                <a:t>MEM</a:t>
+              </a:r>
+            </a:p>
+          </p:txBody>
+        </p:sp>
+        <p:cxnSp>
+          <p:nvCxnSpPr>
+            <p:cNvPr id="77" name="Straight Arrow Connector 76">
+              <a:extLst>
+                <a:ext uri="{FF2B5EF4-FFF2-40B4-BE49-F238E27FC236}">
+                  <a16:creationId xmlns:a16="http://schemas.microsoft.com/office/drawing/2014/main" id="{F181BE1B-884E-7C46-9086-D2ABDA0DC6CE}"/>
+                </a:ext>
+              </a:extLst>
+            </p:cNvPr>
+            <p:cNvCxnSpPr>
+              <a:endCxn id="76" idx="0"/>
+            </p:cNvCxnSpPr>
+            <p:nvPr/>
+          </p:nvCxnSpPr>
+          <p:spPr>
+            <a:xfrm>
+              <a:off x="6181164" y="4947507"/>
+              <a:ext cx="1" cy="432000"/>
+            </a:xfrm>
+            <a:prstGeom prst="straightConnector1">
+              <a:avLst/>
+            </a:prstGeom>
+            <a:ln w="57150">
+              <a:solidFill>
+                <a:schemeClr val="tx1"/>
+              </a:solidFill>
+              <a:tailEnd type="triangle"/>
+            </a:ln>
+          </p:spPr>
+          <p:style>
+            <a:lnRef idx="1">
+              <a:schemeClr val="accent1"/>
+            </a:lnRef>
+            <a:fillRef idx="0">
+              <a:schemeClr val="accent1"/>
+            </a:fillRef>
+            <a:effectRef idx="0">
+              <a:schemeClr val="accent1"/>
+            </a:effectRef>
+            <a:fontRef idx="minor">
+              <a:schemeClr val="tx1"/>
+            </a:fontRef>
+          </p:style>
+        </p:cxnSp>
+        <p:sp>
+          <p:nvSpPr>
+            <p:cNvPr id="90" name="Oval 89">
+              <a:extLst>
+                <a:ext uri="{FF2B5EF4-FFF2-40B4-BE49-F238E27FC236}">
+                  <a16:creationId xmlns:a16="http://schemas.microsoft.com/office/drawing/2014/main" id="{454978AF-1900-F349-A5A2-8301F53D22EA}"/>
+                </a:ext>
+              </a:extLst>
+            </p:cNvPr>
+            <p:cNvSpPr/>
+            <p:nvPr/>
+          </p:nvSpPr>
+          <p:spPr>
+            <a:xfrm>
+              <a:off x="6902826" y="2598550"/>
+              <a:ext cx="660401" cy="274918"/>
+            </a:xfrm>
+            <a:prstGeom prst="ellipse">
+              <a:avLst/>
+            </a:prstGeom>
+            <a:ln w="28575">
+              <a:solidFill>
+                <a:schemeClr val="tx1"/>
+              </a:solidFill>
+            </a:ln>
+          </p:spPr>
+          <p:style>
+            <a:lnRef idx="1">
+              <a:schemeClr val="accent1"/>
+            </a:lnRef>
+            <a:fillRef idx="2">
+              <a:schemeClr val="accent1"/>
+            </a:fillRef>
+            <a:effectRef idx="1">
+              <a:schemeClr val="accent1"/>
+            </a:effectRef>
+            <a:fontRef idx="minor">
+              <a:schemeClr val="dk1"/>
+            </a:fontRef>
+          </p:style>
+          <p:txBody>
+            <a:bodyPr rtlCol="0" anchor="ctr"/>
+            <a:lstStyle/>
+            <a:p>
+              <a:pPr algn="ctr"/>
+              <a:r>
+                <a:rPr lang="en-US" sz="1200" b="1" dirty="0"/>
+                <a:t>Files</a:t>
+              </a:r>
+            </a:p>
+          </p:txBody>
+        </p:sp>
+        <p:sp>
+          <p:nvSpPr>
+            <p:cNvPr id="92" name="Oval 91">
+              <a:extLst>
+                <a:ext uri="{FF2B5EF4-FFF2-40B4-BE49-F238E27FC236}">
+                  <a16:creationId xmlns:a16="http://schemas.microsoft.com/office/drawing/2014/main" id="{ACCA2F37-5F26-C54A-909F-C402EDFBEB65}"/>
+                </a:ext>
+              </a:extLst>
+            </p:cNvPr>
+            <p:cNvSpPr/>
+            <p:nvPr/>
+          </p:nvSpPr>
+          <p:spPr>
+            <a:xfrm>
+              <a:off x="6902826" y="5374075"/>
+              <a:ext cx="660401" cy="274918"/>
+            </a:xfrm>
+            <a:prstGeom prst="ellipse">
+              <a:avLst/>
+            </a:prstGeom>
+            <a:ln w="28575">
+              <a:solidFill>
+                <a:schemeClr val="tx1"/>
+              </a:solidFill>
+            </a:ln>
+          </p:spPr>
+          <p:style>
+            <a:lnRef idx="1">
+              <a:schemeClr val="accent1"/>
+            </a:lnRef>
+            <a:fillRef idx="2">
+              <a:schemeClr val="accent1"/>
+            </a:fillRef>
+            <a:effectRef idx="1">
+              <a:schemeClr val="accent1"/>
+            </a:effectRef>
+            <a:fontRef idx="minor">
+              <a:schemeClr val="dk1"/>
+            </a:fontRef>
+          </p:style>
+          <p:txBody>
+            <a:bodyPr rtlCol="0" anchor="ctr"/>
+            <a:lstStyle/>
+            <a:p>
+              <a:pPr algn="ctr"/>
+              <a:r>
+                <a:rPr lang="en-US" sz="1200" b="1" dirty="0"/>
+                <a:t>Files</a:t>
+              </a:r>
+            </a:p>
+          </p:txBody>
+        </p:sp>
+        <p:sp>
+          <p:nvSpPr>
+            <p:cNvPr id="93" name="Oval 92">
+              <a:extLst>
+                <a:ext uri="{FF2B5EF4-FFF2-40B4-BE49-F238E27FC236}">
+                  <a16:creationId xmlns:a16="http://schemas.microsoft.com/office/drawing/2014/main" id="{36BF4458-1940-8441-B92A-D3BBBE91C464}"/>
+                </a:ext>
+              </a:extLst>
+            </p:cNvPr>
+            <p:cNvSpPr/>
+            <p:nvPr/>
+          </p:nvSpPr>
+          <p:spPr>
+            <a:xfrm>
+              <a:off x="6902826" y="1209006"/>
+              <a:ext cx="660401" cy="274918"/>
+            </a:xfrm>
+            <a:prstGeom prst="ellipse">
+              <a:avLst/>
+            </a:prstGeom>
+            <a:ln w="28575">
+              <a:solidFill>
+                <a:schemeClr val="tx1"/>
+              </a:solidFill>
+            </a:ln>
+          </p:spPr>
+          <p:style>
+            <a:lnRef idx="1">
+              <a:schemeClr val="accent1"/>
+            </a:lnRef>
+            <a:fillRef idx="2">
+              <a:schemeClr val="accent1"/>
+            </a:fillRef>
+            <a:effectRef idx="1">
+              <a:schemeClr val="accent1"/>
+            </a:effectRef>
+            <a:fontRef idx="minor">
+              <a:schemeClr val="dk1"/>
+            </a:fontRef>
+          </p:style>
+          <p:txBody>
+            <a:bodyPr rtlCol="0" anchor="ctr"/>
+            <a:lstStyle/>
+            <a:p>
+              <a:pPr algn="ctr"/>
+              <a:r>
+                <a:rPr lang="en-US" sz="1200" b="1" dirty="0"/>
+                <a:t>Files</a:t>
+              </a:r>
+            </a:p>
+          </p:txBody>
+        </p:sp>
+        <p:cxnSp>
+          <p:nvCxnSpPr>
+            <p:cNvPr id="94" name="Straight Arrow Connector 93">
+              <a:extLst>
+                <a:ext uri="{FF2B5EF4-FFF2-40B4-BE49-F238E27FC236}">
+                  <a16:creationId xmlns:a16="http://schemas.microsoft.com/office/drawing/2014/main" id="{BEB707F9-D56F-DF47-9CF7-AA56EDC54DEC}"/>
+                </a:ext>
+              </a:extLst>
+            </p:cNvPr>
+            <p:cNvCxnSpPr/>
+            <p:nvPr/>
+          </p:nvCxnSpPr>
+          <p:spPr>
+            <a:xfrm>
+              <a:off x="6511365" y="2741971"/>
+              <a:ext cx="391461" cy="0"/>
+            </a:xfrm>
+            <a:prstGeom prst="straightConnector1">
+              <a:avLst/>
+            </a:prstGeom>
+            <a:ln w="12700">
+              <a:solidFill>
+                <a:schemeClr val="tx1"/>
+              </a:solidFill>
+              <a:prstDash val="solid"/>
+              <a:headEnd type="triangle"/>
+              <a:tailEnd type="triangle"/>
+            </a:ln>
+          </p:spPr>
+          <p:style>
+            <a:lnRef idx="1">
+              <a:schemeClr val="accent1"/>
+            </a:lnRef>
+            <a:fillRef idx="0">
+              <a:schemeClr val="accent1"/>
+            </a:fillRef>
+            <a:effectRef idx="0">
+              <a:schemeClr val="accent1"/>
+            </a:effectRef>
+            <a:fontRef idx="minor">
+              <a:schemeClr val="tx1"/>
+            </a:fontRef>
+          </p:style>
+        </p:cxnSp>
+        <p:cxnSp>
+          <p:nvCxnSpPr>
+            <p:cNvPr id="95" name="Straight Arrow Connector 94">
+              <a:extLst>
+                <a:ext uri="{FF2B5EF4-FFF2-40B4-BE49-F238E27FC236}">
+                  <a16:creationId xmlns:a16="http://schemas.microsoft.com/office/drawing/2014/main" id="{9308000D-94E4-CE45-889F-3F5938BA51D3}"/>
+                </a:ext>
+              </a:extLst>
+            </p:cNvPr>
+            <p:cNvCxnSpPr/>
+            <p:nvPr/>
+          </p:nvCxnSpPr>
+          <p:spPr>
+            <a:xfrm>
+              <a:off x="6511365" y="5518042"/>
+              <a:ext cx="391461" cy="0"/>
+            </a:xfrm>
+            <a:prstGeom prst="straightConnector1">
+              <a:avLst/>
+            </a:prstGeom>
+            <a:ln w="12700">
+              <a:solidFill>
+                <a:schemeClr val="tx1"/>
+              </a:solidFill>
+              <a:prstDash val="solid"/>
+              <a:headEnd type="triangle"/>
+              <a:tailEnd type="triangle"/>
+            </a:ln>
+          </p:spPr>
+          <p:style>
+            <a:lnRef idx="1">
+              <a:schemeClr val="accent1"/>
+            </a:lnRef>
+            <a:fillRef idx="0">
+              <a:schemeClr val="accent1"/>
+            </a:fillRef>
+            <a:effectRef idx="0">
+              <a:schemeClr val="accent1"/>
+            </a:effectRef>
+            <a:fontRef idx="minor">
+              <a:schemeClr val="tx1"/>
+            </a:fontRef>
+          </p:style>
+        </p:cxnSp>
+        <p:sp>
+          <p:nvSpPr>
+            <p:cNvPr id="30" name="Rectangle 29">
+              <a:extLst>
+                <a:ext uri="{FF2B5EF4-FFF2-40B4-BE49-F238E27FC236}">
+                  <a16:creationId xmlns:a16="http://schemas.microsoft.com/office/drawing/2014/main" id="{C79BF124-0530-F144-B6B9-C72A70D2701E}"/>
+                </a:ext>
+              </a:extLst>
+            </p:cNvPr>
+            <p:cNvSpPr/>
+            <p:nvPr/>
+          </p:nvSpPr>
+          <p:spPr>
+            <a:xfrm rot="16200000">
+              <a:off x="6828312" y="1578221"/>
+              <a:ext cx="670476" cy="799354"/>
+            </a:xfrm>
+            <a:prstGeom prst="rect">
+              <a:avLst/>
+            </a:prstGeom>
+            <a:ln w="28575">
+              <a:solidFill>
+                <a:schemeClr val="tx1"/>
+              </a:solidFill>
+            </a:ln>
+          </p:spPr>
+          <p:style>
+            <a:lnRef idx="2">
+              <a:schemeClr val="dk1"/>
+            </a:lnRef>
+            <a:fillRef idx="1">
+              <a:schemeClr val="lt1"/>
+            </a:fillRef>
+            <a:effectRef idx="0">
+              <a:schemeClr val="dk1"/>
+            </a:effectRef>
+            <a:fontRef idx="minor">
+              <a:schemeClr val="dk1"/>
+            </a:fontRef>
+          </p:style>
+          <p:txBody>
+            <a:bodyPr rtlCol="0" anchor="t"/>
+            <a:lstStyle/>
+            <a:p>
+              <a:pPr algn="ctr"/>
+              <a:r>
+                <a:rPr lang="en-US" sz="1200" b="1" dirty="0"/>
+                <a:t>Process</a:t>
+              </a:r>
+            </a:p>
+          </p:txBody>
+        </p:sp>
+        <p:sp>
+          <p:nvSpPr>
+            <p:cNvPr id="31" name="Rectangle 30">
+              <a:extLst>
+                <a:ext uri="{FF2B5EF4-FFF2-40B4-BE49-F238E27FC236}">
+                  <a16:creationId xmlns:a16="http://schemas.microsoft.com/office/drawing/2014/main" id="{9E9C8C9D-45F9-6E48-A36B-E6B7EE0F9F17}"/>
+                </a:ext>
+              </a:extLst>
+            </p:cNvPr>
+            <p:cNvSpPr/>
+            <p:nvPr/>
+          </p:nvSpPr>
+          <p:spPr>
+            <a:xfrm>
+              <a:off x="7028331" y="1921313"/>
+              <a:ext cx="472142" cy="245035"/>
+            </a:xfrm>
+            <a:prstGeom prst="rect">
+              <a:avLst/>
+            </a:prstGeom>
+            <a:ln w="28575">
+              <a:solidFill>
+                <a:schemeClr val="tx1"/>
+              </a:solidFill>
+            </a:ln>
+          </p:spPr>
+          <p:style>
+            <a:lnRef idx="1">
+              <a:schemeClr val="accent6"/>
+            </a:lnRef>
+            <a:fillRef idx="2">
+              <a:schemeClr val="accent6"/>
+            </a:fillRef>
+            <a:effectRef idx="1">
+              <a:schemeClr val="accent6"/>
+            </a:effectRef>
+            <a:fontRef idx="minor">
+              <a:schemeClr val="dk1"/>
+            </a:fontRef>
+          </p:style>
+          <p:txBody>
+            <a:bodyPr rtlCol="0" anchor="ctr"/>
+            <a:lstStyle/>
+            <a:p>
+              <a:pPr algn="ctr"/>
+              <a:r>
+                <a:rPr lang="en-US" sz="1200" b="1" dirty="0"/>
+                <a:t>Task</a:t>
+              </a:r>
+            </a:p>
+          </p:txBody>
+        </p:sp>
+        <p:cxnSp>
+          <p:nvCxnSpPr>
+            <p:cNvPr id="82" name="Straight Arrow Connector 81">
+              <a:extLst>
+                <a:ext uri="{FF2B5EF4-FFF2-40B4-BE49-F238E27FC236}">
+                  <a16:creationId xmlns:a16="http://schemas.microsoft.com/office/drawing/2014/main" id="{27338919-3C32-CD43-A72B-0BEE391D1520}"/>
+                </a:ext>
+              </a:extLst>
+            </p:cNvPr>
+            <p:cNvCxnSpPr>
+              <a:cxnSpLocks/>
+            </p:cNvCxnSpPr>
+            <p:nvPr/>
+          </p:nvCxnSpPr>
+          <p:spPr>
+            <a:xfrm>
+              <a:off x="7238439" y="2167891"/>
+              <a:ext cx="1" cy="432000"/>
+            </a:xfrm>
+            <a:prstGeom prst="straightConnector1">
+              <a:avLst/>
+            </a:prstGeom>
+            <a:ln w="57150">
+              <a:solidFill>
+                <a:schemeClr val="tx1"/>
+              </a:solidFill>
+              <a:tailEnd type="triangle"/>
+            </a:ln>
+          </p:spPr>
+          <p:style>
+            <a:lnRef idx="1">
+              <a:schemeClr val="accent1"/>
+            </a:lnRef>
+            <a:fillRef idx="0">
+              <a:schemeClr val="accent1"/>
+            </a:fillRef>
+            <a:effectRef idx="0">
+              <a:schemeClr val="accent1"/>
+            </a:effectRef>
+            <a:fontRef idx="minor">
+              <a:schemeClr val="tx1"/>
+            </a:fontRef>
+          </p:style>
+        </p:cxnSp>
+        <p:cxnSp>
+          <p:nvCxnSpPr>
+            <p:cNvPr id="75" name="Straight Arrow Connector 74">
+              <a:extLst>
+                <a:ext uri="{FF2B5EF4-FFF2-40B4-BE49-F238E27FC236}">
+                  <a16:creationId xmlns:a16="http://schemas.microsoft.com/office/drawing/2014/main" id="{F0100D22-329D-1945-865D-E6C98ED5E6AB}"/>
+                </a:ext>
+              </a:extLst>
+            </p:cNvPr>
+            <p:cNvCxnSpPr>
+              <a:cxnSpLocks/>
+            </p:cNvCxnSpPr>
+            <p:nvPr/>
+          </p:nvCxnSpPr>
+          <p:spPr>
+            <a:xfrm flipH="1">
+              <a:off x="7238439" y="1479833"/>
+              <a:ext cx="1" cy="441156"/>
+            </a:xfrm>
+            <a:prstGeom prst="straightConnector1">
+              <a:avLst/>
+            </a:prstGeom>
+            <a:ln w="57150">
+              <a:solidFill>
+                <a:schemeClr val="tx1"/>
+              </a:solidFill>
+              <a:tailEnd type="triangle"/>
+            </a:ln>
+          </p:spPr>
+          <p:style>
+            <a:lnRef idx="1">
+              <a:schemeClr val="accent1"/>
+            </a:lnRef>
+            <a:fillRef idx="0">
+              <a:schemeClr val="accent1"/>
+            </a:fillRef>
+            <a:effectRef idx="0">
+              <a:schemeClr val="accent1"/>
+            </a:effectRef>
+            <a:fontRef idx="minor">
+              <a:schemeClr val="tx1"/>
+            </a:fontRef>
+          </p:style>
+        </p:cxnSp>
+      </p:grpSp>
+    </p:spTree>
+    <p:extLst>
+      <p:ext uri="{BB962C8B-B14F-4D97-AF65-F5344CB8AC3E}">
+        <p14:creationId xmlns:p14="http://schemas.microsoft.com/office/powerpoint/2010/main" val="37101798"/>
       </p:ext>
     </p:extLst>
   </p:cSld>
